--- a/lectures/10_word_embedding/0_word_embedding.pptx
+++ b/lectures/10_word_embedding/0_word_embedding.pptx
@@ -5,37 +5,38 @@
     <p:sldMasterId id="2147483648" r:id="rId1"/>
   </p:sldMasterIdLst>
   <p:notesMasterIdLst>
-    <p:notesMasterId r:id="rId30"/>
+    <p:notesMasterId r:id="rId31"/>
   </p:notesMasterIdLst>
   <p:sldIdLst>
     <p:sldId id="256" r:id="rId2"/>
     <p:sldId id="257" r:id="rId3"/>
     <p:sldId id="261" r:id="rId4"/>
     <p:sldId id="269" r:id="rId5"/>
-    <p:sldId id="270" r:id="rId6"/>
-    <p:sldId id="271" r:id="rId7"/>
-    <p:sldId id="259" r:id="rId8"/>
-    <p:sldId id="263" r:id="rId9"/>
-    <p:sldId id="267" r:id="rId10"/>
-    <p:sldId id="264" r:id="rId11"/>
-    <p:sldId id="285" r:id="rId12"/>
-    <p:sldId id="272" r:id="rId13"/>
-    <p:sldId id="265" r:id="rId14"/>
-    <p:sldId id="266" r:id="rId15"/>
-    <p:sldId id="260" r:id="rId16"/>
-    <p:sldId id="268" r:id="rId17"/>
-    <p:sldId id="273" r:id="rId18"/>
-    <p:sldId id="274" r:id="rId19"/>
-    <p:sldId id="275" r:id="rId20"/>
-    <p:sldId id="276" r:id="rId21"/>
-    <p:sldId id="277" r:id="rId22"/>
-    <p:sldId id="278" r:id="rId23"/>
-    <p:sldId id="279" r:id="rId24"/>
-    <p:sldId id="281" r:id="rId25"/>
-    <p:sldId id="280" r:id="rId26"/>
-    <p:sldId id="282" r:id="rId27"/>
-    <p:sldId id="283" r:id="rId28"/>
-    <p:sldId id="284" r:id="rId29"/>
+    <p:sldId id="286" r:id="rId6"/>
+    <p:sldId id="270" r:id="rId7"/>
+    <p:sldId id="271" r:id="rId8"/>
+    <p:sldId id="259" r:id="rId9"/>
+    <p:sldId id="263" r:id="rId10"/>
+    <p:sldId id="267" r:id="rId11"/>
+    <p:sldId id="264" r:id="rId12"/>
+    <p:sldId id="285" r:id="rId13"/>
+    <p:sldId id="272" r:id="rId14"/>
+    <p:sldId id="265" r:id="rId15"/>
+    <p:sldId id="266" r:id="rId16"/>
+    <p:sldId id="260" r:id="rId17"/>
+    <p:sldId id="268" r:id="rId18"/>
+    <p:sldId id="273" r:id="rId19"/>
+    <p:sldId id="274" r:id="rId20"/>
+    <p:sldId id="275" r:id="rId21"/>
+    <p:sldId id="276" r:id="rId22"/>
+    <p:sldId id="277" r:id="rId23"/>
+    <p:sldId id="278" r:id="rId24"/>
+    <p:sldId id="279" r:id="rId25"/>
+    <p:sldId id="281" r:id="rId26"/>
+    <p:sldId id="280" r:id="rId27"/>
+    <p:sldId id="282" r:id="rId28"/>
+    <p:sldId id="283" r:id="rId29"/>
+    <p:sldId id="284" r:id="rId30"/>
   </p:sldIdLst>
   <p:sldSz cx="12192000" cy="6858000"/>
   <p:notesSz cx="6858000" cy="9144000"/>
@@ -145,7 +146,7 @@
 <file path=ppt/revisionInfo.xml><?xml version="1.0" encoding="utf-8"?>
 <p1510:revInfo xmlns:a="http://schemas.openxmlformats.org/drawingml/2006/main" xmlns:r="http://schemas.openxmlformats.org/officeDocument/2006/relationships" xmlns:p1510="http://schemas.microsoft.com/office/powerpoint/2015/10/main">
   <p1510:revLst>
-    <p1510:client id="{99E7DBB8-0B00-463F-B90F-88F2FF9D1B2C}" v="156" dt="2025-05-10T14:36:40.248"/>
+    <p1510:client id="{99E7DBB8-0B00-463F-B90F-88F2FF9D1B2C}" v="160" dt="2025-05-14T00:52:32.530"/>
   </p1510:revLst>
 </p1510:revInfo>
 </file>
@@ -155,7 +156,7 @@
   <pc:docChgLst>
     <pc:chgData name="Weifeng Xu" userId="e7aed605-a3dd-4d5a-a692-a87037af107b" providerId="ADAL" clId="{99E7DBB8-0B00-463F-B90F-88F2FF9D1B2C}"/>
     <pc:docChg chg="undo redo custSel addSld delSld modSld sldOrd">
-      <pc:chgData name="Weifeng Xu" userId="e7aed605-a3dd-4d5a-a692-a87037af107b" providerId="ADAL" clId="{99E7DBB8-0B00-463F-B90F-88F2FF9D1B2C}" dt="2025-05-12T21:15:02.063" v="1975" actId="22"/>
+      <pc:chgData name="Weifeng Xu" userId="e7aed605-a3dd-4d5a-a692-a87037af107b" providerId="ADAL" clId="{99E7DBB8-0B00-463F-B90F-88F2FF9D1B2C}" dt="2025-05-14T00:52:45.952" v="2016" actId="20577"/>
       <pc:docMkLst>
         <pc:docMk/>
       </pc:docMkLst>
@@ -1387,28 +1388,59 @@
           <pc:docMk/>
           <pc:sldMk cId="3944974779" sldId="285"/>
         </pc:sldMkLst>
-        <pc:spChg chg="del">
-          <ac:chgData name="Weifeng Xu" userId="e7aed605-a3dd-4d5a-a692-a87037af107b" providerId="ADAL" clId="{99E7DBB8-0B00-463F-B90F-88F2FF9D1B2C}" dt="2025-05-12T21:11:37.391" v="1974" actId="700"/>
-          <ac:spMkLst>
-            <pc:docMk/>
-            <pc:sldMk cId="3944974779" sldId="285"/>
-            <ac:spMk id="2" creationId="{D58C234C-254C-9947-C96C-2619743A40B1}"/>
-          </ac:spMkLst>
-        </pc:spChg>
-        <pc:spChg chg="del">
-          <ac:chgData name="Weifeng Xu" userId="e7aed605-a3dd-4d5a-a692-a87037af107b" providerId="ADAL" clId="{99E7DBB8-0B00-463F-B90F-88F2FF9D1B2C}" dt="2025-05-12T21:11:37.391" v="1974" actId="700"/>
-          <ac:spMkLst>
-            <pc:docMk/>
-            <pc:sldMk cId="3944974779" sldId="285"/>
-            <ac:spMk id="3" creationId="{B2D9A29B-F492-304A-3CD7-72FF4F11A8B8}"/>
-          </ac:spMkLst>
-        </pc:spChg>
         <pc:picChg chg="add">
           <ac:chgData name="Weifeng Xu" userId="e7aed605-a3dd-4d5a-a692-a87037af107b" providerId="ADAL" clId="{99E7DBB8-0B00-463F-B90F-88F2FF9D1B2C}" dt="2025-05-12T21:15:02.063" v="1975" actId="22"/>
           <ac:picMkLst>
             <pc:docMk/>
             <pc:sldMk cId="3944974779" sldId="285"/>
             <ac:picMk id="5" creationId="{B5961A6A-747A-5241-8B39-D37455B6547E}"/>
+          </ac:picMkLst>
+        </pc:picChg>
+      </pc:sldChg>
+      <pc:sldChg chg="addSp delSp modSp new mod ord modClrScheme chgLayout">
+        <pc:chgData name="Weifeng Xu" userId="e7aed605-a3dd-4d5a-a692-a87037af107b" providerId="ADAL" clId="{99E7DBB8-0B00-463F-B90F-88F2FF9D1B2C}" dt="2025-05-14T00:52:45.952" v="2016" actId="20577"/>
+        <pc:sldMkLst>
+          <pc:docMk/>
+          <pc:sldMk cId="1036684615" sldId="286"/>
+        </pc:sldMkLst>
+        <pc:spChg chg="del">
+          <ac:chgData name="Weifeng Xu" userId="e7aed605-a3dd-4d5a-a692-a87037af107b" providerId="ADAL" clId="{99E7DBB8-0B00-463F-B90F-88F2FF9D1B2C}" dt="2025-05-14T00:48:42.756" v="1977" actId="700"/>
+          <ac:spMkLst>
+            <pc:docMk/>
+            <pc:sldMk cId="1036684615" sldId="286"/>
+            <ac:spMk id="2" creationId="{FFB5FE33-5A7B-2344-5947-1C52FD0F7B86}"/>
+          </ac:spMkLst>
+        </pc:spChg>
+        <pc:spChg chg="del">
+          <ac:chgData name="Weifeng Xu" userId="e7aed605-a3dd-4d5a-a692-a87037af107b" providerId="ADAL" clId="{99E7DBB8-0B00-463F-B90F-88F2FF9D1B2C}" dt="2025-05-14T00:48:42.756" v="1977" actId="700"/>
+          <ac:spMkLst>
+            <pc:docMk/>
+            <pc:sldMk cId="1036684615" sldId="286"/>
+            <ac:spMk id="3" creationId="{98B74BD0-3685-3094-5304-D8D21778E748}"/>
+          </ac:spMkLst>
+        </pc:spChg>
+        <pc:spChg chg="add mod">
+          <ac:chgData name="Weifeng Xu" userId="e7aed605-a3dd-4d5a-a692-a87037af107b" providerId="ADAL" clId="{99E7DBB8-0B00-463F-B90F-88F2FF9D1B2C}" dt="2025-05-14T00:52:15.679" v="1992" actId="1076"/>
+          <ac:spMkLst>
+            <pc:docMk/>
+            <pc:sldMk cId="1036684615" sldId="286"/>
+            <ac:spMk id="5" creationId="{79381B55-A4C9-6593-AA3C-BF46F3B728EF}"/>
+          </ac:spMkLst>
+        </pc:spChg>
+        <pc:spChg chg="add mod">
+          <ac:chgData name="Weifeng Xu" userId="e7aed605-a3dd-4d5a-a692-a87037af107b" providerId="ADAL" clId="{99E7DBB8-0B00-463F-B90F-88F2FF9D1B2C}" dt="2025-05-14T00:52:45.952" v="2016" actId="20577"/>
+          <ac:spMkLst>
+            <pc:docMk/>
+            <pc:sldMk cId="1036684615" sldId="286"/>
+            <ac:spMk id="6" creationId="{DC8BD3C1-0620-61C4-4238-6C2B3533B391}"/>
+          </ac:spMkLst>
+        </pc:spChg>
+        <pc:picChg chg="add mod">
+          <ac:chgData name="Weifeng Xu" userId="e7aed605-a3dd-4d5a-a692-a87037af107b" providerId="ADAL" clId="{99E7DBB8-0B00-463F-B90F-88F2FF9D1B2C}" dt="2025-05-14T00:52:12.776" v="1991" actId="1076"/>
+          <ac:picMkLst>
+            <pc:docMk/>
+            <pc:sldMk cId="1036684615" sldId="286"/>
+            <ac:picMk id="1026" creationId="{F5F2E22A-BED2-8403-26E5-26072C3CDC4C}"/>
           </ac:picMkLst>
         </pc:picChg>
       </pc:sldChg>
@@ -3464,7 +3496,7 @@
           <a:p>
             <a:fld id="{2A59A54D-A59E-4D85-AEC9-D5AFF867AB55}" type="datetimeFigureOut">
               <a:rPr lang="en-US" smtClean="0"/>
-              <a:t>5/12/2025</a:t>
+              <a:t>5/13/2025</a:t>
             </a:fld>
             <a:endParaRPr lang="en-US"/>
           </a:p>
@@ -3994,7 +4026,7 @@
           <a:p>
             <a:fld id="{AD4B3522-F598-4236-847D-901DDEE8B2B8}" type="slidenum">
               <a:rPr lang="en-US" smtClean="0"/>
-              <a:t>16</a:t>
+              <a:t>17</a:t>
             </a:fld>
             <a:endParaRPr lang="en-US"/>
           </a:p>
@@ -4142,7 +4174,7 @@
           <a:p>
             <a:fld id="{4263717A-E3C1-4BED-ABE0-B7069385E023}" type="datetimeFigureOut">
               <a:rPr lang="en-US" smtClean="0"/>
-              <a:t>5/12/2025</a:t>
+              <a:t>5/13/2025</a:t>
             </a:fld>
             <a:endParaRPr lang="en-US"/>
           </a:p>
@@ -4315,7 +4347,7 @@
           <a:p>
             <a:fld id="{4263717A-E3C1-4BED-ABE0-B7069385E023}" type="datetimeFigureOut">
               <a:rPr lang="en-US" smtClean="0"/>
-              <a:t>5/12/2025</a:t>
+              <a:t>5/13/2025</a:t>
             </a:fld>
             <a:endParaRPr lang="en-US"/>
           </a:p>
@@ -4493,7 +4525,7 @@
           <a:p>
             <a:fld id="{4263717A-E3C1-4BED-ABE0-B7069385E023}" type="datetimeFigureOut">
               <a:rPr lang="en-US" smtClean="0"/>
-              <a:t>5/12/2025</a:t>
+              <a:t>5/13/2025</a:t>
             </a:fld>
             <a:endParaRPr lang="en-US"/>
           </a:p>
@@ -4661,7 +4693,7 @@
           <a:p>
             <a:fld id="{4263717A-E3C1-4BED-ABE0-B7069385E023}" type="datetimeFigureOut">
               <a:rPr lang="en-US" smtClean="0"/>
-              <a:t>5/12/2025</a:t>
+              <a:t>5/13/2025</a:t>
             </a:fld>
             <a:endParaRPr lang="en-US"/>
           </a:p>
@@ -4906,7 +4938,7 @@
           <a:p>
             <a:fld id="{4263717A-E3C1-4BED-ABE0-B7069385E023}" type="datetimeFigureOut">
               <a:rPr lang="en-US" smtClean="0"/>
-              <a:t>5/12/2025</a:t>
+              <a:t>5/13/2025</a:t>
             </a:fld>
             <a:endParaRPr lang="en-US"/>
           </a:p>
@@ -5135,7 +5167,7 @@
           <a:p>
             <a:fld id="{4263717A-E3C1-4BED-ABE0-B7069385E023}" type="datetimeFigureOut">
               <a:rPr lang="en-US" smtClean="0"/>
-              <a:t>5/12/2025</a:t>
+              <a:t>5/13/2025</a:t>
             </a:fld>
             <a:endParaRPr lang="en-US"/>
           </a:p>
@@ -5499,7 +5531,7 @@
           <a:p>
             <a:fld id="{4263717A-E3C1-4BED-ABE0-B7069385E023}" type="datetimeFigureOut">
               <a:rPr lang="en-US" smtClean="0"/>
-              <a:t>5/12/2025</a:t>
+              <a:t>5/13/2025</a:t>
             </a:fld>
             <a:endParaRPr lang="en-US"/>
           </a:p>
@@ -5616,7 +5648,7 @@
           <a:p>
             <a:fld id="{4263717A-E3C1-4BED-ABE0-B7069385E023}" type="datetimeFigureOut">
               <a:rPr lang="en-US" smtClean="0"/>
-              <a:t>5/12/2025</a:t>
+              <a:t>5/13/2025</a:t>
             </a:fld>
             <a:endParaRPr lang="en-US"/>
           </a:p>
@@ -5711,7 +5743,7 @@
           <a:p>
             <a:fld id="{4263717A-E3C1-4BED-ABE0-B7069385E023}" type="datetimeFigureOut">
               <a:rPr lang="en-US" smtClean="0"/>
-              <a:t>5/12/2025</a:t>
+              <a:t>5/13/2025</a:t>
             </a:fld>
             <a:endParaRPr lang="en-US"/>
           </a:p>
@@ -5986,7 +6018,7 @@
           <a:p>
             <a:fld id="{4263717A-E3C1-4BED-ABE0-B7069385E023}" type="datetimeFigureOut">
               <a:rPr lang="en-US" smtClean="0"/>
-              <a:t>5/12/2025</a:t>
+              <a:t>5/13/2025</a:t>
             </a:fld>
             <a:endParaRPr lang="en-US"/>
           </a:p>
@@ -6238,7 +6270,7 @@
           <a:p>
             <a:fld id="{4263717A-E3C1-4BED-ABE0-B7069385E023}" type="datetimeFigureOut">
               <a:rPr lang="en-US" smtClean="0"/>
-              <a:t>5/12/2025</a:t>
+              <a:t>5/13/2025</a:t>
             </a:fld>
             <a:endParaRPr lang="en-US"/>
           </a:p>
@@ -6457,7 +6489,7 @@
           <a:p>
             <a:fld id="{4263717A-E3C1-4BED-ABE0-B7069385E023}" type="datetimeFigureOut">
               <a:rPr lang="en-US" smtClean="0"/>
-              <a:t>5/12/2025</a:t>
+              <a:t>5/13/2025</a:t>
             </a:fld>
             <a:endParaRPr lang="en-US"/>
           </a:p>
@@ -7117,6 +7149,111 @@
       </p:grpSpPr>
       <p:sp>
         <p:nvSpPr>
+          <p:cNvPr id="4" name="AutoShape 2" descr="BERT model">
+            <a:extLst>
+              <a:ext uri="{FF2B5EF4-FFF2-40B4-BE49-F238E27FC236}">
+                <a16:creationId xmlns:a16="http://schemas.microsoft.com/office/drawing/2014/main" id="{DE402BF1-E804-3FFD-8ADB-2569F2D2A760}"/>
+              </a:ext>
+            </a:extLst>
+          </p:cNvPr>
+          <p:cNvSpPr>
+            <a:spLocks noChangeAspect="1" noChangeArrowheads="1"/>
+          </p:cNvSpPr>
+          <p:nvPr/>
+        </p:nvSpPr>
+        <p:spPr bwMode="auto">
+          <a:xfrm>
+            <a:off x="5943600" y="3276600"/>
+            <a:ext cx="304800" cy="304800"/>
+          </a:xfrm>
+          <a:prstGeom prst="rect">
+            <a:avLst/>
+          </a:prstGeom>
+          <a:noFill/>
+          <a:extLst>
+            <a:ext uri="{909E8E84-426E-40DD-AFC4-6F175D3DCCD1}">
+              <a14:hiddenFill xmlns:a14="http://schemas.microsoft.com/office/drawing/2010/main">
+                <a:solidFill>
+                  <a:srgbClr val="FFFFFF"/>
+                </a:solidFill>
+              </a14:hiddenFill>
+            </a:ext>
+          </a:extLst>
+        </p:spPr>
+        <p:txBody>
+          <a:bodyPr vert="horz" wrap="square" lIns="91440" tIns="45720" rIns="91440" bIns="45720" numCol="1" anchor="t" anchorCtr="0" compatLnSpc="1">
+            <a:prstTxWarp prst="textNoShape">
+              <a:avLst/>
+            </a:prstTxWarp>
+          </a:bodyPr>
+          <a:lstStyle/>
+          <a:p>
+            <a:endParaRPr lang="en-US"/>
+          </a:p>
+        </p:txBody>
+      </p:sp>
+      <p:pic>
+        <p:nvPicPr>
+          <p:cNvPr id="5" name="Picture 4">
+            <a:extLst>
+              <a:ext uri="{FF2B5EF4-FFF2-40B4-BE49-F238E27FC236}">
+                <a16:creationId xmlns:a16="http://schemas.microsoft.com/office/drawing/2014/main" id="{ADEAE679-1B59-A61D-4E2B-4C22C7363439}"/>
+              </a:ext>
+            </a:extLst>
+          </p:cNvPr>
+          <p:cNvPicPr>
+            <a:picLocks noChangeAspect="1"/>
+          </p:cNvPicPr>
+          <p:nvPr/>
+        </p:nvPicPr>
+        <p:blipFill>
+          <a:blip r:embed="rId2"/>
+          <a:stretch>
+            <a:fillRect/>
+          </a:stretch>
+        </p:blipFill>
+        <p:spPr>
+          <a:xfrm>
+            <a:off x="2501369" y="0"/>
+            <a:ext cx="7189261" cy="6858000"/>
+          </a:xfrm>
+          <a:prstGeom prst="rect">
+            <a:avLst/>
+          </a:prstGeom>
+        </p:spPr>
+      </p:pic>
+    </p:spTree>
+    <p:extLst>
+      <p:ext uri="{BB962C8B-B14F-4D97-AF65-F5344CB8AC3E}">
+        <p14:creationId xmlns:p14="http://schemas.microsoft.com/office/powerpoint/2010/main" val="86561853"/>
+      </p:ext>
+    </p:extLst>
+  </p:cSld>
+  <p:clrMapOvr>
+    <a:masterClrMapping/>
+  </p:clrMapOvr>
+</p:sld>
+</file>
+
+<file path=ppt/slides/slide11.xml><?xml version="1.0" encoding="utf-8"?>
+<p:sld xmlns:a="http://schemas.openxmlformats.org/drawingml/2006/main" xmlns:r="http://schemas.openxmlformats.org/officeDocument/2006/relationships" xmlns:p="http://schemas.openxmlformats.org/presentationml/2006/main">
+  <p:cSld>
+    <p:spTree>
+      <p:nvGrpSpPr>
+        <p:cNvPr id="1" name=""/>
+        <p:cNvGrpSpPr/>
+        <p:nvPr/>
+      </p:nvGrpSpPr>
+      <p:grpSpPr>
+        <a:xfrm>
+          <a:off x="0" y="0"/>
+          <a:ext cx="0" cy="0"/>
+          <a:chOff x="0" y="0"/>
+          <a:chExt cx="0" cy="0"/>
+        </a:xfrm>
+      </p:grpSpPr>
+      <p:sp>
+        <p:nvSpPr>
           <p:cNvPr id="5" name="Title 4">
             <a:extLst>
               <a:ext uri="{FF2B5EF4-FFF2-40B4-BE49-F238E27FC236}">
@@ -7227,7 +7364,7 @@
 </p:sld>
 </file>
 
-<file path=ppt/slides/slide11.xml><?xml version="1.0" encoding="utf-8"?>
+<file path=ppt/slides/slide12.xml><?xml version="1.0" encoding="utf-8"?>
 <p:sld xmlns:a="http://schemas.openxmlformats.org/drawingml/2006/main" xmlns:r="http://schemas.openxmlformats.org/officeDocument/2006/relationships" xmlns:p="http://schemas.openxmlformats.org/presentationml/2006/main">
   <p:cSld>
     <p:spTree>
@@ -7287,7 +7424,7 @@
 </p:sld>
 </file>
 
-<file path=ppt/slides/slide12.xml><?xml version="1.0" encoding="utf-8"?>
+<file path=ppt/slides/slide13.xml><?xml version="1.0" encoding="utf-8"?>
 <p:sld xmlns:a="http://schemas.openxmlformats.org/drawingml/2006/main" xmlns:r="http://schemas.openxmlformats.org/officeDocument/2006/relationships" xmlns:p="http://schemas.openxmlformats.org/presentationml/2006/main">
   <p:cSld>
     <p:spTree>
@@ -7376,7 +7513,7 @@
 </p:sld>
 </file>
 
-<file path=ppt/slides/slide13.xml><?xml version="1.0" encoding="utf-8"?>
+<file path=ppt/slides/slide14.xml><?xml version="1.0" encoding="utf-8"?>
 <p:sld xmlns:a="http://schemas.openxmlformats.org/drawingml/2006/main" xmlns:r="http://schemas.openxmlformats.org/officeDocument/2006/relationships" xmlns:p="http://schemas.openxmlformats.org/presentationml/2006/main">
   <p:cSld>
     <p:spTree>
@@ -7562,7 +7699,7 @@
 </p:sld>
 </file>
 
-<file path=ppt/slides/slide14.xml><?xml version="1.0" encoding="utf-8"?>
+<file path=ppt/slides/slide15.xml><?xml version="1.0" encoding="utf-8"?>
 <p:sld xmlns:a="http://schemas.openxmlformats.org/drawingml/2006/main" xmlns:r="http://schemas.openxmlformats.org/officeDocument/2006/relationships" xmlns:p="http://schemas.openxmlformats.org/presentationml/2006/main">
   <p:cSld>
     <p:spTree>
@@ -8041,7 +8178,7 @@
 </p:sld>
 </file>
 
-<file path=ppt/slides/slide15.xml><?xml version="1.0" encoding="utf-8"?>
+<file path=ppt/slides/slide16.xml><?xml version="1.0" encoding="utf-8"?>
 <p:sld xmlns:a="http://schemas.openxmlformats.org/drawingml/2006/main" xmlns:r="http://schemas.openxmlformats.org/officeDocument/2006/relationships" xmlns:p="http://schemas.openxmlformats.org/presentationml/2006/main">
   <p:cSld>
     <p:spTree>
@@ -8192,7 +8329,7 @@
 </p:sld>
 </file>
 
-<file path=ppt/slides/slide16.xml><?xml version="1.0" encoding="utf-8"?>
+<file path=ppt/slides/slide17.xml><?xml version="1.0" encoding="utf-8"?>
 <p:sld xmlns:a="http://schemas.openxmlformats.org/drawingml/2006/main" xmlns:r="http://schemas.openxmlformats.org/officeDocument/2006/relationships" xmlns:p="http://schemas.openxmlformats.org/presentationml/2006/main">
   <p:cSld>
     <p:spTree>
@@ -8587,7 +8724,7 @@
 </p:sld>
 </file>
 
-<file path=ppt/slides/slide17.xml><?xml version="1.0" encoding="utf-8"?>
+<file path=ppt/slides/slide18.xml><?xml version="1.0" encoding="utf-8"?>
 <p:sld xmlns:a="http://schemas.openxmlformats.org/drawingml/2006/main" xmlns:r="http://schemas.openxmlformats.org/officeDocument/2006/relationships" xmlns:p="http://schemas.openxmlformats.org/presentationml/2006/main">
   <p:cSld>
     <p:spTree>
@@ -8678,7 +8815,7 @@
 </p:sld>
 </file>
 
-<file path=ppt/slides/slide18.xml><?xml version="1.0" encoding="utf-8"?>
+<file path=ppt/slides/slide19.xml><?xml version="1.0" encoding="utf-8"?>
 <p:sld xmlns:a="http://schemas.openxmlformats.org/drawingml/2006/main" xmlns:r="http://schemas.openxmlformats.org/officeDocument/2006/relationships" xmlns:p="http://schemas.openxmlformats.org/presentationml/2006/main">
   <p:cSld>
     <p:spTree>
@@ -8806,102 +8943,6 @@
     <p:extLst>
       <p:ext uri="{BB962C8B-B14F-4D97-AF65-F5344CB8AC3E}">
         <p14:creationId xmlns:p14="http://schemas.microsoft.com/office/powerpoint/2010/main" val="2691624364"/>
-      </p:ext>
-    </p:extLst>
-  </p:cSld>
-  <p:clrMapOvr>
-    <a:masterClrMapping/>
-  </p:clrMapOvr>
-</p:sld>
-</file>
-
-<file path=ppt/slides/slide19.xml><?xml version="1.0" encoding="utf-8"?>
-<p:sld xmlns:a="http://schemas.openxmlformats.org/drawingml/2006/main" xmlns:r="http://schemas.openxmlformats.org/officeDocument/2006/relationships" xmlns:p="http://schemas.openxmlformats.org/presentationml/2006/main">
-  <p:cSld>
-    <p:spTree>
-      <p:nvGrpSpPr>
-        <p:cNvPr id="1" name=""/>
-        <p:cNvGrpSpPr/>
-        <p:nvPr/>
-      </p:nvGrpSpPr>
-      <p:grpSpPr>
-        <a:xfrm>
-          <a:off x="0" y="0"/>
-          <a:ext cx="0" cy="0"/>
-          <a:chOff x="0" y="0"/>
-          <a:chExt cx="0" cy="0"/>
-        </a:xfrm>
-      </p:grpSpPr>
-      <p:pic>
-        <p:nvPicPr>
-          <p:cNvPr id="4" name="Picture 3">
-            <a:extLst>
-              <a:ext uri="{FF2B5EF4-FFF2-40B4-BE49-F238E27FC236}">
-                <a16:creationId xmlns:a16="http://schemas.microsoft.com/office/drawing/2014/main" id="{CD994C01-0B25-062F-0F96-1B617D52A6B2}"/>
-              </a:ext>
-            </a:extLst>
-          </p:cNvPr>
-          <p:cNvPicPr>
-            <a:picLocks noChangeAspect="1"/>
-          </p:cNvPicPr>
-          <p:nvPr/>
-        </p:nvPicPr>
-        <p:blipFill>
-          <a:blip r:embed="rId2"/>
-          <a:stretch>
-            <a:fillRect/>
-          </a:stretch>
-        </p:blipFill>
-        <p:spPr>
-          <a:xfrm>
-            <a:off x="2971451" y="392167"/>
-            <a:ext cx="8077900" cy="6073666"/>
-          </a:xfrm>
-          <a:prstGeom prst="rect">
-            <a:avLst/>
-          </a:prstGeom>
-        </p:spPr>
-      </p:pic>
-      <p:sp>
-        <p:nvSpPr>
-          <p:cNvPr id="6" name="TextBox 5">
-            <a:extLst>
-              <a:ext uri="{FF2B5EF4-FFF2-40B4-BE49-F238E27FC236}">
-                <a16:creationId xmlns:a16="http://schemas.microsoft.com/office/drawing/2014/main" id="{B5921033-C94F-DA29-2907-B3B1AA61CE63}"/>
-              </a:ext>
-            </a:extLst>
-          </p:cNvPr>
-          <p:cNvSpPr txBox="1"/>
-          <p:nvPr/>
-        </p:nvSpPr>
-        <p:spPr>
-          <a:xfrm>
-            <a:off x="369116" y="2319447"/>
-            <a:ext cx="2004968" cy="954107"/>
-          </a:xfrm>
-          <a:prstGeom prst="rect">
-            <a:avLst/>
-          </a:prstGeom>
-          <a:noFill/>
-        </p:spPr>
-        <p:txBody>
-          <a:bodyPr wrap="square">
-            <a:spAutoFit/>
-          </a:bodyPr>
-          <a:lstStyle/>
-          <a:p>
-            <a:r>
-              <a:rPr lang="en-US" sz="2800" dirty="0"/>
-              <a:t>Tokens information</a:t>
-            </a:r>
-            <a:endParaRPr lang="en-US" dirty="0"/>
-          </a:p>
-        </p:txBody>
-      </p:sp>
-    </p:spTree>
-    <p:extLst>
-      <p:ext uri="{BB962C8B-B14F-4D97-AF65-F5344CB8AC3E}">
-        <p14:creationId xmlns:p14="http://schemas.microsoft.com/office/powerpoint/2010/main" val="335620739"/>
       </p:ext>
     </p:extLst>
   </p:cSld>
@@ -9086,6 +9127,102 @@
 </file>
 
 <file path=ppt/slides/slide20.xml><?xml version="1.0" encoding="utf-8"?>
+<p:sld xmlns:a="http://schemas.openxmlformats.org/drawingml/2006/main" xmlns:r="http://schemas.openxmlformats.org/officeDocument/2006/relationships" xmlns:p="http://schemas.openxmlformats.org/presentationml/2006/main">
+  <p:cSld>
+    <p:spTree>
+      <p:nvGrpSpPr>
+        <p:cNvPr id="1" name=""/>
+        <p:cNvGrpSpPr/>
+        <p:nvPr/>
+      </p:nvGrpSpPr>
+      <p:grpSpPr>
+        <a:xfrm>
+          <a:off x="0" y="0"/>
+          <a:ext cx="0" cy="0"/>
+          <a:chOff x="0" y="0"/>
+          <a:chExt cx="0" cy="0"/>
+        </a:xfrm>
+      </p:grpSpPr>
+      <p:pic>
+        <p:nvPicPr>
+          <p:cNvPr id="4" name="Picture 3">
+            <a:extLst>
+              <a:ext uri="{FF2B5EF4-FFF2-40B4-BE49-F238E27FC236}">
+                <a16:creationId xmlns:a16="http://schemas.microsoft.com/office/drawing/2014/main" id="{CD994C01-0B25-062F-0F96-1B617D52A6B2}"/>
+              </a:ext>
+            </a:extLst>
+          </p:cNvPr>
+          <p:cNvPicPr>
+            <a:picLocks noChangeAspect="1"/>
+          </p:cNvPicPr>
+          <p:nvPr/>
+        </p:nvPicPr>
+        <p:blipFill>
+          <a:blip r:embed="rId2"/>
+          <a:stretch>
+            <a:fillRect/>
+          </a:stretch>
+        </p:blipFill>
+        <p:spPr>
+          <a:xfrm>
+            <a:off x="2971451" y="392167"/>
+            <a:ext cx="8077900" cy="6073666"/>
+          </a:xfrm>
+          <a:prstGeom prst="rect">
+            <a:avLst/>
+          </a:prstGeom>
+        </p:spPr>
+      </p:pic>
+      <p:sp>
+        <p:nvSpPr>
+          <p:cNvPr id="6" name="TextBox 5">
+            <a:extLst>
+              <a:ext uri="{FF2B5EF4-FFF2-40B4-BE49-F238E27FC236}">
+                <a16:creationId xmlns:a16="http://schemas.microsoft.com/office/drawing/2014/main" id="{B5921033-C94F-DA29-2907-B3B1AA61CE63}"/>
+              </a:ext>
+            </a:extLst>
+          </p:cNvPr>
+          <p:cNvSpPr txBox="1"/>
+          <p:nvPr/>
+        </p:nvSpPr>
+        <p:spPr>
+          <a:xfrm>
+            <a:off x="369116" y="2319447"/>
+            <a:ext cx="2004968" cy="954107"/>
+          </a:xfrm>
+          <a:prstGeom prst="rect">
+            <a:avLst/>
+          </a:prstGeom>
+          <a:noFill/>
+        </p:spPr>
+        <p:txBody>
+          <a:bodyPr wrap="square">
+            <a:spAutoFit/>
+          </a:bodyPr>
+          <a:lstStyle/>
+          <a:p>
+            <a:r>
+              <a:rPr lang="en-US" sz="2800" dirty="0"/>
+              <a:t>Tokens information</a:t>
+            </a:r>
+            <a:endParaRPr lang="en-US" dirty="0"/>
+          </a:p>
+        </p:txBody>
+      </p:sp>
+    </p:spTree>
+    <p:extLst>
+      <p:ext uri="{BB962C8B-B14F-4D97-AF65-F5344CB8AC3E}">
+        <p14:creationId xmlns:p14="http://schemas.microsoft.com/office/powerpoint/2010/main" val="335620739"/>
+      </p:ext>
+    </p:extLst>
+  </p:cSld>
+  <p:clrMapOvr>
+    <a:masterClrMapping/>
+  </p:clrMapOvr>
+</p:sld>
+</file>
+
+<file path=ppt/slides/slide21.xml><?xml version="1.0" encoding="utf-8"?>
 <p:sld xmlns:a="http://schemas.openxmlformats.org/drawingml/2006/main" xmlns:r="http://schemas.openxmlformats.org/officeDocument/2006/relationships" xmlns:p="http://schemas.openxmlformats.org/presentationml/2006/main">
   <p:cSld>
     <p:spTree>
@@ -9451,7 +9588,7 @@
 </p:sld>
 </file>
 
-<file path=ppt/slides/slide21.xml><?xml version="1.0" encoding="utf-8"?>
+<file path=ppt/slides/slide22.xml><?xml version="1.0" encoding="utf-8"?>
 <p:sld xmlns:a="http://schemas.openxmlformats.org/drawingml/2006/main" xmlns:r="http://schemas.openxmlformats.org/officeDocument/2006/relationships" xmlns:p="http://schemas.openxmlformats.org/presentationml/2006/main">
   <p:cSld>
     <p:spTree>
@@ -10031,7 +10168,7 @@
 </p:sld>
 </file>
 
-<file path=ppt/slides/slide22.xml><?xml version="1.0" encoding="utf-8"?>
+<file path=ppt/slides/slide23.xml><?xml version="1.0" encoding="utf-8"?>
 <p:sld xmlns:a="http://schemas.openxmlformats.org/drawingml/2006/main" xmlns:r="http://schemas.openxmlformats.org/officeDocument/2006/relationships" xmlns:p="http://schemas.openxmlformats.org/presentationml/2006/main">
   <p:cSld>
     <p:spTree>
@@ -10204,7 +10341,7 @@
 </p:sld>
 </file>
 
-<file path=ppt/slides/slide23.xml><?xml version="1.0" encoding="utf-8"?>
+<file path=ppt/slides/slide24.xml><?xml version="1.0" encoding="utf-8"?>
 <p:sld xmlns:a="http://schemas.openxmlformats.org/drawingml/2006/main" xmlns:r="http://schemas.openxmlformats.org/officeDocument/2006/relationships" xmlns:p="http://schemas.openxmlformats.org/presentationml/2006/main">
   <p:cSld>
     <p:spTree>
@@ -10474,7 +10611,7 @@
 </p:sld>
 </file>
 
-<file path=ppt/slides/slide24.xml><?xml version="1.0" encoding="utf-8"?>
+<file path=ppt/slides/slide25.xml><?xml version="1.0" encoding="utf-8"?>
 <p:sld xmlns:a="http://schemas.openxmlformats.org/drawingml/2006/main" xmlns:r="http://schemas.openxmlformats.org/officeDocument/2006/relationships" xmlns:p="http://schemas.openxmlformats.org/presentationml/2006/main">
   <p:cSld>
     <p:spTree>
@@ -10666,7 +10803,7 @@
 </p:sld>
 </file>
 
-<file path=ppt/slides/slide25.xml><?xml version="1.0" encoding="utf-8"?>
+<file path=ppt/slides/slide26.xml><?xml version="1.0" encoding="utf-8"?>
 <p:sld xmlns:a="http://schemas.openxmlformats.org/drawingml/2006/main" xmlns:r="http://schemas.openxmlformats.org/officeDocument/2006/relationships" xmlns:p="http://schemas.openxmlformats.org/presentationml/2006/main">
   <p:cSld>
     <p:spTree>
@@ -10918,7 +11055,7 @@
 </p:sld>
 </file>
 
-<file path=ppt/slides/slide26.xml><?xml version="1.0" encoding="utf-8"?>
+<file path=ppt/slides/slide27.xml><?xml version="1.0" encoding="utf-8"?>
 <p:sld xmlns:a="http://schemas.openxmlformats.org/drawingml/2006/main" xmlns:r="http://schemas.openxmlformats.org/officeDocument/2006/relationships" xmlns:p="http://schemas.openxmlformats.org/presentationml/2006/main">
   <p:cSld>
     <p:spTree>
@@ -11090,7 +11227,7 @@
 </p:sld>
 </file>
 
-<file path=ppt/slides/slide27.xml><?xml version="1.0" encoding="utf-8"?>
+<file path=ppt/slides/slide28.xml><?xml version="1.0" encoding="utf-8"?>
 <p:sld xmlns:a="http://schemas.openxmlformats.org/drawingml/2006/main" xmlns:r="http://schemas.openxmlformats.org/officeDocument/2006/relationships" xmlns:p="http://schemas.openxmlformats.org/presentationml/2006/main">
   <p:cSld>
     <p:spTree>
@@ -11150,7 +11287,7 @@
 </p:sld>
 </file>
 
-<file path=ppt/slides/slide28.xml><?xml version="1.0" encoding="utf-8"?>
+<file path=ppt/slides/slide29.xml><?xml version="1.0" encoding="utf-8"?>
 <p:sld xmlns:a="http://schemas.openxmlformats.org/drawingml/2006/main" xmlns:r="http://schemas.openxmlformats.org/officeDocument/2006/relationships" xmlns:p="http://schemas.openxmlformats.org/presentationml/2006/main">
   <p:cSld>
     <p:spTree>
@@ -11484,6 +11621,153 @@
           <a:chExt cx="0" cy="0"/>
         </a:xfrm>
       </p:grpSpPr>
+      <p:pic>
+        <p:nvPicPr>
+          <p:cNvPr id="1026" name="Picture 2" descr="bert">
+            <a:extLst>
+              <a:ext uri="{FF2B5EF4-FFF2-40B4-BE49-F238E27FC236}">
+                <a16:creationId xmlns:a16="http://schemas.microsoft.com/office/drawing/2014/main" id="{F5F2E22A-BED2-8403-26E5-26072C3CDC4C}"/>
+              </a:ext>
+            </a:extLst>
+          </p:cNvPr>
+          <p:cNvPicPr>
+            <a:picLocks noChangeAspect="1" noChangeArrowheads="1"/>
+          </p:cNvPicPr>
+          <p:nvPr/>
+        </p:nvPicPr>
+        <p:blipFill>
+          <a:blip r:embed="rId2">
+            <a:extLst>
+              <a:ext uri="{28A0092B-C50C-407E-A947-70E740481C1C}">
+                <a14:useLocalDpi xmlns:a14="http://schemas.microsoft.com/office/drawing/2010/main" val="0"/>
+              </a:ext>
+            </a:extLst>
+          </a:blip>
+          <a:srcRect/>
+          <a:stretch>
+            <a:fillRect/>
+          </a:stretch>
+        </p:blipFill>
+        <p:spPr bwMode="auto">
+          <a:xfrm>
+            <a:off x="3000256" y="116619"/>
+            <a:ext cx="8153700" cy="6433604"/>
+          </a:xfrm>
+          <a:prstGeom prst="rect">
+            <a:avLst/>
+          </a:prstGeom>
+          <a:noFill/>
+          <a:extLst>
+            <a:ext uri="{909E8E84-426E-40DD-AFC4-6F175D3DCCD1}">
+              <a14:hiddenFill xmlns:a14="http://schemas.microsoft.com/office/drawing/2010/main">
+                <a:solidFill>
+                  <a:srgbClr val="FFFFFF"/>
+                </a:solidFill>
+              </a14:hiddenFill>
+            </a:ext>
+          </a:extLst>
+        </p:spPr>
+      </p:pic>
+      <p:sp>
+        <p:nvSpPr>
+          <p:cNvPr id="5" name="TextBox 4">
+            <a:extLst>
+              <a:ext uri="{FF2B5EF4-FFF2-40B4-BE49-F238E27FC236}">
+                <a16:creationId xmlns:a16="http://schemas.microsoft.com/office/drawing/2014/main" id="{79381B55-A4C9-6593-AA3C-BF46F3B728EF}"/>
+              </a:ext>
+            </a:extLst>
+          </p:cNvPr>
+          <p:cNvSpPr txBox="1"/>
+          <p:nvPr/>
+        </p:nvSpPr>
+        <p:spPr>
+          <a:xfrm>
+            <a:off x="3708671" y="6550223"/>
+            <a:ext cx="6460825" cy="307777"/>
+          </a:xfrm>
+          <a:prstGeom prst="rect">
+            <a:avLst/>
+          </a:prstGeom>
+          <a:noFill/>
+        </p:spPr>
+        <p:txBody>
+          <a:bodyPr wrap="square">
+            <a:spAutoFit/>
+          </a:bodyPr>
+          <a:lstStyle/>
+          <a:p>
+            <a:r>
+              <a:rPr lang="en-US" sz="1400" dirty="0"/>
+              <a:t>https://www.analyticsvidhya.com/blog/2021/05/all-you-need-to-know-about-bert/</a:t>
+            </a:r>
+          </a:p>
+        </p:txBody>
+      </p:sp>
+      <p:sp>
+        <p:nvSpPr>
+          <p:cNvPr id="6" name="TextBox 5">
+            <a:extLst>
+              <a:ext uri="{FF2B5EF4-FFF2-40B4-BE49-F238E27FC236}">
+                <a16:creationId xmlns:a16="http://schemas.microsoft.com/office/drawing/2014/main" id="{DC8BD3C1-0620-61C4-4238-6C2B3533B391}"/>
+              </a:ext>
+            </a:extLst>
+          </p:cNvPr>
+          <p:cNvSpPr txBox="1"/>
+          <p:nvPr/>
+        </p:nvSpPr>
+        <p:spPr>
+          <a:xfrm>
+            <a:off x="457200" y="2109019"/>
+            <a:ext cx="1978683" cy="369332"/>
+          </a:xfrm>
+          <a:prstGeom prst="rect">
+            <a:avLst/>
+          </a:prstGeom>
+          <a:noFill/>
+        </p:spPr>
+        <p:txBody>
+          <a:bodyPr wrap="none" rtlCol="0">
+            <a:spAutoFit/>
+          </a:bodyPr>
+          <a:lstStyle/>
+          <a:p>
+            <a:r>
+              <a:rPr lang="en-US" dirty="0"/>
+              <a:t>After Training BERT</a:t>
+            </a:r>
+          </a:p>
+        </p:txBody>
+      </p:sp>
+    </p:spTree>
+    <p:extLst>
+      <p:ext uri="{BB962C8B-B14F-4D97-AF65-F5344CB8AC3E}">
+        <p14:creationId xmlns:p14="http://schemas.microsoft.com/office/powerpoint/2010/main" val="1036684615"/>
+      </p:ext>
+    </p:extLst>
+  </p:cSld>
+  <p:clrMapOvr>
+    <a:masterClrMapping/>
+  </p:clrMapOvr>
+</p:sld>
+</file>
+
+<file path=ppt/slides/slide6.xml><?xml version="1.0" encoding="utf-8"?>
+<p:sld xmlns:a="http://schemas.openxmlformats.org/drawingml/2006/main" xmlns:r="http://schemas.openxmlformats.org/officeDocument/2006/relationships" xmlns:p="http://schemas.openxmlformats.org/presentationml/2006/main">
+  <p:cSld>
+    <p:spTree>
+      <p:nvGrpSpPr>
+        <p:cNvPr id="1" name=""/>
+        <p:cNvGrpSpPr/>
+        <p:nvPr/>
+      </p:nvGrpSpPr>
+      <p:grpSpPr>
+        <a:xfrm>
+          <a:off x="0" y="0"/>
+          <a:ext cx="0" cy="0"/>
+          <a:chOff x="0" y="0"/>
+          <a:chExt cx="0" cy="0"/>
+        </a:xfrm>
+      </p:grpSpPr>
       <p:sp>
         <p:nvSpPr>
           <p:cNvPr id="4" name="Title 3">
@@ -11550,7 +11834,7 @@
 </p:sld>
 </file>
 
-<file path=ppt/slides/slide6.xml><?xml version="1.0" encoding="utf-8"?>
+<file path=ppt/slides/slide7.xml><?xml version="1.0" encoding="utf-8"?>
 <p:sld xmlns:a="http://schemas.openxmlformats.org/drawingml/2006/main" xmlns:r="http://schemas.openxmlformats.org/officeDocument/2006/relationships" xmlns:p="http://schemas.openxmlformats.org/presentationml/2006/main">
   <p:cSld>
     <p:spTree>
@@ -11852,7 +12136,7 @@
 </p:sld>
 </file>
 
-<file path=ppt/slides/slide7.xml><?xml version="1.0" encoding="utf-8"?>
+<file path=ppt/slides/slide8.xml><?xml version="1.0" encoding="utf-8"?>
 <p:sld xmlns:a="http://schemas.openxmlformats.org/drawingml/2006/main" xmlns:r="http://schemas.openxmlformats.org/officeDocument/2006/relationships" xmlns:p="http://schemas.openxmlformats.org/presentationml/2006/main">
   <p:cSld>
     <p:spTree>
@@ -12084,7 +12368,7 @@
 </p:sld>
 </file>
 
-<file path=ppt/slides/slide8.xml><?xml version="1.0" encoding="utf-8"?>
+<file path=ppt/slides/slide9.xml><?xml version="1.0" encoding="utf-8"?>
 <p:sld xmlns:a="http://schemas.openxmlformats.org/drawingml/2006/main" xmlns:r="http://schemas.openxmlformats.org/officeDocument/2006/relationships" xmlns:p="http://schemas.openxmlformats.org/presentationml/2006/main">
   <p:cSld>
     <p:spTree>
@@ -12264,111 +12548,6 @@
     <p:extLst>
       <p:ext uri="{BB962C8B-B14F-4D97-AF65-F5344CB8AC3E}">
         <p14:creationId xmlns:p14="http://schemas.microsoft.com/office/powerpoint/2010/main" val="541577434"/>
-      </p:ext>
-    </p:extLst>
-  </p:cSld>
-  <p:clrMapOvr>
-    <a:masterClrMapping/>
-  </p:clrMapOvr>
-</p:sld>
-</file>
-
-<file path=ppt/slides/slide9.xml><?xml version="1.0" encoding="utf-8"?>
-<p:sld xmlns:a="http://schemas.openxmlformats.org/drawingml/2006/main" xmlns:r="http://schemas.openxmlformats.org/officeDocument/2006/relationships" xmlns:p="http://schemas.openxmlformats.org/presentationml/2006/main">
-  <p:cSld>
-    <p:spTree>
-      <p:nvGrpSpPr>
-        <p:cNvPr id="1" name=""/>
-        <p:cNvGrpSpPr/>
-        <p:nvPr/>
-      </p:nvGrpSpPr>
-      <p:grpSpPr>
-        <a:xfrm>
-          <a:off x="0" y="0"/>
-          <a:ext cx="0" cy="0"/>
-          <a:chOff x="0" y="0"/>
-          <a:chExt cx="0" cy="0"/>
-        </a:xfrm>
-      </p:grpSpPr>
-      <p:sp>
-        <p:nvSpPr>
-          <p:cNvPr id="4" name="AutoShape 2" descr="BERT model">
-            <a:extLst>
-              <a:ext uri="{FF2B5EF4-FFF2-40B4-BE49-F238E27FC236}">
-                <a16:creationId xmlns:a16="http://schemas.microsoft.com/office/drawing/2014/main" id="{DE402BF1-E804-3FFD-8ADB-2569F2D2A760}"/>
-              </a:ext>
-            </a:extLst>
-          </p:cNvPr>
-          <p:cNvSpPr>
-            <a:spLocks noChangeAspect="1" noChangeArrowheads="1"/>
-          </p:cNvSpPr>
-          <p:nvPr/>
-        </p:nvSpPr>
-        <p:spPr bwMode="auto">
-          <a:xfrm>
-            <a:off x="5943600" y="3276600"/>
-            <a:ext cx="304800" cy="304800"/>
-          </a:xfrm>
-          <a:prstGeom prst="rect">
-            <a:avLst/>
-          </a:prstGeom>
-          <a:noFill/>
-          <a:extLst>
-            <a:ext uri="{909E8E84-426E-40DD-AFC4-6F175D3DCCD1}">
-              <a14:hiddenFill xmlns:a14="http://schemas.microsoft.com/office/drawing/2010/main">
-                <a:solidFill>
-                  <a:srgbClr val="FFFFFF"/>
-                </a:solidFill>
-              </a14:hiddenFill>
-            </a:ext>
-          </a:extLst>
-        </p:spPr>
-        <p:txBody>
-          <a:bodyPr vert="horz" wrap="square" lIns="91440" tIns="45720" rIns="91440" bIns="45720" numCol="1" anchor="t" anchorCtr="0" compatLnSpc="1">
-            <a:prstTxWarp prst="textNoShape">
-              <a:avLst/>
-            </a:prstTxWarp>
-          </a:bodyPr>
-          <a:lstStyle/>
-          <a:p>
-            <a:endParaRPr lang="en-US"/>
-          </a:p>
-        </p:txBody>
-      </p:sp>
-      <p:pic>
-        <p:nvPicPr>
-          <p:cNvPr id="5" name="Picture 4">
-            <a:extLst>
-              <a:ext uri="{FF2B5EF4-FFF2-40B4-BE49-F238E27FC236}">
-                <a16:creationId xmlns:a16="http://schemas.microsoft.com/office/drawing/2014/main" id="{ADEAE679-1B59-A61D-4E2B-4C22C7363439}"/>
-              </a:ext>
-            </a:extLst>
-          </p:cNvPr>
-          <p:cNvPicPr>
-            <a:picLocks noChangeAspect="1"/>
-          </p:cNvPicPr>
-          <p:nvPr/>
-        </p:nvPicPr>
-        <p:blipFill>
-          <a:blip r:embed="rId2"/>
-          <a:stretch>
-            <a:fillRect/>
-          </a:stretch>
-        </p:blipFill>
-        <p:spPr>
-          <a:xfrm>
-            <a:off x="2501369" y="0"/>
-            <a:ext cx="7189261" cy="6858000"/>
-          </a:xfrm>
-          <a:prstGeom prst="rect">
-            <a:avLst/>
-          </a:prstGeom>
-        </p:spPr>
-      </p:pic>
-    </p:spTree>
-    <p:extLst>
-      <p:ext uri="{BB962C8B-B14F-4D97-AF65-F5344CB8AC3E}">
-        <p14:creationId xmlns:p14="http://schemas.microsoft.com/office/powerpoint/2010/main" val="86561853"/>
       </p:ext>
     </p:extLst>
   </p:cSld>

--- a/lectures/10_word_embedding/0_word_embedding.pptx
+++ b/lectures/10_word_embedding/0_word_embedding.pptx
@@ -5,38 +5,44 @@
     <p:sldMasterId id="2147483648" r:id="rId1"/>
   </p:sldMasterIdLst>
   <p:notesMasterIdLst>
-    <p:notesMasterId r:id="rId31"/>
+    <p:notesMasterId r:id="rId37"/>
   </p:notesMasterIdLst>
   <p:sldIdLst>
     <p:sldId id="256" r:id="rId2"/>
-    <p:sldId id="257" r:id="rId3"/>
-    <p:sldId id="261" r:id="rId4"/>
-    <p:sldId id="269" r:id="rId5"/>
-    <p:sldId id="286" r:id="rId6"/>
-    <p:sldId id="270" r:id="rId7"/>
-    <p:sldId id="271" r:id="rId8"/>
-    <p:sldId id="259" r:id="rId9"/>
-    <p:sldId id="263" r:id="rId10"/>
-    <p:sldId id="267" r:id="rId11"/>
-    <p:sldId id="264" r:id="rId12"/>
-    <p:sldId id="285" r:id="rId13"/>
-    <p:sldId id="272" r:id="rId14"/>
-    <p:sldId id="265" r:id="rId15"/>
-    <p:sldId id="266" r:id="rId16"/>
-    <p:sldId id="260" r:id="rId17"/>
-    <p:sldId id="268" r:id="rId18"/>
-    <p:sldId id="273" r:id="rId19"/>
-    <p:sldId id="274" r:id="rId20"/>
-    <p:sldId id="275" r:id="rId21"/>
-    <p:sldId id="276" r:id="rId22"/>
-    <p:sldId id="277" r:id="rId23"/>
-    <p:sldId id="278" r:id="rId24"/>
-    <p:sldId id="279" r:id="rId25"/>
-    <p:sldId id="281" r:id="rId26"/>
-    <p:sldId id="280" r:id="rId27"/>
-    <p:sldId id="282" r:id="rId28"/>
-    <p:sldId id="283" r:id="rId29"/>
-    <p:sldId id="284" r:id="rId30"/>
+    <p:sldId id="289" r:id="rId3"/>
+    <p:sldId id="287" r:id="rId4"/>
+    <p:sldId id="288" r:id="rId5"/>
+    <p:sldId id="290" r:id="rId6"/>
+    <p:sldId id="291" r:id="rId7"/>
+    <p:sldId id="292" r:id="rId8"/>
+    <p:sldId id="257" r:id="rId9"/>
+    <p:sldId id="261" r:id="rId10"/>
+    <p:sldId id="269" r:id="rId11"/>
+    <p:sldId id="286" r:id="rId12"/>
+    <p:sldId id="270" r:id="rId13"/>
+    <p:sldId id="271" r:id="rId14"/>
+    <p:sldId id="259" r:id="rId15"/>
+    <p:sldId id="263" r:id="rId16"/>
+    <p:sldId id="267" r:id="rId17"/>
+    <p:sldId id="264" r:id="rId18"/>
+    <p:sldId id="285" r:id="rId19"/>
+    <p:sldId id="272" r:id="rId20"/>
+    <p:sldId id="265" r:id="rId21"/>
+    <p:sldId id="266" r:id="rId22"/>
+    <p:sldId id="260" r:id="rId23"/>
+    <p:sldId id="268" r:id="rId24"/>
+    <p:sldId id="273" r:id="rId25"/>
+    <p:sldId id="274" r:id="rId26"/>
+    <p:sldId id="275" r:id="rId27"/>
+    <p:sldId id="276" r:id="rId28"/>
+    <p:sldId id="277" r:id="rId29"/>
+    <p:sldId id="278" r:id="rId30"/>
+    <p:sldId id="279" r:id="rId31"/>
+    <p:sldId id="281" r:id="rId32"/>
+    <p:sldId id="280" r:id="rId33"/>
+    <p:sldId id="282" r:id="rId34"/>
+    <p:sldId id="283" r:id="rId35"/>
+    <p:sldId id="284" r:id="rId36"/>
   </p:sldIdLst>
   <p:sldSz cx="12192000" cy="6858000"/>
   <p:notesSz cx="6858000" cy="9144000"/>
@@ -146,7 +152,7 @@
 <file path=ppt/revisionInfo.xml><?xml version="1.0" encoding="utf-8"?>
 <p1510:revInfo xmlns:a="http://schemas.openxmlformats.org/drawingml/2006/main" xmlns:r="http://schemas.openxmlformats.org/officeDocument/2006/relationships" xmlns:p1510="http://schemas.microsoft.com/office/powerpoint/2015/10/main">
   <p1510:revLst>
-    <p1510:client id="{99E7DBB8-0B00-463F-B90F-88F2FF9D1B2C}" v="160" dt="2025-05-14T00:52:32.530"/>
+    <p1510:client id="{99E7DBB8-0B00-463F-B90F-88F2FF9D1B2C}" v="167" dt="2025-05-14T13:02:06.296"/>
   </p1510:revLst>
 </p1510:revInfo>
 </file>
@@ -156,7 +162,7 @@
   <pc:docChgLst>
     <pc:chgData name="Weifeng Xu" userId="e7aed605-a3dd-4d5a-a692-a87037af107b" providerId="ADAL" clId="{99E7DBB8-0B00-463F-B90F-88F2FF9D1B2C}"/>
     <pc:docChg chg="undo redo custSel addSld delSld modSld sldOrd">
-      <pc:chgData name="Weifeng Xu" userId="e7aed605-a3dd-4d5a-a692-a87037af107b" providerId="ADAL" clId="{99E7DBB8-0B00-463F-B90F-88F2FF9D1B2C}" dt="2025-05-14T00:52:45.952" v="2016" actId="20577"/>
+      <pc:chgData name="Weifeng Xu" userId="e7aed605-a3dd-4d5a-a692-a87037af107b" providerId="ADAL" clId="{99E7DBB8-0B00-463F-B90F-88F2FF9D1B2C}" dt="2025-05-14T13:02:06.295" v="2260" actId="1076"/>
       <pc:docMkLst>
         <pc:docMk/>
       </pc:docMkLst>
@@ -191,13 +197,13 @@
         </pc:spChg>
       </pc:sldChg>
       <pc:sldChg chg="addSp delSp modSp new mod">
-        <pc:chgData name="Weifeng Xu" userId="e7aed605-a3dd-4d5a-a692-a87037af107b" providerId="ADAL" clId="{99E7DBB8-0B00-463F-B90F-88F2FF9D1B2C}" dt="2025-05-09T02:20:02.586" v="219" actId="21"/>
+        <pc:chgData name="Weifeng Xu" userId="e7aed605-a3dd-4d5a-a692-a87037af107b" providerId="ADAL" clId="{99E7DBB8-0B00-463F-B90F-88F2FF9D1B2C}" dt="2025-05-14T13:02:06.295" v="2260" actId="1076"/>
         <pc:sldMkLst>
           <pc:docMk/>
           <pc:sldMk cId="2080425308" sldId="257"/>
         </pc:sldMkLst>
         <pc:spChg chg="mod">
-          <ac:chgData name="Weifeng Xu" userId="e7aed605-a3dd-4d5a-a692-a87037af107b" providerId="ADAL" clId="{99E7DBB8-0B00-463F-B90F-88F2FF9D1B2C}" dt="2025-05-09T02:07:08.876" v="150" actId="20577"/>
+          <ac:chgData name="Weifeng Xu" userId="e7aed605-a3dd-4d5a-a692-a87037af107b" providerId="ADAL" clId="{99E7DBB8-0B00-463F-B90F-88F2FF9D1B2C}" dt="2025-05-14T13:01:24.353" v="2255" actId="20577"/>
           <ac:spMkLst>
             <pc:docMk/>
             <pc:sldMk cId="2080425308" sldId="257"/>
@@ -205,7 +211,7 @@
           </ac:spMkLst>
         </pc:spChg>
         <pc:spChg chg="mod">
-          <ac:chgData name="Weifeng Xu" userId="e7aed605-a3dd-4d5a-a692-a87037af107b" providerId="ADAL" clId="{99E7DBB8-0B00-463F-B90F-88F2FF9D1B2C}" dt="2025-05-09T02:18:15.689" v="212" actId="27636"/>
+          <ac:chgData name="Weifeng Xu" userId="e7aed605-a3dd-4d5a-a692-a87037af107b" providerId="ADAL" clId="{99E7DBB8-0B00-463F-B90F-88F2FF9D1B2C}" dt="2025-05-14T13:02:01.236" v="2259" actId="27636"/>
           <ac:spMkLst>
             <pc:docMk/>
             <pc:sldMk cId="2080425308" sldId="257"/>
@@ -213,7 +219,7 @@
           </ac:spMkLst>
         </pc:spChg>
         <pc:picChg chg="add mod">
-          <ac:chgData name="Weifeng Xu" userId="e7aed605-a3dd-4d5a-a692-a87037af107b" providerId="ADAL" clId="{99E7DBB8-0B00-463F-B90F-88F2FF9D1B2C}" dt="2025-05-09T02:18:07.510" v="208" actId="1076"/>
+          <ac:chgData name="Weifeng Xu" userId="e7aed605-a3dd-4d5a-a692-a87037af107b" providerId="ADAL" clId="{99E7DBB8-0B00-463F-B90F-88F2FF9D1B2C}" dt="2025-05-14T13:02:06.295" v="2260" actId="1076"/>
           <ac:picMkLst>
             <pc:docMk/>
             <pc:sldMk cId="2080425308" sldId="257"/>
@@ -1458,6 +1464,37 @@
           <pc:sldMk cId="214610006" sldId="287"/>
         </pc:sldMkLst>
       </pc:sldChg>
+      <pc:sldChg chg="addSp modSp new mod modClrScheme chgLayout">
+        <pc:chgData name="Weifeng Xu" userId="e7aed605-a3dd-4d5a-a692-a87037af107b" providerId="ADAL" clId="{99E7DBB8-0B00-463F-B90F-88F2FF9D1B2C}" dt="2025-05-14T12:44:09.717" v="2148" actId="20577"/>
+        <pc:sldMkLst>
+          <pc:docMk/>
+          <pc:sldMk cId="1966635961" sldId="287"/>
+        </pc:sldMkLst>
+        <pc:spChg chg="mod">
+          <ac:chgData name="Weifeng Xu" userId="e7aed605-a3dd-4d5a-a692-a87037af107b" providerId="ADAL" clId="{99E7DBB8-0B00-463F-B90F-88F2FF9D1B2C}" dt="2025-05-14T12:44:09.717" v="2148" actId="20577"/>
+          <ac:spMkLst>
+            <pc:docMk/>
+            <pc:sldMk cId="1966635961" sldId="287"/>
+            <ac:spMk id="2" creationId="{64018A93-6C47-2E43-680A-E85FB4B8092A}"/>
+          </ac:spMkLst>
+        </pc:spChg>
+        <pc:spChg chg="mod">
+          <ac:chgData name="Weifeng Xu" userId="e7aed605-a3dd-4d5a-a692-a87037af107b" providerId="ADAL" clId="{99E7DBB8-0B00-463F-B90F-88F2FF9D1B2C}" dt="2025-05-14T12:39:16.864" v="2094" actId="26606"/>
+          <ac:spMkLst>
+            <pc:docMk/>
+            <pc:sldMk cId="1966635961" sldId="287"/>
+            <ac:spMk id="3" creationId="{383B36A6-6ED9-C8BE-5BC5-2BC7B21E5524}"/>
+          </ac:spMkLst>
+        </pc:spChg>
+        <pc:picChg chg="add mod modCrop">
+          <ac:chgData name="Weifeng Xu" userId="e7aed605-a3dd-4d5a-a692-a87037af107b" providerId="ADAL" clId="{99E7DBB8-0B00-463F-B90F-88F2FF9D1B2C}" dt="2025-05-14T12:39:34.168" v="2097" actId="1076"/>
+          <ac:picMkLst>
+            <pc:docMk/>
+            <pc:sldMk cId="1966635961" sldId="287"/>
+            <ac:picMk id="4" creationId="{228364C2-F1F0-F6D0-43EA-D9EA37A936C6}"/>
+          </ac:picMkLst>
+        </pc:picChg>
+      </pc:sldChg>
       <pc:sldChg chg="del">
         <pc:chgData name="Weifeng Xu" userId="e7aed605-a3dd-4d5a-a692-a87037af107b" providerId="ADAL" clId="{99E7DBB8-0B00-463F-B90F-88F2FF9D1B2C}" dt="2025-05-09T00:56:52.922" v="33" actId="47"/>
         <pc:sldMkLst>
@@ -1465,6 +1502,53 @@
           <pc:sldMk cId="1407769080" sldId="288"/>
         </pc:sldMkLst>
       </pc:sldChg>
+      <pc:sldChg chg="addSp delSp modSp new mod modClrScheme chgLayout">
+        <pc:chgData name="Weifeng Xu" userId="e7aed605-a3dd-4d5a-a692-a87037af107b" providerId="ADAL" clId="{99E7DBB8-0B00-463F-B90F-88F2FF9D1B2C}" dt="2025-05-14T12:43:17.135" v="2131"/>
+        <pc:sldMkLst>
+          <pc:docMk/>
+          <pc:sldMk cId="2930276819" sldId="288"/>
+        </pc:sldMkLst>
+        <pc:spChg chg="del mod ord">
+          <ac:chgData name="Weifeng Xu" userId="e7aed605-a3dd-4d5a-a692-a87037af107b" providerId="ADAL" clId="{99E7DBB8-0B00-463F-B90F-88F2FF9D1B2C}" dt="2025-05-14T12:42:35.037" v="2125" actId="700"/>
+          <ac:spMkLst>
+            <pc:docMk/>
+            <pc:sldMk cId="2930276819" sldId="288"/>
+            <ac:spMk id="2" creationId="{E75A1CBD-3657-58C9-2AEE-B20A2E69DAF9}"/>
+          </ac:spMkLst>
+        </pc:spChg>
+        <pc:spChg chg="del mod ord">
+          <ac:chgData name="Weifeng Xu" userId="e7aed605-a3dd-4d5a-a692-a87037af107b" providerId="ADAL" clId="{99E7DBB8-0B00-463F-B90F-88F2FF9D1B2C}" dt="2025-05-14T12:42:35.037" v="2125" actId="700"/>
+          <ac:spMkLst>
+            <pc:docMk/>
+            <pc:sldMk cId="2930276819" sldId="288"/>
+            <ac:spMk id="3" creationId="{EF0D9F0F-0C66-6928-EB03-D0464A39B47E}"/>
+          </ac:spMkLst>
+        </pc:spChg>
+        <pc:spChg chg="del">
+          <ac:chgData name="Weifeng Xu" userId="e7aed605-a3dd-4d5a-a692-a87037af107b" providerId="ADAL" clId="{99E7DBB8-0B00-463F-B90F-88F2FF9D1B2C}" dt="2025-05-14T12:42:35.037" v="2125" actId="700"/>
+          <ac:spMkLst>
+            <pc:docMk/>
+            <pc:sldMk cId="2930276819" sldId="288"/>
+            <ac:spMk id="4" creationId="{37F2EDD6-E404-A79A-B2BC-824E06D6264D}"/>
+          </ac:spMkLst>
+        </pc:spChg>
+        <pc:spChg chg="add mod ord">
+          <ac:chgData name="Weifeng Xu" userId="e7aed605-a3dd-4d5a-a692-a87037af107b" providerId="ADAL" clId="{99E7DBB8-0B00-463F-B90F-88F2FF9D1B2C}" dt="2025-05-14T12:42:44.333" v="2126"/>
+          <ac:spMkLst>
+            <pc:docMk/>
+            <pc:sldMk cId="2930276819" sldId="288"/>
+            <ac:spMk id="5" creationId="{72BB2427-2018-63C7-6FC6-B7ECCBC280D0}"/>
+          </ac:spMkLst>
+        </pc:spChg>
+        <pc:spChg chg="add mod ord">
+          <ac:chgData name="Weifeng Xu" userId="e7aed605-a3dd-4d5a-a692-a87037af107b" providerId="ADAL" clId="{99E7DBB8-0B00-463F-B90F-88F2FF9D1B2C}" dt="2025-05-14T12:43:17.135" v="2131"/>
+          <ac:spMkLst>
+            <pc:docMk/>
+            <pc:sldMk cId="2930276819" sldId="288"/>
+            <ac:spMk id="6" creationId="{46E8BE6B-1AF7-0EB8-BE82-20AA75DD9CB7}"/>
+          </ac:spMkLst>
+        </pc:spChg>
+      </pc:sldChg>
       <pc:sldChg chg="del">
         <pc:chgData name="Weifeng Xu" userId="e7aed605-a3dd-4d5a-a692-a87037af107b" providerId="ADAL" clId="{99E7DBB8-0B00-463F-B90F-88F2FF9D1B2C}" dt="2025-05-09T00:56:51.226" v="23" actId="47"/>
         <pc:sldMkLst>
@@ -1472,6 +1556,76 @@
           <pc:sldMk cId="104095834" sldId="289"/>
         </pc:sldMkLst>
       </pc:sldChg>
+      <pc:sldChg chg="addSp delSp modSp new mod modClrScheme chgLayout">
+        <pc:chgData name="Weifeng Xu" userId="e7aed605-a3dd-4d5a-a692-a87037af107b" providerId="ADAL" clId="{99E7DBB8-0B00-463F-B90F-88F2FF9D1B2C}" dt="2025-05-14T12:44:05.170" v="2147" actId="20577"/>
+        <pc:sldMkLst>
+          <pc:docMk/>
+          <pc:sldMk cId="2773500729" sldId="289"/>
+        </pc:sldMkLst>
+        <pc:spChg chg="del mod ord">
+          <ac:chgData name="Weifeng Xu" userId="e7aed605-a3dd-4d5a-a692-a87037af107b" providerId="ADAL" clId="{99E7DBB8-0B00-463F-B90F-88F2FF9D1B2C}" dt="2025-05-14T12:43:44.513" v="2133" actId="700"/>
+          <ac:spMkLst>
+            <pc:docMk/>
+            <pc:sldMk cId="2773500729" sldId="289"/>
+            <ac:spMk id="2" creationId="{CDECC0AA-617C-0E99-09CF-8F4866D1FB85}"/>
+          </ac:spMkLst>
+        </pc:spChg>
+        <pc:spChg chg="del mod ord">
+          <ac:chgData name="Weifeng Xu" userId="e7aed605-a3dd-4d5a-a692-a87037af107b" providerId="ADAL" clId="{99E7DBB8-0B00-463F-B90F-88F2FF9D1B2C}" dt="2025-05-14T12:43:44.513" v="2133" actId="700"/>
+          <ac:spMkLst>
+            <pc:docMk/>
+            <pc:sldMk cId="2773500729" sldId="289"/>
+            <ac:spMk id="3" creationId="{13835518-8ECF-B0D6-8241-31811C8A265E}"/>
+          </ac:spMkLst>
+        </pc:spChg>
+        <pc:spChg chg="add mod ord">
+          <ac:chgData name="Weifeng Xu" userId="e7aed605-a3dd-4d5a-a692-a87037af107b" providerId="ADAL" clId="{99E7DBB8-0B00-463F-B90F-88F2FF9D1B2C}" dt="2025-05-14T12:43:49.779" v="2145" actId="20577"/>
+          <ac:spMkLst>
+            <pc:docMk/>
+            <pc:sldMk cId="2773500729" sldId="289"/>
+            <ac:spMk id="4" creationId="{07F9BCC0-A835-42F5-9EE7-0C03D1FAB0FD}"/>
+          </ac:spMkLst>
+        </pc:spChg>
+        <pc:spChg chg="add mod ord">
+          <ac:chgData name="Weifeng Xu" userId="e7aed605-a3dd-4d5a-a692-a87037af107b" providerId="ADAL" clId="{99E7DBB8-0B00-463F-B90F-88F2FF9D1B2C}" dt="2025-05-14T12:44:05.170" v="2147" actId="20577"/>
+          <ac:spMkLst>
+            <pc:docMk/>
+            <pc:sldMk cId="2773500729" sldId="289"/>
+            <ac:spMk id="5" creationId="{6D3FC4ED-41D6-4047-825D-27C77D6D0BB0}"/>
+          </ac:spMkLst>
+        </pc:spChg>
+      </pc:sldChg>
+      <pc:sldChg chg="addSp delSp modSp new mod">
+        <pc:chgData name="Weifeng Xu" userId="e7aed605-a3dd-4d5a-a692-a87037af107b" providerId="ADAL" clId="{99E7DBB8-0B00-463F-B90F-88F2FF9D1B2C}" dt="2025-05-14T12:55:11.146" v="2205" actId="108"/>
+        <pc:sldMkLst>
+          <pc:docMk/>
+          <pc:sldMk cId="1294528391" sldId="290"/>
+        </pc:sldMkLst>
+        <pc:spChg chg="mod">
+          <ac:chgData name="Weifeng Xu" userId="e7aed605-a3dd-4d5a-a692-a87037af107b" providerId="ADAL" clId="{99E7DBB8-0B00-463F-B90F-88F2FF9D1B2C}" dt="2025-05-14T12:55:05.062" v="2204" actId="108"/>
+          <ac:spMkLst>
+            <pc:docMk/>
+            <pc:sldMk cId="1294528391" sldId="290"/>
+            <ac:spMk id="2" creationId="{66A7973B-54B9-0637-4156-6AB0A2E2D3C7}"/>
+          </ac:spMkLst>
+        </pc:spChg>
+        <pc:spChg chg="add del mod">
+          <ac:chgData name="Weifeng Xu" userId="e7aed605-a3dd-4d5a-a692-a87037af107b" providerId="ADAL" clId="{99E7DBB8-0B00-463F-B90F-88F2FF9D1B2C}" dt="2025-05-14T12:55:11.146" v="2205" actId="108"/>
+          <ac:spMkLst>
+            <pc:docMk/>
+            <pc:sldMk cId="1294528391" sldId="290"/>
+            <ac:spMk id="3" creationId="{B21D9C73-9C5E-5B70-841D-19B5034BAD86}"/>
+          </ac:spMkLst>
+        </pc:spChg>
+        <pc:spChg chg="add mod">
+          <ac:chgData name="Weifeng Xu" userId="e7aed605-a3dd-4d5a-a692-a87037af107b" providerId="ADAL" clId="{99E7DBB8-0B00-463F-B90F-88F2FF9D1B2C}" dt="2025-05-14T12:44:52.311" v="2153"/>
+          <ac:spMkLst>
+            <pc:docMk/>
+            <pc:sldMk cId="1294528391" sldId="290"/>
+            <ac:spMk id="4" creationId="{6587B971-DF60-7A05-0352-53E1381F95C9}"/>
+          </ac:spMkLst>
+        </pc:spChg>
+      </pc:sldChg>
       <pc:sldChg chg="del">
         <pc:chgData name="Weifeng Xu" userId="e7aed605-a3dd-4d5a-a692-a87037af107b" providerId="ADAL" clId="{99E7DBB8-0B00-463F-B90F-88F2FF9D1B2C}" dt="2025-05-09T00:56:49.891" v="14" actId="47"/>
         <pc:sldMkLst>
@@ -1479,12 +1633,58 @@
           <pc:sldMk cId="3513636499" sldId="290"/>
         </pc:sldMkLst>
       </pc:sldChg>
+      <pc:sldChg chg="modSp new mod">
+        <pc:chgData name="Weifeng Xu" userId="e7aed605-a3dd-4d5a-a692-a87037af107b" providerId="ADAL" clId="{99E7DBB8-0B00-463F-B90F-88F2FF9D1B2C}" dt="2025-05-14T12:56:26.925" v="2220" actId="20577"/>
+        <pc:sldMkLst>
+          <pc:docMk/>
+          <pc:sldMk cId="510004860" sldId="291"/>
+        </pc:sldMkLst>
+        <pc:spChg chg="mod">
+          <ac:chgData name="Weifeng Xu" userId="e7aed605-a3dd-4d5a-a692-a87037af107b" providerId="ADAL" clId="{99E7DBB8-0B00-463F-B90F-88F2FF9D1B2C}" dt="2025-05-14T12:55:18.614" v="2207" actId="207"/>
+          <ac:spMkLst>
+            <pc:docMk/>
+            <pc:sldMk cId="510004860" sldId="291"/>
+            <ac:spMk id="2" creationId="{5E41AC92-D549-A7BE-A983-F98C6AFC4B81}"/>
+          </ac:spMkLst>
+        </pc:spChg>
+        <pc:spChg chg="mod">
+          <ac:chgData name="Weifeng Xu" userId="e7aed605-a3dd-4d5a-a692-a87037af107b" providerId="ADAL" clId="{99E7DBB8-0B00-463F-B90F-88F2FF9D1B2C}" dt="2025-05-14T12:56:26.925" v="2220" actId="20577"/>
+          <ac:spMkLst>
+            <pc:docMk/>
+            <pc:sldMk cId="510004860" sldId="291"/>
+            <ac:spMk id="3" creationId="{AD6541CD-0097-D9D5-77E6-499E565A5E76}"/>
+          </ac:spMkLst>
+        </pc:spChg>
+      </pc:sldChg>
       <pc:sldChg chg="del">
         <pc:chgData name="Weifeng Xu" userId="e7aed605-a3dd-4d5a-a692-a87037af107b" providerId="ADAL" clId="{99E7DBB8-0B00-463F-B90F-88F2FF9D1B2C}" dt="2025-05-09T00:56:52.957" v="34" actId="47"/>
         <pc:sldMkLst>
           <pc:docMk/>
           <pc:sldMk cId="767342062" sldId="291"/>
         </pc:sldMkLst>
+      </pc:sldChg>
+      <pc:sldChg chg="modSp new mod">
+        <pc:chgData name="Weifeng Xu" userId="e7aed605-a3dd-4d5a-a692-a87037af107b" providerId="ADAL" clId="{99E7DBB8-0B00-463F-B90F-88F2FF9D1B2C}" dt="2025-05-14T13:00:30.869" v="2230" actId="113"/>
+        <pc:sldMkLst>
+          <pc:docMk/>
+          <pc:sldMk cId="2853579169" sldId="292"/>
+        </pc:sldMkLst>
+        <pc:spChg chg="mod">
+          <ac:chgData name="Weifeng Xu" userId="e7aed605-a3dd-4d5a-a692-a87037af107b" providerId="ADAL" clId="{99E7DBB8-0B00-463F-B90F-88F2FF9D1B2C}" dt="2025-05-14T12:58:35.639" v="2223" actId="20577"/>
+          <ac:spMkLst>
+            <pc:docMk/>
+            <pc:sldMk cId="2853579169" sldId="292"/>
+            <ac:spMk id="2" creationId="{66D4D341-E415-48BA-D43A-5C4B3E289A51}"/>
+          </ac:spMkLst>
+        </pc:spChg>
+        <pc:spChg chg="mod">
+          <ac:chgData name="Weifeng Xu" userId="e7aed605-a3dd-4d5a-a692-a87037af107b" providerId="ADAL" clId="{99E7DBB8-0B00-463F-B90F-88F2FF9D1B2C}" dt="2025-05-14T13:00:30.869" v="2230" actId="113"/>
+          <ac:spMkLst>
+            <pc:docMk/>
+            <pc:sldMk cId="2853579169" sldId="292"/>
+            <ac:spMk id="3" creationId="{74427EC3-49A4-C08F-CE5D-785DC8DDF31E}"/>
+          </ac:spMkLst>
+        </pc:spChg>
       </pc:sldChg>
       <pc:sldChg chg="del">
         <pc:chgData name="Weifeng Xu" userId="e7aed605-a3dd-4d5a-a692-a87037af107b" providerId="ADAL" clId="{99E7DBB8-0B00-463F-B90F-88F2FF9D1B2C}" dt="2025-05-09T00:56:52.981" v="35" actId="47"/>
@@ -3496,7 +3696,7 @@
           <a:p>
             <a:fld id="{2A59A54D-A59E-4D85-AEC9-D5AFF867AB55}" type="datetimeFigureOut">
               <a:rPr lang="en-US" smtClean="0"/>
-              <a:t>5/13/2025</a:t>
+              <a:t>5/14/2025</a:t>
             </a:fld>
             <a:endParaRPr lang="en-US"/>
           </a:p>
@@ -3828,7 +4028,7 @@
           <a:p>
             <a:fld id="{AD4B3522-F598-4236-847D-901DDEE8B2B8}" type="slidenum">
               <a:rPr lang="en-US" smtClean="0"/>
-              <a:t>2</a:t>
+              <a:t>8</a:t>
             </a:fld>
             <a:endParaRPr lang="en-US"/>
           </a:p>
@@ -3915,7 +4115,7 @@
           <a:p>
             <a:fld id="{AD4B3522-F598-4236-847D-901DDEE8B2B8}" type="slidenum">
               <a:rPr lang="en-US" smtClean="0"/>
-              <a:t>3</a:t>
+              <a:t>9</a:t>
             </a:fld>
             <a:endParaRPr lang="en-US"/>
           </a:p>
@@ -4026,7 +4226,7 @@
           <a:p>
             <a:fld id="{AD4B3522-F598-4236-847D-901DDEE8B2B8}" type="slidenum">
               <a:rPr lang="en-US" smtClean="0"/>
-              <a:t>17</a:t>
+              <a:t>23</a:t>
             </a:fld>
             <a:endParaRPr lang="en-US"/>
           </a:p>
@@ -4174,7 +4374,7 @@
           <a:p>
             <a:fld id="{4263717A-E3C1-4BED-ABE0-B7069385E023}" type="datetimeFigureOut">
               <a:rPr lang="en-US" smtClean="0"/>
-              <a:t>5/13/2025</a:t>
+              <a:t>5/14/2025</a:t>
             </a:fld>
             <a:endParaRPr lang="en-US"/>
           </a:p>
@@ -4347,7 +4547,7 @@
           <a:p>
             <a:fld id="{4263717A-E3C1-4BED-ABE0-B7069385E023}" type="datetimeFigureOut">
               <a:rPr lang="en-US" smtClean="0"/>
-              <a:t>5/13/2025</a:t>
+              <a:t>5/14/2025</a:t>
             </a:fld>
             <a:endParaRPr lang="en-US"/>
           </a:p>
@@ -4525,7 +4725,7 @@
           <a:p>
             <a:fld id="{4263717A-E3C1-4BED-ABE0-B7069385E023}" type="datetimeFigureOut">
               <a:rPr lang="en-US" smtClean="0"/>
-              <a:t>5/13/2025</a:t>
+              <a:t>5/14/2025</a:t>
             </a:fld>
             <a:endParaRPr lang="en-US"/>
           </a:p>
@@ -4693,7 +4893,7 @@
           <a:p>
             <a:fld id="{4263717A-E3C1-4BED-ABE0-B7069385E023}" type="datetimeFigureOut">
               <a:rPr lang="en-US" smtClean="0"/>
-              <a:t>5/13/2025</a:t>
+              <a:t>5/14/2025</a:t>
             </a:fld>
             <a:endParaRPr lang="en-US"/>
           </a:p>
@@ -4938,7 +5138,7 @@
           <a:p>
             <a:fld id="{4263717A-E3C1-4BED-ABE0-B7069385E023}" type="datetimeFigureOut">
               <a:rPr lang="en-US" smtClean="0"/>
-              <a:t>5/13/2025</a:t>
+              <a:t>5/14/2025</a:t>
             </a:fld>
             <a:endParaRPr lang="en-US"/>
           </a:p>
@@ -5167,7 +5367,7 @@
           <a:p>
             <a:fld id="{4263717A-E3C1-4BED-ABE0-B7069385E023}" type="datetimeFigureOut">
               <a:rPr lang="en-US" smtClean="0"/>
-              <a:t>5/13/2025</a:t>
+              <a:t>5/14/2025</a:t>
             </a:fld>
             <a:endParaRPr lang="en-US"/>
           </a:p>
@@ -5531,7 +5731,7 @@
           <a:p>
             <a:fld id="{4263717A-E3C1-4BED-ABE0-B7069385E023}" type="datetimeFigureOut">
               <a:rPr lang="en-US" smtClean="0"/>
-              <a:t>5/13/2025</a:t>
+              <a:t>5/14/2025</a:t>
             </a:fld>
             <a:endParaRPr lang="en-US"/>
           </a:p>
@@ -5648,7 +5848,7 @@
           <a:p>
             <a:fld id="{4263717A-E3C1-4BED-ABE0-B7069385E023}" type="datetimeFigureOut">
               <a:rPr lang="en-US" smtClean="0"/>
-              <a:t>5/13/2025</a:t>
+              <a:t>5/14/2025</a:t>
             </a:fld>
             <a:endParaRPr lang="en-US"/>
           </a:p>
@@ -5743,7 +5943,7 @@
           <a:p>
             <a:fld id="{4263717A-E3C1-4BED-ABE0-B7069385E023}" type="datetimeFigureOut">
               <a:rPr lang="en-US" smtClean="0"/>
-              <a:t>5/13/2025</a:t>
+              <a:t>5/14/2025</a:t>
             </a:fld>
             <a:endParaRPr lang="en-US"/>
           </a:p>
@@ -6018,7 +6218,7 @@
           <a:p>
             <a:fld id="{4263717A-E3C1-4BED-ABE0-B7069385E023}" type="datetimeFigureOut">
               <a:rPr lang="en-US" smtClean="0"/>
-              <a:t>5/13/2025</a:t>
+              <a:t>5/14/2025</a:t>
             </a:fld>
             <a:endParaRPr lang="en-US"/>
           </a:p>
@@ -6270,7 +6470,7 @@
           <a:p>
             <a:fld id="{4263717A-E3C1-4BED-ABE0-B7069385E023}" type="datetimeFigureOut">
               <a:rPr lang="en-US" smtClean="0"/>
-              <a:t>5/13/2025</a:t>
+              <a:t>5/14/2025</a:t>
             </a:fld>
             <a:endParaRPr lang="en-US"/>
           </a:p>
@@ -6489,7 +6689,7 @@
           <a:p>
             <a:fld id="{4263717A-E3C1-4BED-ABE0-B7069385E023}" type="datetimeFigureOut">
               <a:rPr lang="en-US" smtClean="0"/>
-              <a:t>5/13/2025</a:t>
+              <a:t>5/14/2025</a:t>
             </a:fld>
             <a:endParaRPr lang="en-US"/>
           </a:p>
@@ -7147,6 +7347,1027 @@
           <a:chExt cx="0" cy="0"/>
         </a:xfrm>
       </p:grpSpPr>
+      <p:pic>
+        <p:nvPicPr>
+          <p:cNvPr id="4" name="Picture 6" descr="Bidirectional">
+            <a:extLst>
+              <a:ext uri="{FF2B5EF4-FFF2-40B4-BE49-F238E27FC236}">
+                <a16:creationId xmlns:a16="http://schemas.microsoft.com/office/drawing/2014/main" id="{491EC4F0-D0C3-AEA7-846D-ED2D1BFA2A32}"/>
+              </a:ext>
+            </a:extLst>
+          </p:cNvPr>
+          <p:cNvPicPr>
+            <a:picLocks noChangeAspect="1" noChangeArrowheads="1"/>
+          </p:cNvPicPr>
+          <p:nvPr/>
+        </p:nvPicPr>
+        <p:blipFill>
+          <a:blip r:embed="rId2">
+            <a:extLst>
+              <a:ext uri="{28A0092B-C50C-407E-A947-70E740481C1C}">
+                <a14:useLocalDpi xmlns:a14="http://schemas.microsoft.com/office/drawing/2010/main" val="0"/>
+              </a:ext>
+            </a:extLst>
+          </a:blip>
+          <a:srcRect/>
+          <a:stretch/>
+        </p:blipFill>
+        <p:spPr bwMode="auto">
+          <a:xfrm>
+            <a:off x="20" y="10"/>
+            <a:ext cx="12191980" cy="6857990"/>
+          </a:xfrm>
+          <a:prstGeom prst="rect">
+            <a:avLst/>
+          </a:prstGeom>
+          <a:solidFill>
+            <a:srgbClr val="FFFFFF"/>
+          </a:solidFill>
+        </p:spPr>
+      </p:pic>
+    </p:spTree>
+    <p:extLst>
+      <p:ext uri="{BB962C8B-B14F-4D97-AF65-F5344CB8AC3E}">
+        <p14:creationId xmlns:p14="http://schemas.microsoft.com/office/powerpoint/2010/main" val="1533910329"/>
+      </p:ext>
+    </p:extLst>
+  </p:cSld>
+  <p:clrMapOvr>
+    <a:masterClrMapping/>
+  </p:clrMapOvr>
+</p:sld>
+</file>
+
+<file path=ppt/slides/slide11.xml><?xml version="1.0" encoding="utf-8"?>
+<p:sld xmlns:a="http://schemas.openxmlformats.org/drawingml/2006/main" xmlns:r="http://schemas.openxmlformats.org/officeDocument/2006/relationships" xmlns:p="http://schemas.openxmlformats.org/presentationml/2006/main">
+  <p:cSld>
+    <p:spTree>
+      <p:nvGrpSpPr>
+        <p:cNvPr id="1" name=""/>
+        <p:cNvGrpSpPr/>
+        <p:nvPr/>
+      </p:nvGrpSpPr>
+      <p:grpSpPr>
+        <a:xfrm>
+          <a:off x="0" y="0"/>
+          <a:ext cx="0" cy="0"/>
+          <a:chOff x="0" y="0"/>
+          <a:chExt cx="0" cy="0"/>
+        </a:xfrm>
+      </p:grpSpPr>
+      <p:pic>
+        <p:nvPicPr>
+          <p:cNvPr id="1026" name="Picture 2" descr="bert">
+            <a:extLst>
+              <a:ext uri="{FF2B5EF4-FFF2-40B4-BE49-F238E27FC236}">
+                <a16:creationId xmlns:a16="http://schemas.microsoft.com/office/drawing/2014/main" id="{F5F2E22A-BED2-8403-26E5-26072C3CDC4C}"/>
+              </a:ext>
+            </a:extLst>
+          </p:cNvPr>
+          <p:cNvPicPr>
+            <a:picLocks noChangeAspect="1" noChangeArrowheads="1"/>
+          </p:cNvPicPr>
+          <p:nvPr/>
+        </p:nvPicPr>
+        <p:blipFill>
+          <a:blip r:embed="rId2">
+            <a:extLst>
+              <a:ext uri="{28A0092B-C50C-407E-A947-70E740481C1C}">
+                <a14:useLocalDpi xmlns:a14="http://schemas.microsoft.com/office/drawing/2010/main" val="0"/>
+              </a:ext>
+            </a:extLst>
+          </a:blip>
+          <a:srcRect/>
+          <a:stretch>
+            <a:fillRect/>
+          </a:stretch>
+        </p:blipFill>
+        <p:spPr bwMode="auto">
+          <a:xfrm>
+            <a:off x="3000256" y="116619"/>
+            <a:ext cx="8153700" cy="6433604"/>
+          </a:xfrm>
+          <a:prstGeom prst="rect">
+            <a:avLst/>
+          </a:prstGeom>
+          <a:noFill/>
+          <a:extLst>
+            <a:ext uri="{909E8E84-426E-40DD-AFC4-6F175D3DCCD1}">
+              <a14:hiddenFill xmlns:a14="http://schemas.microsoft.com/office/drawing/2010/main">
+                <a:solidFill>
+                  <a:srgbClr val="FFFFFF"/>
+                </a:solidFill>
+              </a14:hiddenFill>
+            </a:ext>
+          </a:extLst>
+        </p:spPr>
+      </p:pic>
+      <p:sp>
+        <p:nvSpPr>
+          <p:cNvPr id="5" name="TextBox 4">
+            <a:extLst>
+              <a:ext uri="{FF2B5EF4-FFF2-40B4-BE49-F238E27FC236}">
+                <a16:creationId xmlns:a16="http://schemas.microsoft.com/office/drawing/2014/main" id="{79381B55-A4C9-6593-AA3C-BF46F3B728EF}"/>
+              </a:ext>
+            </a:extLst>
+          </p:cNvPr>
+          <p:cNvSpPr txBox="1"/>
+          <p:nvPr/>
+        </p:nvSpPr>
+        <p:spPr>
+          <a:xfrm>
+            <a:off x="3708671" y="6550223"/>
+            <a:ext cx="6460825" cy="307777"/>
+          </a:xfrm>
+          <a:prstGeom prst="rect">
+            <a:avLst/>
+          </a:prstGeom>
+          <a:noFill/>
+        </p:spPr>
+        <p:txBody>
+          <a:bodyPr wrap="square">
+            <a:spAutoFit/>
+          </a:bodyPr>
+          <a:lstStyle/>
+          <a:p>
+            <a:r>
+              <a:rPr lang="en-US" sz="1400" dirty="0"/>
+              <a:t>https://www.analyticsvidhya.com/blog/2021/05/all-you-need-to-know-about-bert/</a:t>
+            </a:r>
+          </a:p>
+        </p:txBody>
+      </p:sp>
+      <p:sp>
+        <p:nvSpPr>
+          <p:cNvPr id="6" name="TextBox 5">
+            <a:extLst>
+              <a:ext uri="{FF2B5EF4-FFF2-40B4-BE49-F238E27FC236}">
+                <a16:creationId xmlns:a16="http://schemas.microsoft.com/office/drawing/2014/main" id="{DC8BD3C1-0620-61C4-4238-6C2B3533B391}"/>
+              </a:ext>
+            </a:extLst>
+          </p:cNvPr>
+          <p:cNvSpPr txBox="1"/>
+          <p:nvPr/>
+        </p:nvSpPr>
+        <p:spPr>
+          <a:xfrm>
+            <a:off x="457200" y="2109019"/>
+            <a:ext cx="1978683" cy="369332"/>
+          </a:xfrm>
+          <a:prstGeom prst="rect">
+            <a:avLst/>
+          </a:prstGeom>
+          <a:noFill/>
+        </p:spPr>
+        <p:txBody>
+          <a:bodyPr wrap="none" rtlCol="0">
+            <a:spAutoFit/>
+          </a:bodyPr>
+          <a:lstStyle/>
+          <a:p>
+            <a:r>
+              <a:rPr lang="en-US" dirty="0"/>
+              <a:t>After Training BERT</a:t>
+            </a:r>
+          </a:p>
+        </p:txBody>
+      </p:sp>
+    </p:spTree>
+    <p:extLst>
+      <p:ext uri="{BB962C8B-B14F-4D97-AF65-F5344CB8AC3E}">
+        <p14:creationId xmlns:p14="http://schemas.microsoft.com/office/powerpoint/2010/main" val="1036684615"/>
+      </p:ext>
+    </p:extLst>
+  </p:cSld>
+  <p:clrMapOvr>
+    <a:masterClrMapping/>
+  </p:clrMapOvr>
+</p:sld>
+</file>
+
+<file path=ppt/slides/slide12.xml><?xml version="1.0" encoding="utf-8"?>
+<p:sld xmlns:a="http://schemas.openxmlformats.org/drawingml/2006/main" xmlns:r="http://schemas.openxmlformats.org/officeDocument/2006/relationships" xmlns:p="http://schemas.openxmlformats.org/presentationml/2006/main">
+  <p:cSld>
+    <p:spTree>
+      <p:nvGrpSpPr>
+        <p:cNvPr id="1" name=""/>
+        <p:cNvGrpSpPr/>
+        <p:nvPr/>
+      </p:nvGrpSpPr>
+      <p:grpSpPr>
+        <a:xfrm>
+          <a:off x="0" y="0"/>
+          <a:ext cx="0" cy="0"/>
+          <a:chOff x="0" y="0"/>
+          <a:chExt cx="0" cy="0"/>
+        </a:xfrm>
+      </p:grpSpPr>
+      <p:sp>
+        <p:nvSpPr>
+          <p:cNvPr id="4" name="Title 3">
+            <a:extLst>
+              <a:ext uri="{FF2B5EF4-FFF2-40B4-BE49-F238E27FC236}">
+                <a16:creationId xmlns:a16="http://schemas.microsoft.com/office/drawing/2014/main" id="{DFD70D32-6FEC-B149-AEA3-CDCCD2E68774}"/>
+              </a:ext>
+            </a:extLst>
+          </p:cNvPr>
+          <p:cNvSpPr>
+            <a:spLocks noGrp="1"/>
+          </p:cNvSpPr>
+          <p:nvPr>
+            <p:ph type="title"/>
+          </p:nvPr>
+        </p:nvSpPr>
+        <p:spPr/>
+        <p:txBody>
+          <a:bodyPr/>
+          <a:lstStyle/>
+          <a:p>
+            <a:r>
+              <a:rPr lang="en-US" dirty="0"/>
+              <a:t>Train BERT Model </a:t>
+            </a:r>
+          </a:p>
+        </p:txBody>
+      </p:sp>
+      <p:sp>
+        <p:nvSpPr>
+          <p:cNvPr id="5" name="Text Placeholder 4">
+            <a:extLst>
+              <a:ext uri="{FF2B5EF4-FFF2-40B4-BE49-F238E27FC236}">
+                <a16:creationId xmlns:a16="http://schemas.microsoft.com/office/drawing/2014/main" id="{AF3DFED3-5585-C47B-27A2-634E87D13F5D}"/>
+              </a:ext>
+            </a:extLst>
+          </p:cNvPr>
+          <p:cNvSpPr>
+            <a:spLocks noGrp="1"/>
+          </p:cNvSpPr>
+          <p:nvPr>
+            <p:ph type="body" idx="1"/>
+          </p:nvPr>
+        </p:nvSpPr>
+        <p:spPr/>
+        <p:txBody>
+          <a:bodyPr/>
+          <a:lstStyle/>
+          <a:p>
+            <a:endParaRPr lang="en-US"/>
+          </a:p>
+        </p:txBody>
+      </p:sp>
+    </p:spTree>
+    <p:extLst>
+      <p:ext uri="{BB962C8B-B14F-4D97-AF65-F5344CB8AC3E}">
+        <p14:creationId xmlns:p14="http://schemas.microsoft.com/office/powerpoint/2010/main" val="2434111921"/>
+      </p:ext>
+    </p:extLst>
+  </p:cSld>
+  <p:clrMapOvr>
+    <a:masterClrMapping/>
+  </p:clrMapOvr>
+</p:sld>
+</file>
+
+<file path=ppt/slides/slide13.xml><?xml version="1.0" encoding="utf-8"?>
+<p:sld xmlns:a="http://schemas.openxmlformats.org/drawingml/2006/main" xmlns:r="http://schemas.openxmlformats.org/officeDocument/2006/relationships" xmlns:p="http://schemas.openxmlformats.org/presentationml/2006/main">
+  <p:cSld>
+    <p:spTree>
+      <p:nvGrpSpPr>
+        <p:cNvPr id="1" name="">
+          <a:extLst>
+            <a:ext uri="{FF2B5EF4-FFF2-40B4-BE49-F238E27FC236}">
+              <a16:creationId xmlns:a16="http://schemas.microsoft.com/office/drawing/2014/main" id="{DDCDA25A-0A36-B2E0-761E-FD91D861A175}"/>
+            </a:ext>
+          </a:extLst>
+        </p:cNvPr>
+        <p:cNvGrpSpPr/>
+        <p:nvPr/>
+      </p:nvGrpSpPr>
+      <p:grpSpPr>
+        <a:xfrm>
+          <a:off x="0" y="0"/>
+          <a:ext cx="0" cy="0"/>
+          <a:chOff x="0" y="0"/>
+          <a:chExt cx="0" cy="0"/>
+        </a:xfrm>
+      </p:grpSpPr>
+      <p:sp>
+        <p:nvSpPr>
+          <p:cNvPr id="4" name="Title 3">
+            <a:extLst>
+              <a:ext uri="{FF2B5EF4-FFF2-40B4-BE49-F238E27FC236}">
+                <a16:creationId xmlns:a16="http://schemas.microsoft.com/office/drawing/2014/main" id="{40202979-E8CD-EF01-48A7-D618A4257959}"/>
+              </a:ext>
+            </a:extLst>
+          </p:cNvPr>
+          <p:cNvSpPr>
+            <a:spLocks noGrp="1"/>
+          </p:cNvSpPr>
+          <p:nvPr>
+            <p:ph type="title"/>
+          </p:nvPr>
+        </p:nvSpPr>
+        <p:spPr/>
+        <p:txBody>
+          <a:bodyPr/>
+          <a:lstStyle/>
+          <a:p>
+            <a:r>
+              <a:rPr lang="en-US" dirty="0"/>
+              <a:t>Train BERT Model (MLM+NSP)</a:t>
+            </a:r>
+          </a:p>
+        </p:txBody>
+      </p:sp>
+      <p:pic>
+        <p:nvPicPr>
+          <p:cNvPr id="5" name="Picture 4">
+            <a:extLst>
+              <a:ext uri="{FF2B5EF4-FFF2-40B4-BE49-F238E27FC236}">
+                <a16:creationId xmlns:a16="http://schemas.microsoft.com/office/drawing/2014/main" id="{885FF9E8-A3C5-AC47-ABA6-63EC8CE9F451}"/>
+              </a:ext>
+            </a:extLst>
+          </p:cNvPr>
+          <p:cNvPicPr>
+            <a:picLocks noChangeAspect="1"/>
+          </p:cNvPicPr>
+          <p:nvPr/>
+        </p:nvPicPr>
+        <p:blipFill>
+          <a:blip r:embed="rId2"/>
+          <a:srcRect l="12232" t="9837" r="11329" b="10090"/>
+          <a:stretch/>
+        </p:blipFill>
+        <p:spPr>
+          <a:xfrm>
+            <a:off x="366428" y="3137587"/>
+            <a:ext cx="5205206" cy="2726318"/>
+          </a:xfrm>
+          <a:prstGeom prst="rect">
+            <a:avLst/>
+          </a:prstGeom>
+        </p:spPr>
+      </p:pic>
+      <p:sp>
+        <p:nvSpPr>
+          <p:cNvPr id="7" name="TextBox 6">
+            <a:extLst>
+              <a:ext uri="{FF2B5EF4-FFF2-40B4-BE49-F238E27FC236}">
+                <a16:creationId xmlns:a16="http://schemas.microsoft.com/office/drawing/2014/main" id="{D5D51B55-6372-C7C9-7B7E-27B0A2BE8F9A}"/>
+              </a:ext>
+            </a:extLst>
+          </p:cNvPr>
+          <p:cNvSpPr txBox="1"/>
+          <p:nvPr/>
+        </p:nvSpPr>
+        <p:spPr>
+          <a:xfrm>
+            <a:off x="514778" y="6262042"/>
+            <a:ext cx="5458184" cy="461665"/>
+          </a:xfrm>
+          <a:prstGeom prst="rect">
+            <a:avLst/>
+          </a:prstGeom>
+          <a:noFill/>
+        </p:spPr>
+        <p:txBody>
+          <a:bodyPr wrap="square">
+            <a:spAutoFit/>
+          </a:bodyPr>
+          <a:lstStyle/>
+          <a:p>
+            <a:r>
+              <a:rPr lang="en-US" sz="1200" dirty="0"/>
+              <a:t>https://www.searchunify.com/sudo-technical-blogs/context-is-key-the-transitional-impact-of-bert-on-enterprise-search-results/</a:t>
+            </a:r>
+          </a:p>
+        </p:txBody>
+      </p:sp>
+      <p:pic>
+        <p:nvPicPr>
+          <p:cNvPr id="7170" name="Picture 2" descr="Next Sentence Prediction Task">
+            <a:extLst>
+              <a:ext uri="{FF2B5EF4-FFF2-40B4-BE49-F238E27FC236}">
+                <a16:creationId xmlns:a16="http://schemas.microsoft.com/office/drawing/2014/main" id="{F9C119BE-E185-6428-E4C9-14327142EBFA}"/>
+              </a:ext>
+            </a:extLst>
+          </p:cNvPr>
+          <p:cNvPicPr>
+            <a:picLocks noChangeAspect="1" noChangeArrowheads="1"/>
+          </p:cNvPicPr>
+          <p:nvPr/>
+        </p:nvPicPr>
+        <p:blipFill>
+          <a:blip r:embed="rId3">
+            <a:extLst>
+              <a:ext uri="{28A0092B-C50C-407E-A947-70E740481C1C}">
+                <a14:useLocalDpi xmlns:a14="http://schemas.microsoft.com/office/drawing/2010/main" val="0"/>
+              </a:ext>
+            </a:extLst>
+          </a:blip>
+          <a:srcRect/>
+          <a:stretch>
+            <a:fillRect/>
+          </a:stretch>
+        </p:blipFill>
+        <p:spPr bwMode="auto">
+          <a:xfrm>
+            <a:off x="5729681" y="3697470"/>
+            <a:ext cx="6386818" cy="1836465"/>
+          </a:xfrm>
+          <a:prstGeom prst="rect">
+            <a:avLst/>
+          </a:prstGeom>
+          <a:noFill/>
+          <a:extLst>
+            <a:ext uri="{909E8E84-426E-40DD-AFC4-6F175D3DCCD1}">
+              <a14:hiddenFill xmlns:a14="http://schemas.microsoft.com/office/drawing/2010/main">
+                <a:solidFill>
+                  <a:srgbClr val="FFFFFF"/>
+                </a:solidFill>
+              </a14:hiddenFill>
+            </a:ext>
+          </a:extLst>
+        </p:spPr>
+      </p:pic>
+      <p:sp>
+        <p:nvSpPr>
+          <p:cNvPr id="9" name="TextBox 8">
+            <a:extLst>
+              <a:ext uri="{FF2B5EF4-FFF2-40B4-BE49-F238E27FC236}">
+                <a16:creationId xmlns:a16="http://schemas.microsoft.com/office/drawing/2014/main" id="{D35760DE-5F95-3A44-D1E8-9C37DA088CC1}"/>
+              </a:ext>
+            </a:extLst>
+          </p:cNvPr>
+          <p:cNvSpPr txBox="1"/>
+          <p:nvPr/>
+        </p:nvSpPr>
+        <p:spPr>
+          <a:xfrm>
+            <a:off x="7256477" y="6354374"/>
+            <a:ext cx="4097323" cy="276999"/>
+          </a:xfrm>
+          <a:prstGeom prst="rect">
+            <a:avLst/>
+          </a:prstGeom>
+          <a:noFill/>
+        </p:spPr>
+        <p:txBody>
+          <a:bodyPr wrap="square">
+            <a:spAutoFit/>
+          </a:bodyPr>
+          <a:lstStyle/>
+          <a:p>
+            <a:r>
+              <a:rPr lang="en-US" sz="1200" dirty="0"/>
+              <a:t>https://amitness.com/posts/albert-visual-summary</a:t>
+            </a:r>
+          </a:p>
+        </p:txBody>
+      </p:sp>
+      <p:sp>
+        <p:nvSpPr>
+          <p:cNvPr id="3" name="TextBox 2">
+            <a:extLst>
+              <a:ext uri="{FF2B5EF4-FFF2-40B4-BE49-F238E27FC236}">
+                <a16:creationId xmlns:a16="http://schemas.microsoft.com/office/drawing/2014/main" id="{E17CB1CA-0204-2C2A-3DDC-0403892ABBCF}"/>
+              </a:ext>
+            </a:extLst>
+          </p:cNvPr>
+          <p:cNvSpPr txBox="1"/>
+          <p:nvPr/>
+        </p:nvSpPr>
+        <p:spPr>
+          <a:xfrm>
+            <a:off x="745921" y="1738189"/>
+            <a:ext cx="4733434" cy="1015663"/>
+          </a:xfrm>
+          <a:prstGeom prst="rect">
+            <a:avLst/>
+          </a:prstGeom>
+          <a:noFill/>
+        </p:spPr>
+        <p:txBody>
+          <a:bodyPr wrap="square">
+            <a:spAutoFit/>
+          </a:bodyPr>
+          <a:lstStyle/>
+          <a:p>
+            <a:r>
+              <a:rPr lang="en-GB" sz="2000" b="1" dirty="0"/>
+              <a:t>Masked Language Model (MLM): r</a:t>
+            </a:r>
+            <a:r>
+              <a:rPr lang="en-GB" sz="2000" dirty="0"/>
+              <a:t>andomly mask words in document and try to predict them based on the surrounding context.</a:t>
+            </a:r>
+            <a:endParaRPr lang="en-US" sz="2000" dirty="0"/>
+          </a:p>
+        </p:txBody>
+      </p:sp>
+      <p:sp>
+        <p:nvSpPr>
+          <p:cNvPr id="8" name="TextBox 7">
+            <a:extLst>
+              <a:ext uri="{FF2B5EF4-FFF2-40B4-BE49-F238E27FC236}">
+                <a16:creationId xmlns:a16="http://schemas.microsoft.com/office/drawing/2014/main" id="{8A5B413D-E31A-5F46-B980-E4650D05EAC6}"/>
+              </a:ext>
+            </a:extLst>
+          </p:cNvPr>
+          <p:cNvSpPr txBox="1"/>
+          <p:nvPr/>
+        </p:nvSpPr>
+        <p:spPr>
+          <a:xfrm>
+            <a:off x="5863905" y="1804909"/>
+            <a:ext cx="4907559" cy="707886"/>
+          </a:xfrm>
+          <a:prstGeom prst="rect">
+            <a:avLst/>
+          </a:prstGeom>
+          <a:noFill/>
+        </p:spPr>
+        <p:txBody>
+          <a:bodyPr wrap="square">
+            <a:spAutoFit/>
+          </a:bodyPr>
+          <a:lstStyle/>
+          <a:p>
+            <a:r>
+              <a:rPr lang="en-GB" sz="2000" b="1" i="0" dirty="0">
+                <a:solidFill>
+                  <a:srgbClr val="000000"/>
+                </a:solidFill>
+                <a:effectLst/>
+                <a:latin typeface="Inter"/>
+              </a:rPr>
+              <a:t>Next Sentence Prediction (NSP</a:t>
+            </a:r>
+            <a:r>
+              <a:rPr lang="en-GB" sz="2000" b="0" i="0" dirty="0">
+                <a:solidFill>
+                  <a:srgbClr val="000000"/>
+                </a:solidFill>
+                <a:effectLst/>
+                <a:latin typeface="Inter"/>
+              </a:rPr>
+              <a:t>): Predict if sentence 2 follows sentence 1</a:t>
+            </a:r>
+            <a:endParaRPr lang="en-US" sz="2000" dirty="0"/>
+          </a:p>
+        </p:txBody>
+      </p:sp>
+    </p:spTree>
+    <p:extLst>
+      <p:ext uri="{BB962C8B-B14F-4D97-AF65-F5344CB8AC3E}">
+        <p14:creationId xmlns:p14="http://schemas.microsoft.com/office/powerpoint/2010/main" val="3407768076"/>
+      </p:ext>
+    </p:extLst>
+  </p:cSld>
+  <p:clrMapOvr>
+    <a:masterClrMapping/>
+  </p:clrMapOvr>
+</p:sld>
+</file>
+
+<file path=ppt/slides/slide14.xml><?xml version="1.0" encoding="utf-8"?>
+<p:sld xmlns:a="http://schemas.openxmlformats.org/drawingml/2006/main" xmlns:r="http://schemas.openxmlformats.org/officeDocument/2006/relationships" xmlns:p="http://schemas.openxmlformats.org/presentationml/2006/main">
+  <p:cSld>
+    <p:spTree>
+      <p:nvGrpSpPr>
+        <p:cNvPr id="1" name=""/>
+        <p:cNvGrpSpPr/>
+        <p:nvPr/>
+      </p:nvGrpSpPr>
+      <p:grpSpPr>
+        <a:xfrm>
+          <a:off x="0" y="0"/>
+          <a:ext cx="0" cy="0"/>
+          <a:chOff x="0" y="0"/>
+          <a:chExt cx="0" cy="0"/>
+        </a:xfrm>
+      </p:grpSpPr>
+      <p:sp>
+        <p:nvSpPr>
+          <p:cNvPr id="4" name="Title 3">
+            <a:extLst>
+              <a:ext uri="{FF2B5EF4-FFF2-40B4-BE49-F238E27FC236}">
+                <a16:creationId xmlns:a16="http://schemas.microsoft.com/office/drawing/2014/main" id="{B543C7D3-B7DA-AB3D-070C-E3142B378BD9}"/>
+              </a:ext>
+            </a:extLst>
+          </p:cNvPr>
+          <p:cNvSpPr>
+            <a:spLocks noGrp="1"/>
+          </p:cNvSpPr>
+          <p:nvPr>
+            <p:ph type="title"/>
+          </p:nvPr>
+        </p:nvSpPr>
+        <p:spPr/>
+        <p:txBody>
+          <a:bodyPr/>
+          <a:lstStyle/>
+          <a:p>
+            <a:r>
+              <a:rPr lang="en-US" dirty="0"/>
+              <a:t>BERT input tokenization</a:t>
+            </a:r>
+          </a:p>
+        </p:txBody>
+      </p:sp>
+      <p:sp>
+        <p:nvSpPr>
+          <p:cNvPr id="5" name="Content Placeholder 4">
+            <a:extLst>
+              <a:ext uri="{FF2B5EF4-FFF2-40B4-BE49-F238E27FC236}">
+                <a16:creationId xmlns:a16="http://schemas.microsoft.com/office/drawing/2014/main" id="{902F7C09-5318-5751-37DE-23F0AED15AD5}"/>
+              </a:ext>
+            </a:extLst>
+          </p:cNvPr>
+          <p:cNvSpPr>
+            <a:spLocks noGrp="1"/>
+          </p:cNvSpPr>
+          <p:nvPr>
+            <p:ph idx="1"/>
+          </p:nvPr>
+        </p:nvSpPr>
+        <p:spPr>
+          <a:xfrm>
+            <a:off x="838200" y="1825625"/>
+            <a:ext cx="10515600" cy="3384730"/>
+          </a:xfrm>
+        </p:spPr>
+        <p:txBody>
+          <a:bodyPr>
+            <a:normAutofit lnSpcReduction="10000"/>
+          </a:bodyPr>
+          <a:lstStyle/>
+          <a:p>
+            <a:pPr rtl="0">
+              <a:buFont typeface="Arial" panose="020B0604020202020204" pitchFamily="34" charset="0"/>
+              <a:buChar char="•"/>
+            </a:pPr>
+            <a:r>
+              <a:rPr lang="en-GB" dirty="0"/>
+              <a:t>Tokenization splits text into small pieces called tokens</a:t>
+            </a:r>
+          </a:p>
+          <a:p>
+            <a:pPr rtl="0">
+              <a:buFont typeface="Arial" panose="020B0604020202020204" pitchFamily="34" charset="0"/>
+              <a:buChar char="•"/>
+            </a:pPr>
+            <a:r>
+              <a:rPr lang="en-GB" dirty="0"/>
+              <a:t>Tokens are usually words (e.g., “today") or special markers (e.g., [CLS])</a:t>
+            </a:r>
+          </a:p>
+          <a:p>
+            <a:pPr rtl="0">
+              <a:buFont typeface="Arial" panose="020B0604020202020204" pitchFamily="34" charset="0"/>
+              <a:buChar char="•"/>
+            </a:pPr>
+            <a:r>
+              <a:rPr lang="en-GB" dirty="0"/>
+              <a:t>Purpose: Prepares text for the BERT model to process</a:t>
+            </a:r>
+          </a:p>
+          <a:p>
+            <a:pPr rtl="0">
+              <a:buFont typeface="Arial" panose="020B0604020202020204" pitchFamily="34" charset="0"/>
+              <a:buChar char="•"/>
+            </a:pPr>
+            <a:r>
+              <a:rPr lang="en-GB" dirty="0"/>
+              <a:t>BERT’s tokenizer (a component of the BERT pipeline) </a:t>
+            </a:r>
+          </a:p>
+          <a:p>
+            <a:pPr marL="742950" lvl="1" indent="-285750" rtl="0">
+              <a:buFont typeface="Arial" panose="020B0604020202020204" pitchFamily="34" charset="0"/>
+              <a:buChar char="•"/>
+            </a:pPr>
+            <a:r>
+              <a:rPr lang="en-GB" dirty="0"/>
+              <a:t>Adds [CLS] at the start, [SEP] at the end</a:t>
+            </a:r>
+          </a:p>
+          <a:p>
+            <a:pPr marL="742950" lvl="1" indent="-285750" rtl="0">
+              <a:buFont typeface="Arial" panose="020B0604020202020204" pitchFamily="34" charset="0"/>
+              <a:buChar char="•"/>
+            </a:pPr>
+            <a:r>
+              <a:rPr lang="en-GB" dirty="0"/>
+              <a:t>"playing" → ["play", "##</a:t>
+            </a:r>
+            <a:r>
+              <a:rPr lang="en-GB" dirty="0" err="1"/>
+              <a:t>ing</a:t>
+            </a:r>
+            <a:r>
+              <a:rPr lang="en-GB" dirty="0"/>
+              <a:t>"]</a:t>
+            </a:r>
+          </a:p>
+          <a:p>
+            <a:pPr rtl="0">
+              <a:buFont typeface="Arial" panose="020B0604020202020204" pitchFamily="34" charset="0"/>
+              <a:buChar char="•"/>
+            </a:pPr>
+            <a:r>
+              <a:rPr lang="en-GB" dirty="0"/>
+              <a:t>Another example: "The king rules the kingdom" becomes multiple tokens</a:t>
+            </a:r>
+          </a:p>
+          <a:p>
+            <a:endParaRPr lang="en-US" dirty="0"/>
+          </a:p>
+        </p:txBody>
+      </p:sp>
+      <p:sp>
+        <p:nvSpPr>
+          <p:cNvPr id="9" name="TextBox 8">
+            <a:extLst>
+              <a:ext uri="{FF2B5EF4-FFF2-40B4-BE49-F238E27FC236}">
+                <a16:creationId xmlns:a16="http://schemas.microsoft.com/office/drawing/2014/main" id="{AFE956F5-DD00-0480-B4F6-EB44E78BF8BB}"/>
+              </a:ext>
+            </a:extLst>
+          </p:cNvPr>
+          <p:cNvSpPr txBox="1"/>
+          <p:nvPr/>
+        </p:nvSpPr>
+        <p:spPr>
+          <a:xfrm>
+            <a:off x="1079199" y="5329872"/>
+            <a:ext cx="7981590" cy="1015663"/>
+          </a:xfrm>
+          <a:prstGeom prst="rect">
+            <a:avLst/>
+          </a:prstGeom>
+          <a:solidFill>
+            <a:schemeClr val="accent4">
+              <a:lumMod val="20000"/>
+              <a:lumOff val="80000"/>
+            </a:schemeClr>
+          </a:solidFill>
+        </p:spPr>
+        <p:txBody>
+          <a:bodyPr wrap="square">
+            <a:spAutoFit/>
+          </a:bodyPr>
+          <a:lstStyle/>
+          <a:p>
+            <a:r>
+              <a:rPr lang="en-GB" sz="2000" b="1" dirty="0"/>
+              <a:t>Original text: </a:t>
+            </a:r>
+            <a:r>
+              <a:rPr lang="en-GB" sz="2000" dirty="0"/>
+              <a:t>The king rules the kingdom</a:t>
+            </a:r>
+          </a:p>
+          <a:p>
+            <a:r>
+              <a:rPr lang="en-GB" sz="2000" b="1" dirty="0"/>
+              <a:t>Tokens: </a:t>
+            </a:r>
+            <a:r>
+              <a:rPr lang="en-GB" sz="2000" dirty="0"/>
+              <a:t>['[CLS]', 'the', 'king', 'rules', 'the', 'kingdom', '[SEP]’]</a:t>
+            </a:r>
+          </a:p>
+          <a:p>
+            <a:r>
+              <a:rPr lang="en-US" sz="2000" b="1" dirty="0"/>
+              <a:t>Token IDs:    </a:t>
+            </a:r>
+            <a:r>
+              <a:rPr lang="en-US" sz="2000" dirty="0"/>
+              <a:t>[101, 1996, 2332, 3513, 1996, 2983, 102]</a:t>
+            </a:r>
+          </a:p>
+        </p:txBody>
+      </p:sp>
+    </p:spTree>
+    <p:extLst>
+      <p:ext uri="{BB962C8B-B14F-4D97-AF65-F5344CB8AC3E}">
+        <p14:creationId xmlns:p14="http://schemas.microsoft.com/office/powerpoint/2010/main" val="1414809203"/>
+      </p:ext>
+    </p:extLst>
+  </p:cSld>
+  <p:clrMapOvr>
+    <a:masterClrMapping/>
+  </p:clrMapOvr>
+</p:sld>
+</file>
+
+<file path=ppt/slides/slide15.xml><?xml version="1.0" encoding="utf-8"?>
+<p:sld xmlns:a="http://schemas.openxmlformats.org/drawingml/2006/main" xmlns:r="http://schemas.openxmlformats.org/officeDocument/2006/relationships" xmlns:p="http://schemas.openxmlformats.org/presentationml/2006/main">
+  <p:cSld>
+    <p:spTree>
+      <p:nvGrpSpPr>
+        <p:cNvPr id="1" name=""/>
+        <p:cNvGrpSpPr/>
+        <p:nvPr/>
+      </p:nvGrpSpPr>
+      <p:grpSpPr>
+        <a:xfrm>
+          <a:off x="0" y="0"/>
+          <a:ext cx="0" cy="0"/>
+          <a:chOff x="0" y="0"/>
+          <a:chExt cx="0" cy="0"/>
+        </a:xfrm>
+      </p:grpSpPr>
+      <p:sp>
+        <p:nvSpPr>
+          <p:cNvPr id="2" name="Title 1">
+            <a:extLst>
+              <a:ext uri="{FF2B5EF4-FFF2-40B4-BE49-F238E27FC236}">
+                <a16:creationId xmlns:a16="http://schemas.microsoft.com/office/drawing/2014/main" id="{4F28AD2F-0A36-2EC6-8872-546B234AE22B}"/>
+              </a:ext>
+            </a:extLst>
+          </p:cNvPr>
+          <p:cNvSpPr>
+            <a:spLocks noGrp="1"/>
+          </p:cNvSpPr>
+          <p:nvPr>
+            <p:ph type="title"/>
+          </p:nvPr>
+        </p:nvSpPr>
+        <p:spPr/>
+        <p:txBody>
+          <a:bodyPr/>
+          <a:lstStyle/>
+          <a:p>
+            <a:r>
+              <a:rPr lang="en-US" dirty="0"/>
+              <a:t>BERT input representation</a:t>
+            </a:r>
+          </a:p>
+        </p:txBody>
+      </p:sp>
+      <p:sp>
+        <p:nvSpPr>
+          <p:cNvPr id="10" name="Content Placeholder 9">
+            <a:extLst>
+              <a:ext uri="{FF2B5EF4-FFF2-40B4-BE49-F238E27FC236}">
+                <a16:creationId xmlns:a16="http://schemas.microsoft.com/office/drawing/2014/main" id="{F85C4143-0A45-B05A-8C48-CF552EC96C68}"/>
+              </a:ext>
+            </a:extLst>
+          </p:cNvPr>
+          <p:cNvSpPr>
+            <a:spLocks noGrp="1"/>
+          </p:cNvSpPr>
+          <p:nvPr>
+            <p:ph idx="1"/>
+          </p:nvPr>
+        </p:nvSpPr>
+        <p:spPr>
+          <a:xfrm>
+            <a:off x="838200" y="1825625"/>
+            <a:ext cx="9361602" cy="1576332"/>
+          </a:xfrm>
+        </p:spPr>
+        <p:txBody>
+          <a:bodyPr/>
+          <a:lstStyle/>
+          <a:p>
+            <a:r>
+              <a:rPr lang="en-US" dirty="0"/>
+              <a:t>Token Embedding: Encodes </a:t>
+            </a:r>
+            <a:r>
+              <a:rPr lang="en-US" dirty="0" err="1"/>
+              <a:t>subword</a:t>
+            </a:r>
+            <a:r>
+              <a:rPr lang="en-US" dirty="0"/>
+              <a:t>/token meaning</a:t>
+            </a:r>
+          </a:p>
+          <a:p>
+            <a:r>
+              <a:rPr lang="en-US" dirty="0"/>
+              <a:t>Position Embedding: Encodes token order</a:t>
+            </a:r>
+          </a:p>
+          <a:p>
+            <a:r>
+              <a:rPr lang="en-US" dirty="0"/>
+              <a:t>Segment Embedding: Encodes sentence distinction</a:t>
+            </a:r>
+          </a:p>
+        </p:txBody>
+      </p:sp>
+      <p:pic>
+        <p:nvPicPr>
+          <p:cNvPr id="7" name="Picture 6">
+            <a:extLst>
+              <a:ext uri="{FF2B5EF4-FFF2-40B4-BE49-F238E27FC236}">
+                <a16:creationId xmlns:a16="http://schemas.microsoft.com/office/drawing/2014/main" id="{ECEA5BAE-D6FB-202B-EC29-00406A419657}"/>
+              </a:ext>
+            </a:extLst>
+          </p:cNvPr>
+          <p:cNvPicPr>
+            <a:picLocks noChangeAspect="1"/>
+          </p:cNvPicPr>
+          <p:nvPr/>
+        </p:nvPicPr>
+        <p:blipFill>
+          <a:blip r:embed="rId2"/>
+          <a:stretch>
+            <a:fillRect/>
+          </a:stretch>
+        </p:blipFill>
+        <p:spPr>
+          <a:xfrm>
+            <a:off x="627602" y="3536894"/>
+            <a:ext cx="8822377" cy="2720920"/>
+          </a:xfrm>
+          <a:prstGeom prst="rect">
+            <a:avLst/>
+          </a:prstGeom>
+        </p:spPr>
+      </p:pic>
+      <p:sp>
+        <p:nvSpPr>
+          <p:cNvPr id="9" name="TextBox 8">
+            <a:extLst>
+              <a:ext uri="{FF2B5EF4-FFF2-40B4-BE49-F238E27FC236}">
+                <a16:creationId xmlns:a16="http://schemas.microsoft.com/office/drawing/2014/main" id="{2AC48633-EE4A-DFF3-6B71-A3ADDFD829B8}"/>
+              </a:ext>
+            </a:extLst>
+          </p:cNvPr>
+          <p:cNvSpPr txBox="1"/>
+          <p:nvPr/>
+        </p:nvSpPr>
+        <p:spPr>
+          <a:xfrm>
+            <a:off x="9563100" y="3536894"/>
+            <a:ext cx="2281287" cy="1569660"/>
+          </a:xfrm>
+          <a:prstGeom prst="rect">
+            <a:avLst/>
+          </a:prstGeom>
+          <a:noFill/>
+        </p:spPr>
+        <p:txBody>
+          <a:bodyPr wrap="square">
+            <a:spAutoFit/>
+          </a:bodyPr>
+          <a:lstStyle/>
+          <a:p>
+            <a:r>
+              <a:rPr lang="en-GB" sz="2400" dirty="0"/>
+              <a:t>The input embeddings are the </a:t>
+            </a:r>
+            <a:r>
+              <a:rPr lang="en-GB" sz="2400" b="1" dirty="0">
+                <a:solidFill>
+                  <a:srgbClr val="FF0000"/>
+                </a:solidFill>
+              </a:rPr>
+              <a:t>sum</a:t>
+            </a:r>
+            <a:r>
+              <a:rPr lang="en-GB" sz="2400" dirty="0"/>
+              <a:t> of three embeddings</a:t>
+            </a:r>
+            <a:endParaRPr lang="en-US" sz="2400" dirty="0"/>
+          </a:p>
+        </p:txBody>
+      </p:sp>
+    </p:spTree>
+    <p:extLst>
+      <p:ext uri="{BB962C8B-B14F-4D97-AF65-F5344CB8AC3E}">
+        <p14:creationId xmlns:p14="http://schemas.microsoft.com/office/powerpoint/2010/main" val="541577434"/>
+      </p:ext>
+    </p:extLst>
+  </p:cSld>
+  <p:clrMapOvr>
+    <a:masterClrMapping/>
+  </p:clrMapOvr>
+</p:sld>
+</file>
+
+<file path=ppt/slides/slide16.xml><?xml version="1.0" encoding="utf-8"?>
+<p:sld xmlns:a="http://schemas.openxmlformats.org/drawingml/2006/main" xmlns:r="http://schemas.openxmlformats.org/officeDocument/2006/relationships" xmlns:p="http://schemas.openxmlformats.org/presentationml/2006/main">
+  <p:cSld>
+    <p:spTree>
+      <p:nvGrpSpPr>
+        <p:cNvPr id="1" name=""/>
+        <p:cNvGrpSpPr/>
+        <p:nvPr/>
+      </p:nvGrpSpPr>
+      <p:grpSpPr>
+        <a:xfrm>
+          <a:off x="0" y="0"/>
+          <a:ext cx="0" cy="0"/>
+          <a:chOff x="0" y="0"/>
+          <a:chExt cx="0" cy="0"/>
+        </a:xfrm>
+      </p:grpSpPr>
       <p:sp>
         <p:nvSpPr>
           <p:cNvPr id="4" name="AutoShape 2" descr="BERT model">
@@ -7235,7 +8456,7 @@
 </p:sld>
 </file>
 
-<file path=ppt/slides/slide11.xml><?xml version="1.0" encoding="utf-8"?>
+<file path=ppt/slides/slide17.xml><?xml version="1.0" encoding="utf-8"?>
 <p:sld xmlns:a="http://schemas.openxmlformats.org/drawingml/2006/main" xmlns:r="http://schemas.openxmlformats.org/officeDocument/2006/relationships" xmlns:p="http://schemas.openxmlformats.org/presentationml/2006/main">
   <p:cSld>
     <p:spTree>
@@ -7364,7 +8585,7 @@
 </p:sld>
 </file>
 
-<file path=ppt/slides/slide12.xml><?xml version="1.0" encoding="utf-8"?>
+<file path=ppt/slides/slide18.xml><?xml version="1.0" encoding="utf-8"?>
 <p:sld xmlns:a="http://schemas.openxmlformats.org/drawingml/2006/main" xmlns:r="http://schemas.openxmlformats.org/officeDocument/2006/relationships" xmlns:p="http://schemas.openxmlformats.org/presentationml/2006/main">
   <p:cSld>
     <p:spTree>
@@ -7424,7 +8645,7 @@
 </p:sld>
 </file>
 
-<file path=ppt/slides/slide13.xml><?xml version="1.0" encoding="utf-8"?>
+<file path=ppt/slides/slide19.xml><?xml version="1.0" encoding="utf-8"?>
 <p:sld xmlns:a="http://schemas.openxmlformats.org/drawingml/2006/main" xmlns:r="http://schemas.openxmlformats.org/officeDocument/2006/relationships" xmlns:p="http://schemas.openxmlformats.org/presentationml/2006/main">
   <p:cSld>
     <p:spTree>
@@ -7513,7 +8734,93 @@
 </p:sld>
 </file>
 
-<file path=ppt/slides/slide14.xml><?xml version="1.0" encoding="utf-8"?>
+<file path=ppt/slides/slide2.xml><?xml version="1.0" encoding="utf-8"?>
+<p:sld xmlns:a="http://schemas.openxmlformats.org/drawingml/2006/main" xmlns:r="http://schemas.openxmlformats.org/officeDocument/2006/relationships" xmlns:p="http://schemas.openxmlformats.org/presentationml/2006/main">
+  <p:cSld>
+    <p:spTree>
+      <p:nvGrpSpPr>
+        <p:cNvPr id="1" name=""/>
+        <p:cNvGrpSpPr/>
+        <p:nvPr/>
+      </p:nvGrpSpPr>
+      <p:grpSpPr>
+        <a:xfrm>
+          <a:off x="0" y="0"/>
+          <a:ext cx="0" cy="0"/>
+          <a:chOff x="0" y="0"/>
+          <a:chExt cx="0" cy="0"/>
+        </a:xfrm>
+      </p:grpSpPr>
+      <p:sp>
+        <p:nvSpPr>
+          <p:cNvPr id="4" name="Title 3">
+            <a:extLst>
+              <a:ext uri="{FF2B5EF4-FFF2-40B4-BE49-F238E27FC236}">
+                <a16:creationId xmlns:a16="http://schemas.microsoft.com/office/drawing/2014/main" id="{07F9BCC0-A835-42F5-9EE7-0C03D1FAB0FD}"/>
+              </a:ext>
+            </a:extLst>
+          </p:cNvPr>
+          <p:cNvSpPr>
+            <a:spLocks noGrp="1"/>
+          </p:cNvSpPr>
+          <p:nvPr>
+            <p:ph type="title"/>
+          </p:nvPr>
+        </p:nvSpPr>
+        <p:spPr/>
+        <p:txBody>
+          <a:bodyPr/>
+          <a:lstStyle/>
+          <a:p>
+            <a:r>
+              <a:rPr lang="en-US" dirty="0"/>
+              <a:t>Introduction</a:t>
+            </a:r>
+          </a:p>
+        </p:txBody>
+      </p:sp>
+      <p:sp>
+        <p:nvSpPr>
+          <p:cNvPr id="5" name="Text Placeholder 4">
+            <a:extLst>
+              <a:ext uri="{FF2B5EF4-FFF2-40B4-BE49-F238E27FC236}">
+                <a16:creationId xmlns:a16="http://schemas.microsoft.com/office/drawing/2014/main" id="{6D3FC4ED-41D6-4047-825D-27C77D6D0BB0}"/>
+              </a:ext>
+            </a:extLst>
+          </p:cNvPr>
+          <p:cNvSpPr>
+            <a:spLocks noGrp="1"/>
+          </p:cNvSpPr>
+          <p:nvPr>
+            <p:ph type="body" idx="1"/>
+          </p:nvPr>
+        </p:nvSpPr>
+        <p:spPr/>
+        <p:txBody>
+          <a:bodyPr/>
+          <a:lstStyle/>
+          <a:p>
+            <a:r>
+              <a:rPr lang="en-US" dirty="0"/>
+              <a:t>Human talks Machine</a:t>
+            </a:r>
+          </a:p>
+        </p:txBody>
+      </p:sp>
+    </p:spTree>
+    <p:extLst>
+      <p:ext uri="{BB962C8B-B14F-4D97-AF65-F5344CB8AC3E}">
+        <p14:creationId xmlns:p14="http://schemas.microsoft.com/office/powerpoint/2010/main" val="2773500729"/>
+      </p:ext>
+    </p:extLst>
+  </p:cSld>
+  <p:clrMapOvr>
+    <a:masterClrMapping/>
+  </p:clrMapOvr>
+</p:sld>
+</file>
+
+<file path=ppt/slides/slide20.xml><?xml version="1.0" encoding="utf-8"?>
 <p:sld xmlns:a="http://schemas.openxmlformats.org/drawingml/2006/main" xmlns:r="http://schemas.openxmlformats.org/officeDocument/2006/relationships" xmlns:p="http://schemas.openxmlformats.org/presentationml/2006/main">
   <p:cSld>
     <p:spTree>
@@ -7699,7 +9006,7 @@
 </p:sld>
 </file>
 
-<file path=ppt/slides/slide15.xml><?xml version="1.0" encoding="utf-8"?>
+<file path=ppt/slides/slide21.xml><?xml version="1.0" encoding="utf-8"?>
 <p:sld xmlns:a="http://schemas.openxmlformats.org/drawingml/2006/main" xmlns:r="http://schemas.openxmlformats.org/officeDocument/2006/relationships" xmlns:p="http://schemas.openxmlformats.org/presentationml/2006/main">
   <p:cSld>
     <p:spTree>
@@ -8178,7 +9485,7 @@
 </p:sld>
 </file>
 
-<file path=ppt/slides/slide16.xml><?xml version="1.0" encoding="utf-8"?>
+<file path=ppt/slides/slide22.xml><?xml version="1.0" encoding="utf-8"?>
 <p:sld xmlns:a="http://schemas.openxmlformats.org/drawingml/2006/main" xmlns:r="http://schemas.openxmlformats.org/officeDocument/2006/relationships" xmlns:p="http://schemas.openxmlformats.org/presentationml/2006/main">
   <p:cSld>
     <p:spTree>
@@ -8329,7 +9636,7 @@
 </p:sld>
 </file>
 
-<file path=ppt/slides/slide17.xml><?xml version="1.0" encoding="utf-8"?>
+<file path=ppt/slides/slide23.xml><?xml version="1.0" encoding="utf-8"?>
 <p:sld xmlns:a="http://schemas.openxmlformats.org/drawingml/2006/main" xmlns:r="http://schemas.openxmlformats.org/officeDocument/2006/relationships" xmlns:p="http://schemas.openxmlformats.org/presentationml/2006/main">
   <p:cSld>
     <p:spTree>
@@ -8724,7 +10031,7 @@
 </p:sld>
 </file>
 
-<file path=ppt/slides/slide18.xml><?xml version="1.0" encoding="utf-8"?>
+<file path=ppt/slides/slide24.xml><?xml version="1.0" encoding="utf-8"?>
 <p:sld xmlns:a="http://schemas.openxmlformats.org/drawingml/2006/main" xmlns:r="http://schemas.openxmlformats.org/officeDocument/2006/relationships" xmlns:p="http://schemas.openxmlformats.org/presentationml/2006/main">
   <p:cSld>
     <p:spTree>
@@ -8815,7 +10122,7 @@
 </p:sld>
 </file>
 
-<file path=ppt/slides/slide19.xml><?xml version="1.0" encoding="utf-8"?>
+<file path=ppt/slides/slide25.xml><?xml version="1.0" encoding="utf-8"?>
 <p:sld xmlns:a="http://schemas.openxmlformats.org/drawingml/2006/main" xmlns:r="http://schemas.openxmlformats.org/officeDocument/2006/relationships" xmlns:p="http://schemas.openxmlformats.org/presentationml/2006/main">
   <p:cSld>
     <p:spTree>
@@ -8952,181 +10259,7 @@
 </p:sld>
 </file>
 
-<file path=ppt/slides/slide2.xml><?xml version="1.0" encoding="utf-8"?>
-<p:sld xmlns:a="http://schemas.openxmlformats.org/drawingml/2006/main" xmlns:r="http://schemas.openxmlformats.org/officeDocument/2006/relationships" xmlns:p="http://schemas.openxmlformats.org/presentationml/2006/main">
-  <p:cSld>
-    <p:spTree>
-      <p:nvGrpSpPr>
-        <p:cNvPr id="1" name=""/>
-        <p:cNvGrpSpPr/>
-        <p:nvPr/>
-      </p:nvGrpSpPr>
-      <p:grpSpPr>
-        <a:xfrm>
-          <a:off x="0" y="0"/>
-          <a:ext cx="0" cy="0"/>
-          <a:chOff x="0" y="0"/>
-          <a:chExt cx="0" cy="0"/>
-        </a:xfrm>
-      </p:grpSpPr>
-      <p:sp>
-        <p:nvSpPr>
-          <p:cNvPr id="2" name="Title 1">
-            <a:extLst>
-              <a:ext uri="{FF2B5EF4-FFF2-40B4-BE49-F238E27FC236}">
-                <a16:creationId xmlns:a16="http://schemas.microsoft.com/office/drawing/2014/main" id="{A99959B6-3049-EEC3-077C-145681727D6A}"/>
-              </a:ext>
-            </a:extLst>
-          </p:cNvPr>
-          <p:cNvSpPr>
-            <a:spLocks noGrp="1"/>
-          </p:cNvSpPr>
-          <p:nvPr>
-            <p:ph type="title"/>
-          </p:nvPr>
-        </p:nvSpPr>
-        <p:spPr/>
-        <p:txBody>
-          <a:bodyPr/>
-          <a:lstStyle/>
-          <a:p>
-            <a:r>
-              <a:rPr lang="en-US" dirty="0"/>
-              <a:t>Embeddings</a:t>
-            </a:r>
-          </a:p>
-        </p:txBody>
-      </p:sp>
-      <p:sp>
-        <p:nvSpPr>
-          <p:cNvPr id="3" name="Content Placeholder 2">
-            <a:extLst>
-              <a:ext uri="{FF2B5EF4-FFF2-40B4-BE49-F238E27FC236}">
-                <a16:creationId xmlns:a16="http://schemas.microsoft.com/office/drawing/2014/main" id="{65897534-804A-CA38-90FC-05D5CA29C91A}"/>
-              </a:ext>
-            </a:extLst>
-          </p:cNvPr>
-          <p:cNvSpPr>
-            <a:spLocks noGrp="1"/>
-          </p:cNvSpPr>
-          <p:nvPr>
-            <p:ph idx="1"/>
-          </p:nvPr>
-        </p:nvSpPr>
-        <p:spPr>
-          <a:xfrm>
-            <a:off x="838200" y="1825626"/>
-            <a:ext cx="10389124" cy="1603374"/>
-          </a:xfrm>
-        </p:spPr>
-        <p:txBody>
-          <a:bodyPr>
-            <a:normAutofit fontScale="92500" lnSpcReduction="20000"/>
-          </a:bodyPr>
-          <a:lstStyle/>
-          <a:p>
-            <a:pPr rtl="0">
-              <a:buFont typeface="Arial" panose="020B0604020202020204" pitchFamily="34" charset="0"/>
-              <a:buChar char="•"/>
-            </a:pPr>
-            <a:r>
-              <a:rPr lang="en-GB" dirty="0"/>
-              <a:t>Word embeddings turn words into numbers (</a:t>
-            </a:r>
-            <a:r>
-              <a:rPr lang="en-US" b="0" i="0" dirty="0">
-                <a:solidFill>
-                  <a:srgbClr val="1A194D"/>
-                </a:solidFill>
-                <a:effectLst/>
-                <a:latin typeface="Jakarta Sans Plus"/>
-              </a:rPr>
-              <a:t>features) </a:t>
-            </a:r>
-            <a:r>
-              <a:rPr lang="en-GB" dirty="0"/>
-              <a:t>that computers understand</a:t>
-            </a:r>
-          </a:p>
-          <a:p>
-            <a:r>
-              <a:rPr lang="en-GB" dirty="0"/>
-              <a:t>Words with similar meanings are positioned closer together</a:t>
-            </a:r>
-          </a:p>
-          <a:p>
-            <a:pPr rtl="0">
-              <a:buFont typeface="Arial" panose="020B0604020202020204" pitchFamily="34" charset="0"/>
-              <a:buChar char="•"/>
-            </a:pPr>
-            <a:r>
-              <a:rPr lang="en-GB" dirty="0"/>
-              <a:t>Why it matters: Embeddings power search engines, chatbots, and more</a:t>
-            </a:r>
-          </a:p>
-        </p:txBody>
-      </p:sp>
-      <p:pic>
-        <p:nvPicPr>
-          <p:cNvPr id="1028" name="Picture 4" descr="Word Embeddings">
-            <a:extLst>
-              <a:ext uri="{FF2B5EF4-FFF2-40B4-BE49-F238E27FC236}">
-                <a16:creationId xmlns:a16="http://schemas.microsoft.com/office/drawing/2014/main" id="{513995FD-D3EC-2544-7B13-68340076D236}"/>
-              </a:ext>
-            </a:extLst>
-          </p:cNvPr>
-          <p:cNvPicPr>
-            <a:picLocks noChangeAspect="1" noChangeArrowheads="1"/>
-          </p:cNvPicPr>
-          <p:nvPr/>
-        </p:nvPicPr>
-        <p:blipFill>
-          <a:blip r:embed="rId3">
-            <a:extLst>
-              <a:ext uri="{28A0092B-C50C-407E-A947-70E740481C1C}">
-                <a14:useLocalDpi xmlns:a14="http://schemas.microsoft.com/office/drawing/2010/main" val="0"/>
-              </a:ext>
-            </a:extLst>
-          </a:blip>
-          <a:srcRect/>
-          <a:stretch>
-            <a:fillRect/>
-          </a:stretch>
-        </p:blipFill>
-        <p:spPr bwMode="auto">
-          <a:xfrm>
-            <a:off x="1046179" y="3265894"/>
-            <a:ext cx="9191330" cy="3592106"/>
-          </a:xfrm>
-          <a:prstGeom prst="rect">
-            <a:avLst/>
-          </a:prstGeom>
-          <a:noFill/>
-          <a:extLst>
-            <a:ext uri="{909E8E84-426E-40DD-AFC4-6F175D3DCCD1}">
-              <a14:hiddenFill xmlns:a14="http://schemas.microsoft.com/office/drawing/2010/main">
-                <a:solidFill>
-                  <a:srgbClr val="FFFFFF"/>
-                </a:solidFill>
-              </a14:hiddenFill>
-            </a:ext>
-          </a:extLst>
-        </p:spPr>
-      </p:pic>
-    </p:spTree>
-    <p:extLst>
-      <p:ext uri="{BB962C8B-B14F-4D97-AF65-F5344CB8AC3E}">
-        <p14:creationId xmlns:p14="http://schemas.microsoft.com/office/powerpoint/2010/main" val="2080425308"/>
-      </p:ext>
-    </p:extLst>
-  </p:cSld>
-  <p:clrMapOvr>
-    <a:masterClrMapping/>
-  </p:clrMapOvr>
-</p:sld>
-</file>
-
-<file path=ppt/slides/slide20.xml><?xml version="1.0" encoding="utf-8"?>
+<file path=ppt/slides/slide26.xml><?xml version="1.0" encoding="utf-8"?>
 <p:sld xmlns:a="http://schemas.openxmlformats.org/drawingml/2006/main" xmlns:r="http://schemas.openxmlformats.org/officeDocument/2006/relationships" xmlns:p="http://schemas.openxmlformats.org/presentationml/2006/main">
   <p:cSld>
     <p:spTree>
@@ -9222,7 +10355,7 @@
 </p:sld>
 </file>
 
-<file path=ppt/slides/slide21.xml><?xml version="1.0" encoding="utf-8"?>
+<file path=ppt/slides/slide27.xml><?xml version="1.0" encoding="utf-8"?>
 <p:sld xmlns:a="http://schemas.openxmlformats.org/drawingml/2006/main" xmlns:r="http://schemas.openxmlformats.org/officeDocument/2006/relationships" xmlns:p="http://schemas.openxmlformats.org/presentationml/2006/main">
   <p:cSld>
     <p:spTree>
@@ -9588,7 +10721,7 @@
 </p:sld>
 </file>
 
-<file path=ppt/slides/slide22.xml><?xml version="1.0" encoding="utf-8"?>
+<file path=ppt/slides/slide28.xml><?xml version="1.0" encoding="utf-8"?>
 <p:sld xmlns:a="http://schemas.openxmlformats.org/drawingml/2006/main" xmlns:r="http://schemas.openxmlformats.org/officeDocument/2006/relationships" xmlns:p="http://schemas.openxmlformats.org/presentationml/2006/main">
   <p:cSld>
     <p:spTree>
@@ -10168,7 +11301,7 @@
 </p:sld>
 </file>
 
-<file path=ppt/slides/slide23.xml><?xml version="1.0" encoding="utf-8"?>
+<file path=ppt/slides/slide29.xml><?xml version="1.0" encoding="utf-8"?>
 <p:sld xmlns:a="http://schemas.openxmlformats.org/drawingml/2006/main" xmlns:r="http://schemas.openxmlformats.org/officeDocument/2006/relationships" xmlns:p="http://schemas.openxmlformats.org/presentationml/2006/main">
   <p:cSld>
     <p:spTree>
@@ -10341,7 +11474,152 @@
 </p:sld>
 </file>
 
-<file path=ppt/slides/slide24.xml><?xml version="1.0" encoding="utf-8"?>
+<file path=ppt/slides/slide3.xml><?xml version="1.0" encoding="utf-8"?>
+<p:sld xmlns:a="http://schemas.openxmlformats.org/drawingml/2006/main" xmlns:r="http://schemas.openxmlformats.org/officeDocument/2006/relationships" xmlns:p="http://schemas.openxmlformats.org/presentationml/2006/main">
+  <p:cSld>
+    <p:spTree>
+      <p:nvGrpSpPr>
+        <p:cNvPr id="1" name=""/>
+        <p:cNvGrpSpPr/>
+        <p:nvPr/>
+      </p:nvGrpSpPr>
+      <p:grpSpPr>
+        <a:xfrm>
+          <a:off x="0" y="0"/>
+          <a:ext cx="0" cy="0"/>
+          <a:chOff x="0" y="0"/>
+          <a:chExt cx="0" cy="0"/>
+        </a:xfrm>
+      </p:grpSpPr>
+      <p:sp>
+        <p:nvSpPr>
+          <p:cNvPr id="2" name="Title 1">
+            <a:extLst>
+              <a:ext uri="{FF2B5EF4-FFF2-40B4-BE49-F238E27FC236}">
+                <a16:creationId xmlns:a16="http://schemas.microsoft.com/office/drawing/2014/main" id="{64018A93-6C47-2E43-680A-E85FB4B8092A}"/>
+              </a:ext>
+            </a:extLst>
+          </p:cNvPr>
+          <p:cNvSpPr>
+            <a:spLocks noGrp="1"/>
+          </p:cNvSpPr>
+          <p:nvPr>
+            <p:ph type="title"/>
+          </p:nvPr>
+        </p:nvSpPr>
+        <p:spPr>
+          <a:xfrm>
+            <a:off x="838200" y="365125"/>
+            <a:ext cx="10515600" cy="1325563"/>
+          </a:xfrm>
+        </p:spPr>
+        <p:txBody>
+          <a:bodyPr anchor="ctr">
+            <a:normAutofit/>
+          </a:bodyPr>
+          <a:lstStyle/>
+          <a:p>
+            <a:r>
+              <a:rPr lang="en-US" dirty="0"/>
+              <a:t>Motivation: Human talks Machine</a:t>
+            </a:r>
+          </a:p>
+        </p:txBody>
+      </p:sp>
+      <p:sp>
+        <p:nvSpPr>
+          <p:cNvPr id="3" name="Content Placeholder 2">
+            <a:extLst>
+              <a:ext uri="{FF2B5EF4-FFF2-40B4-BE49-F238E27FC236}">
+                <a16:creationId xmlns:a16="http://schemas.microsoft.com/office/drawing/2014/main" id="{383B36A6-6ED9-C8BE-5BC5-2BC7B21E5524}"/>
+              </a:ext>
+            </a:extLst>
+          </p:cNvPr>
+          <p:cNvSpPr>
+            <a:spLocks noGrp="1"/>
+          </p:cNvSpPr>
+          <p:nvPr>
+            <p:ph sz="half" idx="1"/>
+          </p:nvPr>
+        </p:nvSpPr>
+        <p:spPr>
+          <a:xfrm>
+            <a:off x="838200" y="1825625"/>
+            <a:ext cx="5181600" cy="4351338"/>
+          </a:xfrm>
+        </p:spPr>
+        <p:txBody>
+          <a:bodyPr>
+            <a:normAutofit/>
+          </a:bodyPr>
+          <a:lstStyle/>
+          <a:p>
+            <a:r>
+              <a:rPr lang="en-GB" dirty="0"/>
+              <a:t>The ultimate goal is to bridge human language and machine understanding, enabling NLP systems to process, </a:t>
+            </a:r>
+            <a:r>
+              <a:rPr lang="en-GB" dirty="0" err="1"/>
+              <a:t>analyze</a:t>
+            </a:r>
+            <a:r>
+              <a:rPr lang="en-GB" dirty="0"/>
+              <a:t>, and generate language effectively. </a:t>
+            </a:r>
+          </a:p>
+          <a:p>
+            <a:r>
+              <a:rPr lang="en-GB" dirty="0"/>
+              <a:t>Numbers provide a universal format for algorithms to learn patterns and relationships in text.</a:t>
+            </a:r>
+            <a:endParaRPr lang="en-US" dirty="0"/>
+          </a:p>
+        </p:txBody>
+      </p:sp>
+      <p:pic>
+        <p:nvPicPr>
+          <p:cNvPr id="4" name="Picture 3">
+            <a:extLst>
+              <a:ext uri="{FF2B5EF4-FFF2-40B4-BE49-F238E27FC236}">
+                <a16:creationId xmlns:a16="http://schemas.microsoft.com/office/drawing/2014/main" id="{228364C2-F1F0-F6D0-43EA-D9EA37A936C6}"/>
+              </a:ext>
+            </a:extLst>
+          </p:cNvPr>
+          <p:cNvPicPr>
+            <a:picLocks noChangeAspect="1"/>
+          </p:cNvPicPr>
+          <p:nvPr/>
+        </p:nvPicPr>
+        <p:blipFill>
+          <a:blip r:embed="rId2"/>
+          <a:srcRect l="7254" t="18615" r="7618" b="7218"/>
+          <a:stretch/>
+        </p:blipFill>
+        <p:spPr>
+          <a:xfrm>
+            <a:off x="6364941" y="1891552"/>
+            <a:ext cx="4988859" cy="3227295"/>
+          </a:xfrm>
+          <a:prstGeom prst="rect">
+            <a:avLst/>
+          </a:prstGeom>
+          <a:noFill/>
+        </p:spPr>
+      </p:pic>
+    </p:spTree>
+    <p:extLst>
+      <p:ext uri="{BB962C8B-B14F-4D97-AF65-F5344CB8AC3E}">
+        <p14:creationId xmlns:p14="http://schemas.microsoft.com/office/powerpoint/2010/main" val="1966635961"/>
+      </p:ext>
+    </p:extLst>
+  </p:cSld>
+  <p:clrMapOvr>
+    <a:masterClrMapping/>
+  </p:clrMapOvr>
+</p:sld>
+</file>
+
+<file path=ppt/slides/slide30.xml><?xml version="1.0" encoding="utf-8"?>
 <p:sld xmlns:a="http://schemas.openxmlformats.org/drawingml/2006/main" xmlns:r="http://schemas.openxmlformats.org/officeDocument/2006/relationships" xmlns:p="http://schemas.openxmlformats.org/presentationml/2006/main">
   <p:cSld>
     <p:spTree>
@@ -10611,7 +11889,7 @@
 </p:sld>
 </file>
 
-<file path=ppt/slides/slide25.xml><?xml version="1.0" encoding="utf-8"?>
+<file path=ppt/slides/slide31.xml><?xml version="1.0" encoding="utf-8"?>
 <p:sld xmlns:a="http://schemas.openxmlformats.org/drawingml/2006/main" xmlns:r="http://schemas.openxmlformats.org/officeDocument/2006/relationships" xmlns:p="http://schemas.openxmlformats.org/presentationml/2006/main">
   <p:cSld>
     <p:spTree>
@@ -10803,7 +12081,7 @@
 </p:sld>
 </file>
 
-<file path=ppt/slides/slide26.xml><?xml version="1.0" encoding="utf-8"?>
+<file path=ppt/slides/slide32.xml><?xml version="1.0" encoding="utf-8"?>
 <p:sld xmlns:a="http://schemas.openxmlformats.org/drawingml/2006/main" xmlns:r="http://schemas.openxmlformats.org/officeDocument/2006/relationships" xmlns:p="http://schemas.openxmlformats.org/presentationml/2006/main">
   <p:cSld>
     <p:spTree>
@@ -11055,7 +12333,7 @@
 </p:sld>
 </file>
 
-<file path=ppt/slides/slide27.xml><?xml version="1.0" encoding="utf-8"?>
+<file path=ppt/slides/slide33.xml><?xml version="1.0" encoding="utf-8"?>
 <p:sld xmlns:a="http://schemas.openxmlformats.org/drawingml/2006/main" xmlns:r="http://schemas.openxmlformats.org/officeDocument/2006/relationships" xmlns:p="http://schemas.openxmlformats.org/presentationml/2006/main">
   <p:cSld>
     <p:spTree>
@@ -11227,7 +12505,7 @@
 </p:sld>
 </file>
 
-<file path=ppt/slides/slide28.xml><?xml version="1.0" encoding="utf-8"?>
+<file path=ppt/slides/slide34.xml><?xml version="1.0" encoding="utf-8"?>
 <p:sld xmlns:a="http://schemas.openxmlformats.org/drawingml/2006/main" xmlns:r="http://schemas.openxmlformats.org/officeDocument/2006/relationships" xmlns:p="http://schemas.openxmlformats.org/presentationml/2006/main">
   <p:cSld>
     <p:spTree>
@@ -11287,7 +12565,7 @@
 </p:sld>
 </file>
 
-<file path=ppt/slides/slide29.xml><?xml version="1.0" encoding="utf-8"?>
+<file path=ppt/slides/slide35.xml><?xml version="1.0" encoding="utf-8"?>
 <p:sld xmlns:a="http://schemas.openxmlformats.org/drawingml/2006/main" xmlns:r="http://schemas.openxmlformats.org/officeDocument/2006/relationships" xmlns:p="http://schemas.openxmlformats.org/presentationml/2006/main">
   <p:cSld>
     <p:spTree>
@@ -11401,132 +12679,6 @@
     <p:extLst>
       <p:ext uri="{BB962C8B-B14F-4D97-AF65-F5344CB8AC3E}">
         <p14:creationId xmlns:p14="http://schemas.microsoft.com/office/powerpoint/2010/main" val="2713869841"/>
-      </p:ext>
-    </p:extLst>
-  </p:cSld>
-  <p:clrMapOvr>
-    <a:masterClrMapping/>
-  </p:clrMapOvr>
-</p:sld>
-</file>
-
-<file path=ppt/slides/slide3.xml><?xml version="1.0" encoding="utf-8"?>
-<p:sld xmlns:a="http://schemas.openxmlformats.org/drawingml/2006/main" xmlns:r="http://schemas.openxmlformats.org/officeDocument/2006/relationships" xmlns:p="http://schemas.openxmlformats.org/presentationml/2006/main">
-  <p:cSld>
-    <p:spTree>
-      <p:nvGrpSpPr>
-        <p:cNvPr id="1" name=""/>
-        <p:cNvGrpSpPr/>
-        <p:nvPr/>
-      </p:nvGrpSpPr>
-      <p:grpSpPr>
-        <a:xfrm>
-          <a:off x="0" y="0"/>
-          <a:ext cx="0" cy="0"/>
-          <a:chOff x="0" y="0"/>
-          <a:chExt cx="0" cy="0"/>
-        </a:xfrm>
-      </p:grpSpPr>
-      <p:sp>
-        <p:nvSpPr>
-          <p:cNvPr id="2" name="Title 1">
-            <a:extLst>
-              <a:ext uri="{FF2B5EF4-FFF2-40B4-BE49-F238E27FC236}">
-                <a16:creationId xmlns:a16="http://schemas.microsoft.com/office/drawing/2014/main" id="{5C07E1F4-EA15-C073-F62B-C813B1343B57}"/>
-              </a:ext>
-            </a:extLst>
-          </p:cNvPr>
-          <p:cNvSpPr>
-            <a:spLocks noGrp="1"/>
-          </p:cNvSpPr>
-          <p:nvPr>
-            <p:ph type="title"/>
-          </p:nvPr>
-        </p:nvSpPr>
-        <p:spPr/>
-        <p:txBody>
-          <a:bodyPr/>
-          <a:lstStyle/>
-          <a:p>
-            <a:r>
-              <a:rPr lang="en-US" dirty="0"/>
-              <a:t>BERT Model for Computing Embeddings </a:t>
-            </a:r>
-          </a:p>
-        </p:txBody>
-      </p:sp>
-      <p:sp>
-        <p:nvSpPr>
-          <p:cNvPr id="3" name="Content Placeholder 2">
-            <a:extLst>
-              <a:ext uri="{FF2B5EF4-FFF2-40B4-BE49-F238E27FC236}">
-                <a16:creationId xmlns:a16="http://schemas.microsoft.com/office/drawing/2014/main" id="{E3F59EA4-7635-EEF3-A129-EAB57D350B93}"/>
-              </a:ext>
-            </a:extLst>
-          </p:cNvPr>
-          <p:cNvSpPr>
-            <a:spLocks noGrp="1"/>
-          </p:cNvSpPr>
-          <p:nvPr>
-            <p:ph idx="1"/>
-          </p:nvPr>
-        </p:nvSpPr>
-        <p:spPr>
-          <a:xfrm>
-            <a:off x="838200" y="1825625"/>
-            <a:ext cx="10378966" cy="4351338"/>
-          </a:xfrm>
-        </p:spPr>
-        <p:txBody>
-          <a:bodyPr/>
-          <a:lstStyle/>
-          <a:p>
-            <a:r>
-              <a:rPr lang="en-GB" dirty="0"/>
-              <a:t>BERT (Bidirectional Encoder Representations from Transformers)</a:t>
-            </a:r>
-          </a:p>
-          <a:p>
-            <a:pPr lvl="1"/>
-            <a:r>
-              <a:rPr lang="en-GB" dirty="0"/>
-              <a:t>is a pre-trained language model developed by Google in 2018 </a:t>
-            </a:r>
-          </a:p>
-          <a:p>
-            <a:pPr lvl="1"/>
-            <a:r>
-              <a:rPr lang="en-GB" dirty="0"/>
-              <a:t>revolutionized natural language processing (NLP). </a:t>
-            </a:r>
-          </a:p>
-          <a:p>
-            <a:r>
-              <a:rPr lang="en-GB" dirty="0"/>
-              <a:t>It's designed to understand the context of a word in both directions (left and right)</a:t>
-            </a:r>
-          </a:p>
-          <a:p>
-            <a:pPr lvl="1"/>
-            <a:r>
-              <a:rPr lang="en-GB" dirty="0"/>
-              <a:t>the context of a word = word embedding</a:t>
-            </a:r>
-          </a:p>
-          <a:p>
-            <a:pPr lvl="1"/>
-            <a:r>
-              <a:rPr lang="en-GB" dirty="0"/>
-              <a:t>makes it very powerful for understanding the meaning of text.</a:t>
-            </a:r>
-            <a:endParaRPr lang="en-US" dirty="0"/>
-          </a:p>
-        </p:txBody>
-      </p:sp>
-    </p:spTree>
-    <p:extLst>
-      <p:ext uri="{BB962C8B-B14F-4D97-AF65-F5344CB8AC3E}">
-        <p14:creationId xmlns:p14="http://schemas.microsoft.com/office/powerpoint/2010/main" val="108116971"/>
       </p:ext>
     </p:extLst>
   </p:cSld>
@@ -11553,48 +12705,79 @@
           <a:chExt cx="0" cy="0"/>
         </a:xfrm>
       </p:grpSpPr>
-      <p:pic>
-        <p:nvPicPr>
-          <p:cNvPr id="4" name="Picture 6" descr="Bidirectional">
+      <p:sp>
+        <p:nvSpPr>
+          <p:cNvPr id="5" name="Title 4">
             <a:extLst>
               <a:ext uri="{FF2B5EF4-FFF2-40B4-BE49-F238E27FC236}">
-                <a16:creationId xmlns:a16="http://schemas.microsoft.com/office/drawing/2014/main" id="{491EC4F0-D0C3-AEA7-846D-ED2D1BFA2A32}"/>
+                <a16:creationId xmlns:a16="http://schemas.microsoft.com/office/drawing/2014/main" id="{72BB2427-2018-63C7-6FC6-B7ECCBC280D0}"/>
               </a:ext>
             </a:extLst>
           </p:cNvPr>
-          <p:cNvPicPr>
-            <a:picLocks noChangeAspect="1" noChangeArrowheads="1"/>
-          </p:cNvPicPr>
-          <p:nvPr/>
-        </p:nvPicPr>
-        <p:blipFill>
-          <a:blip r:embed="rId2">
+          <p:cNvSpPr>
+            <a:spLocks noGrp="1"/>
+          </p:cNvSpPr>
+          <p:nvPr>
+            <p:ph type="title"/>
+          </p:nvPr>
+        </p:nvSpPr>
+        <p:spPr/>
+        <p:txBody>
+          <a:bodyPr/>
+          <a:lstStyle/>
+          <a:p>
+            <a:r>
+              <a:rPr lang="en-GB" dirty="0"/>
+              <a:t>Brief History of One-Hot Encoding to Word Embeddings</a:t>
+            </a:r>
+            <a:endParaRPr lang="en-US" dirty="0"/>
+          </a:p>
+        </p:txBody>
+      </p:sp>
+      <p:sp>
+        <p:nvSpPr>
+          <p:cNvPr id="6" name="Content Placeholder 5">
             <a:extLst>
-              <a:ext uri="{28A0092B-C50C-407E-A947-70E740481C1C}">
-                <a14:useLocalDpi xmlns:a14="http://schemas.microsoft.com/office/drawing/2010/main" val="0"/>
+              <a:ext uri="{FF2B5EF4-FFF2-40B4-BE49-F238E27FC236}">
+                <a16:creationId xmlns:a16="http://schemas.microsoft.com/office/drawing/2014/main" id="{46E8BE6B-1AF7-0EB8-BE82-20AA75DD9CB7}"/>
               </a:ext>
             </a:extLst>
-          </a:blip>
-          <a:srcRect/>
-          <a:stretch/>
-        </p:blipFill>
-        <p:spPr bwMode="auto">
-          <a:xfrm>
-            <a:off x="20" y="10"/>
-            <a:ext cx="12191980" cy="6857990"/>
-          </a:xfrm>
-          <a:prstGeom prst="rect">
-            <a:avLst/>
-          </a:prstGeom>
-          <a:solidFill>
-            <a:srgbClr val="FFFFFF"/>
-          </a:solidFill>
-        </p:spPr>
-      </p:pic>
+          </p:cNvPr>
+          <p:cNvSpPr>
+            <a:spLocks noGrp="1"/>
+          </p:cNvSpPr>
+          <p:nvPr>
+            <p:ph idx="1"/>
+          </p:nvPr>
+        </p:nvSpPr>
+        <p:spPr/>
+        <p:txBody>
+          <a:bodyPr/>
+          <a:lstStyle/>
+          <a:p>
+            <a:r>
+              <a:rPr lang="en-US" dirty="0"/>
+              <a:t>One-Hot Encoding (Pre-2000s)</a:t>
+            </a:r>
+          </a:p>
+          <a:p>
+            <a:r>
+              <a:rPr lang="en-GB" dirty="0"/>
+              <a:t>Transition to Dense Representations (Early 2000s)</a:t>
+            </a:r>
+          </a:p>
+          <a:p>
+            <a:r>
+              <a:rPr lang="en-US" dirty="0"/>
+              <a:t>Word Embeddings (2010s)</a:t>
+            </a:r>
+          </a:p>
+        </p:txBody>
+      </p:sp>
     </p:spTree>
     <p:extLst>
       <p:ext uri="{BB962C8B-B14F-4D97-AF65-F5344CB8AC3E}">
-        <p14:creationId xmlns:p14="http://schemas.microsoft.com/office/powerpoint/2010/main" val="1533910329"/>
+        <p14:creationId xmlns:p14="http://schemas.microsoft.com/office/powerpoint/2010/main" val="2930276819"/>
       </p:ext>
     </p:extLst>
   </p:cSld>
@@ -11621,127 +12804,119 @@
           <a:chExt cx="0" cy="0"/>
         </a:xfrm>
       </p:grpSpPr>
-      <p:pic>
-        <p:nvPicPr>
-          <p:cNvPr id="1026" name="Picture 2" descr="bert">
+      <p:sp>
+        <p:nvSpPr>
+          <p:cNvPr id="2" name="Title 1">
             <a:extLst>
               <a:ext uri="{FF2B5EF4-FFF2-40B4-BE49-F238E27FC236}">
-                <a16:creationId xmlns:a16="http://schemas.microsoft.com/office/drawing/2014/main" id="{F5F2E22A-BED2-8403-26E5-26072C3CDC4C}"/>
+                <a16:creationId xmlns:a16="http://schemas.microsoft.com/office/drawing/2014/main" id="{66A7973B-54B9-0637-4156-6AB0A2E2D3C7}"/>
               </a:ext>
             </a:extLst>
           </p:cNvPr>
-          <p:cNvPicPr>
-            <a:picLocks noChangeAspect="1" noChangeArrowheads="1"/>
-          </p:cNvPicPr>
-          <p:nvPr/>
-        </p:nvPicPr>
-        <p:blipFill>
-          <a:blip r:embed="rId2">
-            <a:extLst>
-              <a:ext uri="{28A0092B-C50C-407E-A947-70E740481C1C}">
-                <a14:useLocalDpi xmlns:a14="http://schemas.microsoft.com/office/drawing/2010/main" val="0"/>
-              </a:ext>
-            </a:extLst>
-          </a:blip>
-          <a:srcRect/>
-          <a:stretch>
-            <a:fillRect/>
-          </a:stretch>
-        </p:blipFill>
-        <p:spPr bwMode="auto">
-          <a:xfrm>
-            <a:off x="3000256" y="116619"/>
-            <a:ext cx="8153700" cy="6433604"/>
-          </a:xfrm>
-          <a:prstGeom prst="rect">
-            <a:avLst/>
-          </a:prstGeom>
-          <a:noFill/>
-          <a:extLst>
-            <a:ext uri="{909E8E84-426E-40DD-AFC4-6F175D3DCCD1}">
-              <a14:hiddenFill xmlns:a14="http://schemas.microsoft.com/office/drawing/2010/main">
+          <p:cNvSpPr>
+            <a:spLocks noGrp="1"/>
+          </p:cNvSpPr>
+          <p:nvPr>
+            <p:ph type="title"/>
+          </p:nvPr>
+        </p:nvSpPr>
+        <p:spPr/>
+        <p:txBody>
+          <a:bodyPr/>
+          <a:lstStyle/>
+          <a:p>
+            <a:r>
+              <a:rPr lang="en-US" dirty="0"/>
+              <a:t>One-Hot Encoding (</a:t>
+            </a:r>
+            <a:r>
+              <a:rPr lang="en-GB" dirty="0">
                 <a:solidFill>
-                  <a:srgbClr val="FFFFFF"/>
+                  <a:srgbClr val="FF0000"/>
                 </a:solidFill>
-              </a14:hiddenFill>
-            </a:ext>
-          </a:extLst>
-        </p:spPr>
-      </p:pic>
-      <p:sp>
-        <p:nvSpPr>
-          <p:cNvPr id="5" name="TextBox 4">
+              </a:rPr>
+              <a:t>sparse </a:t>
+            </a:r>
+            <a:r>
+              <a:rPr lang="en-GB" dirty="0"/>
+              <a:t>vector</a:t>
+            </a:r>
+            <a:r>
+              <a:rPr lang="en-US" dirty="0"/>
+              <a:t>)</a:t>
+            </a:r>
+          </a:p>
+        </p:txBody>
+      </p:sp>
+      <p:sp>
+        <p:nvSpPr>
+          <p:cNvPr id="3" name="Content Placeholder 2">
             <a:extLst>
               <a:ext uri="{FF2B5EF4-FFF2-40B4-BE49-F238E27FC236}">
-                <a16:creationId xmlns:a16="http://schemas.microsoft.com/office/drawing/2014/main" id="{79381B55-A4C9-6593-AA3C-BF46F3B728EF}"/>
+                <a16:creationId xmlns:a16="http://schemas.microsoft.com/office/drawing/2014/main" id="{B21D9C73-9C5E-5B70-841D-19B5034BAD86}"/>
               </a:ext>
             </a:extLst>
           </p:cNvPr>
-          <p:cNvSpPr txBox="1"/>
-          <p:nvPr/>
-        </p:nvSpPr>
-        <p:spPr>
-          <a:xfrm>
-            <a:off x="3708671" y="6550223"/>
-            <a:ext cx="6460825" cy="307777"/>
-          </a:xfrm>
-          <a:prstGeom prst="rect">
-            <a:avLst/>
-          </a:prstGeom>
-          <a:noFill/>
-        </p:spPr>
-        <p:txBody>
-          <a:bodyPr wrap="square">
-            <a:spAutoFit/>
+          <p:cNvSpPr>
+            <a:spLocks noGrp="1"/>
+          </p:cNvSpPr>
+          <p:nvPr>
+            <p:ph idx="1"/>
+          </p:nvPr>
+        </p:nvSpPr>
+        <p:spPr/>
+        <p:txBody>
+          <a:bodyPr>
+            <a:normAutofit fontScale="92500" lnSpcReduction="10000"/>
           </a:bodyPr>
           <a:lstStyle/>
           <a:p>
             <a:r>
-              <a:rPr lang="en-US" sz="1400" dirty="0"/>
-              <a:t>https://www.analyticsvidhya.com/blog/2021/05/all-you-need-to-know-about-bert/</a:t>
-            </a:r>
-          </a:p>
-        </p:txBody>
-      </p:sp>
-      <p:sp>
-        <p:nvSpPr>
-          <p:cNvPr id="6" name="TextBox 5">
-            <a:extLst>
-              <a:ext uri="{FF2B5EF4-FFF2-40B4-BE49-F238E27FC236}">
-                <a16:creationId xmlns:a16="http://schemas.microsoft.com/office/drawing/2014/main" id="{DC8BD3C1-0620-61C4-4238-6C2B3533B391}"/>
-              </a:ext>
-            </a:extLst>
-          </p:cNvPr>
-          <p:cNvSpPr txBox="1"/>
-          <p:nvPr/>
-        </p:nvSpPr>
-        <p:spPr>
-          <a:xfrm>
-            <a:off x="457200" y="2109019"/>
-            <a:ext cx="1978683" cy="369332"/>
-          </a:xfrm>
-          <a:prstGeom prst="rect">
-            <a:avLst/>
-          </a:prstGeom>
-          <a:noFill/>
-        </p:spPr>
-        <p:txBody>
-          <a:bodyPr wrap="none" rtlCol="0">
-            <a:spAutoFit/>
-          </a:bodyPr>
-          <a:lstStyle/>
-          <a:p>
-            <a:r>
-              <a:rPr lang="en-US" dirty="0"/>
-              <a:t>After Training BERT</a:t>
-            </a:r>
+              <a:rPr lang="en-GB" b="1" dirty="0"/>
+              <a:t>What</a:t>
+            </a:r>
+            <a:r>
+              <a:rPr lang="en-GB" dirty="0"/>
+              <a:t>: One-hot encoding represented words as sparse binary vectors, with a unique index for each word in the vocabulary (e.g., [1, 0, 0, ..., 0] for "cat").</a:t>
+            </a:r>
+          </a:p>
+          <a:p>
+            <a:r>
+              <a:rPr lang="en-GB" b="1" dirty="0"/>
+              <a:t>Use</a:t>
+            </a:r>
+            <a:r>
+              <a:rPr lang="en-GB" dirty="0"/>
+              <a:t>: Common in early NLP for tasks like text classification and information retrieval.</a:t>
+            </a:r>
+          </a:p>
+          <a:p>
+            <a:r>
+              <a:rPr lang="en-GB" b="1" dirty="0"/>
+              <a:t>Limitations</a:t>
+            </a:r>
+            <a:r>
+              <a:rPr lang="en-GB" dirty="0"/>
+              <a:t>: High-dimensional vectors (one dimension per word) were computationally expensive, lacked semantic information, and treated words as unrelated (e.g., "cat" and "dog" had no similarity).</a:t>
+            </a:r>
+          </a:p>
+          <a:p>
+            <a:r>
+              <a:rPr lang="en-GB" b="1" dirty="0"/>
+              <a:t>Motivation for Change: </a:t>
+            </a:r>
+            <a:r>
+              <a:rPr lang="en-GB" dirty="0"/>
+              <a:t>The need for scalable, meaningful representations drove research beyond sparse encodings, as one-hot vectors failed to capture word relationships or generalize across similar terms.</a:t>
+            </a:r>
+            <a:endParaRPr lang="en-US" dirty="0"/>
           </a:p>
         </p:txBody>
       </p:sp>
     </p:spTree>
     <p:extLst>
       <p:ext uri="{BB962C8B-B14F-4D97-AF65-F5344CB8AC3E}">
-        <p14:creationId xmlns:p14="http://schemas.microsoft.com/office/powerpoint/2010/main" val="1036684615"/>
+        <p14:creationId xmlns:p14="http://schemas.microsoft.com/office/powerpoint/2010/main" val="1294528391"/>
       </p:ext>
     </p:extLst>
   </p:cSld>
@@ -11770,10 +12945,10 @@
       </p:grpSpPr>
       <p:sp>
         <p:nvSpPr>
-          <p:cNvPr id="4" name="Title 3">
+          <p:cNvPr id="2" name="Title 1">
             <a:extLst>
               <a:ext uri="{FF2B5EF4-FFF2-40B4-BE49-F238E27FC236}">
-                <a16:creationId xmlns:a16="http://schemas.microsoft.com/office/drawing/2014/main" id="{DFD70D32-6FEC-B149-AEA3-CDCCD2E68774}"/>
+                <a16:creationId xmlns:a16="http://schemas.microsoft.com/office/drawing/2014/main" id="{5E41AC92-D549-A7BE-A983-F98C6AFC4B81}"/>
               </a:ext>
             </a:extLst>
           </p:cNvPr>
@@ -11791,17 +12966,29 @@
           <a:p>
             <a:r>
               <a:rPr lang="en-US" dirty="0"/>
-              <a:t>Train BERT Model </a:t>
-            </a:r>
-          </a:p>
-        </p:txBody>
-      </p:sp>
-      <p:sp>
-        <p:nvSpPr>
-          <p:cNvPr id="5" name="Text Placeholder 4">
+              <a:t>Transition to </a:t>
+            </a:r>
+            <a:r>
+              <a:rPr lang="en-US" dirty="0">
+                <a:solidFill>
+                  <a:srgbClr val="FF0000"/>
+                </a:solidFill>
+              </a:rPr>
+              <a:t>Dense</a:t>
+            </a:r>
+            <a:r>
+              <a:rPr lang="en-US" dirty="0"/>
+              <a:t> Representations</a:t>
+            </a:r>
+          </a:p>
+        </p:txBody>
+      </p:sp>
+      <p:sp>
+        <p:nvSpPr>
+          <p:cNvPr id="3" name="Content Placeholder 2">
             <a:extLst>
               <a:ext uri="{FF2B5EF4-FFF2-40B4-BE49-F238E27FC236}">
-                <a16:creationId xmlns:a16="http://schemas.microsoft.com/office/drawing/2014/main" id="{AF3DFED3-5585-C47B-27A2-634E87D13F5D}"/>
+                <a16:creationId xmlns:a16="http://schemas.microsoft.com/office/drawing/2014/main" id="{AD6541CD-0097-D9D5-77E6-499E565A5E76}"/>
               </a:ext>
             </a:extLst>
           </p:cNvPr>
@@ -11809,22 +12996,70 @@
             <a:spLocks noGrp="1"/>
           </p:cNvSpPr>
           <p:nvPr>
-            <p:ph type="body" idx="1"/>
+            <p:ph idx="1"/>
           </p:nvPr>
         </p:nvSpPr>
         <p:spPr/>
         <p:txBody>
-          <a:bodyPr/>
+          <a:bodyPr>
+            <a:normAutofit/>
+          </a:bodyPr>
           <a:lstStyle/>
           <a:p>
-            <a:endParaRPr lang="en-US"/>
+            <a:r>
+              <a:rPr lang="en-GB" b="1" dirty="0"/>
+              <a:t>Context</a:t>
+            </a:r>
+            <a:r>
+              <a:rPr lang="en-GB" dirty="0"/>
+              <a:t>: The rise of neural networks and distributional semantics (words in similar contexts have similar meanings) inspired new approaches.</a:t>
+            </a:r>
+          </a:p>
+          <a:p>
+            <a:r>
+              <a:rPr lang="en-GB" b="1" dirty="0"/>
+              <a:t>Key Development</a:t>
+            </a:r>
+            <a:r>
+              <a:rPr lang="en-GB" dirty="0"/>
+              <a:t>: Bengio et al. (2003) proved that dense vectors could capture word meanings. </a:t>
+            </a:r>
+          </a:p>
+          <a:p>
+            <a:r>
+              <a:rPr lang="en-GB" b="1" dirty="0"/>
+              <a:t>Limitations</a:t>
+            </a:r>
+            <a:r>
+              <a:rPr lang="en-GB" dirty="0"/>
+              <a:t>: It was computationally costly, less scalable, and not optimized for general use.</a:t>
+            </a:r>
+          </a:p>
+          <a:p>
+            <a:r>
+              <a:rPr lang="en-GB" b="1" dirty="0"/>
+              <a:t>Motivation</a:t>
+            </a:r>
+            <a:r>
+              <a:rPr lang="en-GB" dirty="0"/>
+              <a:t>: To reduce dimensionality, capture semantic relationships (e.g., "cat" and "dog" being closer in vector space), and enable generalization in NLP tasks like language </a:t>
+            </a:r>
+            <a:r>
+              <a:rPr lang="en-GB" dirty="0" err="1"/>
+              <a:t>modeling</a:t>
+            </a:r>
+            <a:r>
+              <a:rPr lang="en-GB" dirty="0"/>
+              <a:t>.</a:t>
+            </a:r>
+            <a:endParaRPr lang="en-US" dirty="0"/>
           </a:p>
         </p:txBody>
       </p:sp>
     </p:spTree>
     <p:extLst>
       <p:ext uri="{BB962C8B-B14F-4D97-AF65-F5344CB8AC3E}">
-        <p14:creationId xmlns:p14="http://schemas.microsoft.com/office/powerpoint/2010/main" val="2434111921"/>
+        <p14:creationId xmlns:p14="http://schemas.microsoft.com/office/powerpoint/2010/main" val="510004860"/>
       </p:ext>
     </p:extLst>
   </p:cSld>
@@ -11839,13 +13074,7 @@
   <p:cSld>
     <p:spTree>
       <p:nvGrpSpPr>
-        <p:cNvPr id="1" name="">
-          <a:extLst>
-            <a:ext uri="{FF2B5EF4-FFF2-40B4-BE49-F238E27FC236}">
-              <a16:creationId xmlns:a16="http://schemas.microsoft.com/office/drawing/2014/main" id="{DDCDA25A-0A36-B2E0-761E-FD91D861A175}"/>
-            </a:ext>
-          </a:extLst>
-        </p:cNvPr>
+        <p:cNvPr id="1" name=""/>
         <p:cNvGrpSpPr/>
         <p:nvPr/>
       </p:nvGrpSpPr>
@@ -11859,10 +13088,10 @@
       </p:grpSpPr>
       <p:sp>
         <p:nvSpPr>
-          <p:cNvPr id="4" name="Title 3">
+          <p:cNvPr id="2" name="Title 1">
             <a:extLst>
               <a:ext uri="{FF2B5EF4-FFF2-40B4-BE49-F238E27FC236}">
-                <a16:creationId xmlns:a16="http://schemas.microsoft.com/office/drawing/2014/main" id="{40202979-E8CD-EF01-48A7-D618A4257959}"/>
+                <a16:creationId xmlns:a16="http://schemas.microsoft.com/office/drawing/2014/main" id="{66D4D341-E415-48BA-D43A-5C4B3E289A51}"/>
               </a:ext>
             </a:extLst>
           </p:cNvPr>
@@ -11880,253 +13109,99 @@
           <a:p>
             <a:r>
               <a:rPr lang="en-US" dirty="0"/>
-              <a:t>Train BERT Model (MLM+NSP)</a:t>
-            </a:r>
-          </a:p>
-        </p:txBody>
-      </p:sp>
-      <p:pic>
-        <p:nvPicPr>
-          <p:cNvPr id="5" name="Picture 4">
+              <a:t>Word Embeddings</a:t>
+            </a:r>
+          </a:p>
+        </p:txBody>
+      </p:sp>
+      <p:sp>
+        <p:nvSpPr>
+          <p:cNvPr id="3" name="Content Placeholder 2">
             <a:extLst>
               <a:ext uri="{FF2B5EF4-FFF2-40B4-BE49-F238E27FC236}">
-                <a16:creationId xmlns:a16="http://schemas.microsoft.com/office/drawing/2014/main" id="{885FF9E8-A3C5-AC47-ABA6-63EC8CE9F451}"/>
+                <a16:creationId xmlns:a16="http://schemas.microsoft.com/office/drawing/2014/main" id="{74427EC3-49A4-C08F-CE5D-785DC8DDF31E}"/>
               </a:ext>
             </a:extLst>
           </p:cNvPr>
-          <p:cNvPicPr>
-            <a:picLocks noChangeAspect="1"/>
-          </p:cNvPicPr>
-          <p:nvPr/>
-        </p:nvPicPr>
-        <p:blipFill>
-          <a:blip r:embed="rId2"/>
-          <a:srcRect l="12232" t="9837" r="11329" b="10090"/>
-          <a:stretch/>
-        </p:blipFill>
-        <p:spPr>
-          <a:xfrm>
-            <a:off x="366428" y="3137587"/>
-            <a:ext cx="5205206" cy="2726318"/>
-          </a:xfrm>
-          <a:prstGeom prst="rect">
-            <a:avLst/>
-          </a:prstGeom>
-        </p:spPr>
-      </p:pic>
-      <p:sp>
-        <p:nvSpPr>
-          <p:cNvPr id="7" name="TextBox 6">
-            <a:extLst>
-              <a:ext uri="{FF2B5EF4-FFF2-40B4-BE49-F238E27FC236}">
-                <a16:creationId xmlns:a16="http://schemas.microsoft.com/office/drawing/2014/main" id="{D5D51B55-6372-C7C9-7B7E-27B0A2BE8F9A}"/>
-              </a:ext>
-            </a:extLst>
-          </p:cNvPr>
-          <p:cNvSpPr txBox="1"/>
-          <p:nvPr/>
-        </p:nvSpPr>
-        <p:spPr>
-          <a:xfrm>
-            <a:off x="514778" y="6262042"/>
-            <a:ext cx="5458184" cy="461665"/>
-          </a:xfrm>
-          <a:prstGeom prst="rect">
-            <a:avLst/>
-          </a:prstGeom>
-          <a:noFill/>
-        </p:spPr>
-        <p:txBody>
-          <a:bodyPr wrap="square">
-            <a:spAutoFit/>
-          </a:bodyPr>
+          <p:cNvSpPr>
+            <a:spLocks noGrp="1"/>
+          </p:cNvSpPr>
+          <p:nvPr>
+            <p:ph idx="1"/>
+          </p:nvPr>
+        </p:nvSpPr>
+        <p:spPr/>
+        <p:txBody>
+          <a:bodyPr/>
           <a:lstStyle/>
           <a:p>
             <a:r>
-              <a:rPr lang="en-US" sz="1200" dirty="0"/>
-              <a:t>https://www.searchunify.com/sudo-technical-blogs/context-is-key-the-transitional-impact-of-bert-on-enterprise-search-results/</a:t>
-            </a:r>
-          </a:p>
-        </p:txBody>
-      </p:sp>
-      <p:pic>
-        <p:nvPicPr>
-          <p:cNvPr id="7170" name="Picture 2" descr="Next Sentence Prediction Task">
-            <a:extLst>
-              <a:ext uri="{FF2B5EF4-FFF2-40B4-BE49-F238E27FC236}">
-                <a16:creationId xmlns:a16="http://schemas.microsoft.com/office/drawing/2014/main" id="{F9C119BE-E185-6428-E4C9-14327142EBFA}"/>
-              </a:ext>
-            </a:extLst>
-          </p:cNvPr>
-          <p:cNvPicPr>
-            <a:picLocks noChangeAspect="1" noChangeArrowheads="1"/>
-          </p:cNvPicPr>
-          <p:nvPr/>
-        </p:nvPicPr>
-        <p:blipFill>
-          <a:blip r:embed="rId3">
-            <a:extLst>
-              <a:ext uri="{28A0092B-C50C-407E-A947-70E740481C1C}">
-                <a14:useLocalDpi xmlns:a14="http://schemas.microsoft.com/office/drawing/2010/main" val="0"/>
-              </a:ext>
-            </a:extLst>
-          </a:blip>
-          <a:srcRect/>
-          <a:stretch>
-            <a:fillRect/>
-          </a:stretch>
-        </p:blipFill>
-        <p:spPr bwMode="auto">
-          <a:xfrm>
-            <a:off x="5729681" y="3697470"/>
-            <a:ext cx="6386818" cy="1836465"/>
-          </a:xfrm>
-          <a:prstGeom prst="rect">
-            <a:avLst/>
-          </a:prstGeom>
-          <a:noFill/>
-          <a:extLst>
-            <a:ext uri="{909E8E84-426E-40DD-AFC4-6F175D3DCCD1}">
-              <a14:hiddenFill xmlns:a14="http://schemas.microsoft.com/office/drawing/2010/main">
-                <a:solidFill>
-                  <a:srgbClr val="FFFFFF"/>
-                </a:solidFill>
-              </a14:hiddenFill>
-            </a:ext>
-          </a:extLst>
-        </p:spPr>
-      </p:pic>
-      <p:sp>
-        <p:nvSpPr>
-          <p:cNvPr id="9" name="TextBox 8">
-            <a:extLst>
-              <a:ext uri="{FF2B5EF4-FFF2-40B4-BE49-F238E27FC236}">
-                <a16:creationId xmlns:a16="http://schemas.microsoft.com/office/drawing/2014/main" id="{D35760DE-5F95-3A44-D1E8-9C37DA088CC1}"/>
-              </a:ext>
-            </a:extLst>
-          </p:cNvPr>
-          <p:cNvSpPr txBox="1"/>
-          <p:nvPr/>
-        </p:nvSpPr>
-        <p:spPr>
-          <a:xfrm>
-            <a:off x="7256477" y="6354374"/>
-            <a:ext cx="4097323" cy="276999"/>
-          </a:xfrm>
-          <a:prstGeom prst="rect">
-            <a:avLst/>
-          </a:prstGeom>
-          <a:noFill/>
-        </p:spPr>
-        <p:txBody>
-          <a:bodyPr wrap="square">
-            <a:spAutoFit/>
-          </a:bodyPr>
-          <a:lstStyle/>
-          <a:p>
-            <a:r>
-              <a:rPr lang="en-US" sz="1200" dirty="0"/>
-              <a:t>https://amitness.com/posts/albert-visual-summary</a:t>
-            </a:r>
-          </a:p>
-        </p:txBody>
-      </p:sp>
-      <p:sp>
-        <p:nvSpPr>
-          <p:cNvPr id="3" name="TextBox 2">
-            <a:extLst>
-              <a:ext uri="{FF2B5EF4-FFF2-40B4-BE49-F238E27FC236}">
-                <a16:creationId xmlns:a16="http://schemas.microsoft.com/office/drawing/2014/main" id="{E17CB1CA-0204-2C2A-3DDC-0403892ABBCF}"/>
-              </a:ext>
-            </a:extLst>
-          </p:cNvPr>
-          <p:cNvSpPr txBox="1"/>
-          <p:nvPr/>
-        </p:nvSpPr>
-        <p:spPr>
-          <a:xfrm>
-            <a:off x="745921" y="1738189"/>
-            <a:ext cx="4733434" cy="1015663"/>
-          </a:xfrm>
-          <a:prstGeom prst="rect">
-            <a:avLst/>
-          </a:prstGeom>
-          <a:noFill/>
-        </p:spPr>
-        <p:txBody>
-          <a:bodyPr wrap="square">
-            <a:spAutoFit/>
-          </a:bodyPr>
-          <a:lstStyle/>
-          <a:p>
-            <a:r>
-              <a:rPr lang="en-GB" sz="2000" b="1" dirty="0"/>
-              <a:t>Masked Language Model (MLM): r</a:t>
-            </a:r>
-            <a:r>
-              <a:rPr lang="en-GB" sz="2000" dirty="0"/>
-              <a:t>andomly mask words in document and try to predict them based on the surrounding context.</a:t>
-            </a:r>
-            <a:endParaRPr lang="en-US" sz="2000" dirty="0"/>
-          </a:p>
-        </p:txBody>
-      </p:sp>
-      <p:sp>
-        <p:nvSpPr>
-          <p:cNvPr id="8" name="TextBox 7">
-            <a:extLst>
-              <a:ext uri="{FF2B5EF4-FFF2-40B4-BE49-F238E27FC236}">
-                <a16:creationId xmlns:a16="http://schemas.microsoft.com/office/drawing/2014/main" id="{8A5B413D-E31A-5F46-B980-E4650D05EAC6}"/>
-              </a:ext>
-            </a:extLst>
-          </p:cNvPr>
-          <p:cNvSpPr txBox="1"/>
-          <p:nvPr/>
-        </p:nvSpPr>
-        <p:spPr>
-          <a:xfrm>
-            <a:off x="5863905" y="1804909"/>
-            <a:ext cx="4907559" cy="707886"/>
-          </a:xfrm>
-          <a:prstGeom prst="rect">
-            <a:avLst/>
-          </a:prstGeom>
-          <a:noFill/>
-        </p:spPr>
-        <p:txBody>
-          <a:bodyPr wrap="square">
-            <a:spAutoFit/>
-          </a:bodyPr>
-          <a:lstStyle/>
-          <a:p>
-            <a:r>
-              <a:rPr lang="en-GB" sz="2000" b="1" i="0" dirty="0">
-                <a:solidFill>
-                  <a:srgbClr val="000000"/>
-                </a:solidFill>
-                <a:effectLst/>
-                <a:latin typeface="Inter"/>
-              </a:rPr>
-              <a:t>Next Sentence Prediction (NSP</a:t>
-            </a:r>
-            <a:r>
-              <a:rPr lang="en-GB" sz="2000" b="0" i="0" dirty="0">
-                <a:solidFill>
-                  <a:srgbClr val="000000"/>
-                </a:solidFill>
-                <a:effectLst/>
-                <a:latin typeface="Inter"/>
-              </a:rPr>
-              <a:t>): Predict if sentence 2 follows sentence 1</a:t>
-            </a:r>
-            <a:endParaRPr lang="en-US" sz="2000" dirty="0"/>
+              <a:rPr lang="en-US" b="1" dirty="0"/>
+              <a:t>Breakthrough</a:t>
+            </a:r>
+            <a:r>
+              <a:rPr lang="en-US" dirty="0"/>
+              <a:t>: Word2Vec (</a:t>
+            </a:r>
+            <a:r>
+              <a:rPr lang="en-US" dirty="0" err="1"/>
+              <a:t>Mikolov</a:t>
+            </a:r>
+            <a:r>
+              <a:rPr lang="en-US" dirty="0"/>
+              <a:t> et al., 2013) popularized word embeddings with efficient algorithms (CBOW and Skip-gram) to learn dense vectors from large corpora.</a:t>
+            </a:r>
+          </a:p>
+          <a:p>
+            <a:r>
+              <a:rPr lang="en-US" b="1" dirty="0"/>
+              <a:t>Advancements</a:t>
+            </a:r>
+            <a:r>
+              <a:rPr lang="en-US" dirty="0"/>
+              <a:t>: </a:t>
+            </a:r>
+            <a:r>
+              <a:rPr lang="en-US" dirty="0" err="1"/>
+              <a:t>GloVe</a:t>
+            </a:r>
+            <a:r>
+              <a:rPr lang="en-US" dirty="0"/>
+              <a:t> (2014) and </a:t>
+            </a:r>
+            <a:r>
+              <a:rPr lang="en-US" dirty="0" err="1"/>
+              <a:t>fastText</a:t>
+            </a:r>
+            <a:r>
+              <a:rPr lang="en-US" dirty="0"/>
+              <a:t> (2016) further refined embeddings by incorporating global co-occurrence statistics and </a:t>
+            </a:r>
+            <a:r>
+              <a:rPr lang="en-US" dirty="0" err="1"/>
+              <a:t>subword</a:t>
+            </a:r>
+            <a:r>
+              <a:rPr lang="en-US" dirty="0"/>
+              <a:t> information, respectively.</a:t>
+            </a:r>
+          </a:p>
+          <a:p>
+            <a:r>
+              <a:rPr lang="en-US" b="1" dirty="0"/>
+              <a:t>Purpose</a:t>
+            </a:r>
+            <a:r>
+              <a:rPr lang="en-US" dirty="0"/>
+              <a:t>: Embeddings mapped words to continuous vector spaces where semantic similarities (e.g., "king" - "man" + "woman" ≈ "queen") could be computed, enabling better performance in tasks like machine translation, sentiment analysis, and question answering.</a:t>
+            </a:r>
           </a:p>
         </p:txBody>
       </p:sp>
     </p:spTree>
     <p:extLst>
       <p:ext uri="{BB962C8B-B14F-4D97-AF65-F5344CB8AC3E}">
-        <p14:creationId xmlns:p14="http://schemas.microsoft.com/office/powerpoint/2010/main" val="3407768076"/>
+        <p14:creationId xmlns:p14="http://schemas.microsoft.com/office/powerpoint/2010/main" val="2853579169"/>
       </p:ext>
     </p:extLst>
   </p:cSld>
@@ -12155,10 +13230,10 @@
       </p:grpSpPr>
       <p:sp>
         <p:nvSpPr>
-          <p:cNvPr id="4" name="Title 3">
+          <p:cNvPr id="2" name="Title 1">
             <a:extLst>
               <a:ext uri="{FF2B5EF4-FFF2-40B4-BE49-F238E27FC236}">
-                <a16:creationId xmlns:a16="http://schemas.microsoft.com/office/drawing/2014/main" id="{B543C7D3-B7DA-AB3D-070C-E3142B378BD9}"/>
+                <a16:creationId xmlns:a16="http://schemas.microsoft.com/office/drawing/2014/main" id="{A99959B6-3049-EEC3-077C-145681727D6A}"/>
               </a:ext>
             </a:extLst>
           </p:cNvPr>
@@ -12176,17 +13251,17 @@
           <a:p>
             <a:r>
               <a:rPr lang="en-US" dirty="0"/>
-              <a:t>BERT input tokenization</a:t>
-            </a:r>
-          </a:p>
-        </p:txBody>
-      </p:sp>
-      <p:sp>
-        <p:nvSpPr>
-          <p:cNvPr id="5" name="Content Placeholder 4">
+              <a:t>Visualize Embeddings </a:t>
+            </a:r>
+          </a:p>
+        </p:txBody>
+      </p:sp>
+      <p:sp>
+        <p:nvSpPr>
+          <p:cNvPr id="3" name="Content Placeholder 2">
             <a:extLst>
               <a:ext uri="{FF2B5EF4-FFF2-40B4-BE49-F238E27FC236}">
-                <a16:creationId xmlns:a16="http://schemas.microsoft.com/office/drawing/2014/main" id="{902F7C09-5318-5751-37DE-23F0AED15AD5}"/>
+                <a16:creationId xmlns:a16="http://schemas.microsoft.com/office/drawing/2014/main" id="{65897534-804A-CA38-90FC-05D5CA29C91A}"/>
               </a:ext>
             </a:extLst>
           </p:cNvPr>
@@ -12199,13 +13274,13 @@
         </p:nvSpPr>
         <p:spPr>
           <a:xfrm>
-            <a:off x="838200" y="1825625"/>
-            <a:ext cx="10515600" cy="3384730"/>
+            <a:off x="838200" y="1825626"/>
+            <a:ext cx="10389124" cy="1160922"/>
           </a:xfrm>
         </p:spPr>
         <p:txBody>
           <a:bodyPr>
-            <a:normAutofit lnSpcReduction="10000"/>
+            <a:normAutofit fontScale="92500" lnSpcReduction="20000"/>
           </a:bodyPr>
           <a:lstStyle/>
           <a:p>
@@ -12215,150 +13290,82 @@
             </a:pPr>
             <a:r>
               <a:rPr lang="en-GB" dirty="0"/>
-              <a:t>Tokenization splits text into small pieces called tokens</a:t>
-            </a:r>
-          </a:p>
-          <a:p>
-            <a:pPr rtl="0">
-              <a:buFont typeface="Arial" panose="020B0604020202020204" pitchFamily="34" charset="0"/>
-              <a:buChar char="•"/>
-            </a:pPr>
+              <a:t>Word embeddings turn words into numbers (</a:t>
+            </a:r>
+            <a:r>
+              <a:rPr lang="en-US" b="0" i="0" dirty="0">
+                <a:solidFill>
+                  <a:srgbClr val="1A194D"/>
+                </a:solidFill>
+                <a:effectLst/>
+                <a:latin typeface="Jakarta Sans Plus"/>
+              </a:rPr>
+              <a:t>features) </a:t>
+            </a:r>
             <a:r>
               <a:rPr lang="en-GB" dirty="0"/>
-              <a:t>Tokens are usually words (e.g., “today") or special markers (e.g., [CLS])</a:t>
-            </a:r>
-          </a:p>
-          <a:p>
-            <a:pPr rtl="0">
-              <a:buFont typeface="Arial" panose="020B0604020202020204" pitchFamily="34" charset="0"/>
-              <a:buChar char="•"/>
-            </a:pPr>
+              <a:t>that computers understand</a:t>
+            </a:r>
+          </a:p>
+          <a:p>
             <a:r>
               <a:rPr lang="en-GB" dirty="0"/>
-              <a:t>Purpose: Prepares text for the BERT model to process</a:t>
-            </a:r>
-          </a:p>
-          <a:p>
-            <a:pPr rtl="0">
-              <a:buFont typeface="Arial" panose="020B0604020202020204" pitchFamily="34" charset="0"/>
-              <a:buChar char="•"/>
-            </a:pPr>
-            <a:r>
-              <a:rPr lang="en-GB" dirty="0"/>
-              <a:t>BERT’s tokenizer (a component of the BERT pipeline) </a:t>
-            </a:r>
-          </a:p>
-          <a:p>
-            <a:pPr marL="742950" lvl="1" indent="-285750" rtl="0">
-              <a:buFont typeface="Arial" panose="020B0604020202020204" pitchFamily="34" charset="0"/>
-              <a:buChar char="•"/>
-            </a:pPr>
-            <a:r>
-              <a:rPr lang="en-GB" dirty="0"/>
-              <a:t>Adds [CLS] at the start, [SEP] at the end</a:t>
-            </a:r>
-          </a:p>
-          <a:p>
-            <a:pPr marL="742950" lvl="1" indent="-285750" rtl="0">
-              <a:buFont typeface="Arial" panose="020B0604020202020204" pitchFamily="34" charset="0"/>
-              <a:buChar char="•"/>
-            </a:pPr>
-            <a:r>
-              <a:rPr lang="en-GB" dirty="0"/>
-              <a:t>"playing" → ["play", "##</a:t>
-            </a:r>
-            <a:r>
-              <a:rPr lang="en-GB" dirty="0" err="1"/>
-              <a:t>ing</a:t>
-            </a:r>
-            <a:r>
-              <a:rPr lang="en-GB" dirty="0"/>
-              <a:t>"]</a:t>
-            </a:r>
-          </a:p>
-          <a:p>
-            <a:pPr rtl="0">
-              <a:buFont typeface="Arial" panose="020B0604020202020204" pitchFamily="34" charset="0"/>
-              <a:buChar char="•"/>
-            </a:pPr>
-            <a:r>
-              <a:rPr lang="en-GB" dirty="0"/>
-              <a:t>Another example: "The king rules the kingdom" becomes multiple tokens</a:t>
-            </a:r>
-          </a:p>
-          <a:p>
-            <a:endParaRPr lang="en-US" dirty="0"/>
-          </a:p>
-        </p:txBody>
-      </p:sp>
-      <p:sp>
-        <p:nvSpPr>
-          <p:cNvPr id="9" name="TextBox 8">
+              <a:t>Words with similar meanings are positioned closer together</a:t>
+            </a:r>
+          </a:p>
+        </p:txBody>
+      </p:sp>
+      <p:pic>
+        <p:nvPicPr>
+          <p:cNvPr id="1028" name="Picture 4" descr="Word Embeddings">
             <a:extLst>
               <a:ext uri="{FF2B5EF4-FFF2-40B4-BE49-F238E27FC236}">
-                <a16:creationId xmlns:a16="http://schemas.microsoft.com/office/drawing/2014/main" id="{AFE956F5-DD00-0480-B4F6-EB44E78BF8BB}"/>
+                <a16:creationId xmlns:a16="http://schemas.microsoft.com/office/drawing/2014/main" id="{513995FD-D3EC-2544-7B13-68340076D236}"/>
               </a:ext>
             </a:extLst>
           </p:cNvPr>
-          <p:cNvSpPr txBox="1"/>
+          <p:cNvPicPr>
+            <a:picLocks noChangeAspect="1" noChangeArrowheads="1"/>
+          </p:cNvPicPr>
           <p:nvPr/>
-        </p:nvSpPr>
-        <p:spPr>
+        </p:nvPicPr>
+        <p:blipFill>
+          <a:blip r:embed="rId3">
+            <a:extLst>
+              <a:ext uri="{28A0092B-C50C-407E-A947-70E740481C1C}">
+                <a14:useLocalDpi xmlns:a14="http://schemas.microsoft.com/office/drawing/2010/main" val="0"/>
+              </a:ext>
+            </a:extLst>
+          </a:blip>
+          <a:srcRect/>
+          <a:stretch>
+            <a:fillRect/>
+          </a:stretch>
+        </p:blipFill>
+        <p:spPr bwMode="auto">
           <a:xfrm>
-            <a:off x="1079199" y="5329872"/>
-            <a:ext cx="7981590" cy="1015663"/>
+            <a:off x="964676" y="2986548"/>
+            <a:ext cx="9191330" cy="3592106"/>
           </a:xfrm>
           <a:prstGeom prst="rect">
             <a:avLst/>
           </a:prstGeom>
-          <a:solidFill>
-            <a:schemeClr val="accent4">
-              <a:lumMod val="20000"/>
-              <a:lumOff val="80000"/>
-            </a:schemeClr>
-          </a:solidFill>
+          <a:noFill/>
+          <a:extLst>
+            <a:ext uri="{909E8E84-426E-40DD-AFC4-6F175D3DCCD1}">
+              <a14:hiddenFill xmlns:a14="http://schemas.microsoft.com/office/drawing/2010/main">
+                <a:solidFill>
+                  <a:srgbClr val="FFFFFF"/>
+                </a:solidFill>
+              </a14:hiddenFill>
+            </a:ext>
+          </a:extLst>
         </p:spPr>
-        <p:txBody>
-          <a:bodyPr wrap="square">
-            <a:spAutoFit/>
-          </a:bodyPr>
-          <a:lstStyle/>
-          <a:p>
-            <a:r>
-              <a:rPr lang="en-GB" sz="2000" b="1" dirty="0"/>
-              <a:t>Original text: </a:t>
-            </a:r>
-            <a:r>
-              <a:rPr lang="en-GB" sz="2000" dirty="0"/>
-              <a:t>The king rules the kingdom</a:t>
-            </a:r>
-          </a:p>
-          <a:p>
-            <a:r>
-              <a:rPr lang="en-GB" sz="2000" b="1" dirty="0"/>
-              <a:t>Tokens: </a:t>
-            </a:r>
-            <a:r>
-              <a:rPr lang="en-GB" sz="2000" dirty="0"/>
-              <a:t>['[CLS]', 'the', 'king', 'rules', 'the', 'kingdom', '[SEP]’]</a:t>
-            </a:r>
-          </a:p>
-          <a:p>
-            <a:r>
-              <a:rPr lang="en-US" sz="2000" b="1" dirty="0"/>
-              <a:t>Token IDs:    </a:t>
-            </a:r>
-            <a:r>
-              <a:rPr lang="en-US" sz="2000" dirty="0"/>
-              <a:t>[101, 1996, 2332, 3513, 1996, 2983, 102]</a:t>
-            </a:r>
-          </a:p>
-        </p:txBody>
-      </p:sp>
+      </p:pic>
     </p:spTree>
     <p:extLst>
       <p:ext uri="{BB962C8B-B14F-4D97-AF65-F5344CB8AC3E}">
-        <p14:creationId xmlns:p14="http://schemas.microsoft.com/office/powerpoint/2010/main" val="1414809203"/>
+        <p14:creationId xmlns:p14="http://schemas.microsoft.com/office/powerpoint/2010/main" val="2080425308"/>
       </p:ext>
     </p:extLst>
   </p:cSld>
@@ -12390,7 +13397,7 @@
           <p:cNvPr id="2" name="Title 1">
             <a:extLst>
               <a:ext uri="{FF2B5EF4-FFF2-40B4-BE49-F238E27FC236}">
-                <a16:creationId xmlns:a16="http://schemas.microsoft.com/office/drawing/2014/main" id="{4F28AD2F-0A36-2EC6-8872-546B234AE22B}"/>
+                <a16:creationId xmlns:a16="http://schemas.microsoft.com/office/drawing/2014/main" id="{5C07E1F4-EA15-C073-F62B-C813B1343B57}"/>
               </a:ext>
             </a:extLst>
           </p:cNvPr>
@@ -12408,17 +13415,17 @@
           <a:p>
             <a:r>
               <a:rPr lang="en-US" dirty="0"/>
-              <a:t>BERT input representation</a:t>
-            </a:r>
-          </a:p>
-        </p:txBody>
-      </p:sp>
-      <p:sp>
-        <p:nvSpPr>
-          <p:cNvPr id="10" name="Content Placeholder 9">
+              <a:t>BERT Model for Computing Embeddings </a:t>
+            </a:r>
+          </a:p>
+        </p:txBody>
+      </p:sp>
+      <p:sp>
+        <p:nvSpPr>
+          <p:cNvPr id="3" name="Content Placeholder 2">
             <a:extLst>
               <a:ext uri="{FF2B5EF4-FFF2-40B4-BE49-F238E27FC236}">
-                <a16:creationId xmlns:a16="http://schemas.microsoft.com/office/drawing/2014/main" id="{F85C4143-0A45-B05A-8C48-CF552EC96C68}"/>
+                <a16:creationId xmlns:a16="http://schemas.microsoft.com/office/drawing/2014/main" id="{E3F59EA4-7635-EEF3-A129-EAB57D350B93}"/>
               </a:ext>
             </a:extLst>
           </p:cNvPr>
@@ -12432,7 +13439,7 @@
         <p:spPr>
           <a:xfrm>
             <a:off x="838200" y="1825625"/>
-            <a:ext cx="9361602" cy="1576332"/>
+            <a:ext cx="10378966" cy="4351338"/>
           </a:xfrm>
         </p:spPr>
         <p:txBody>
@@ -12440,114 +13447,51 @@
           <a:lstStyle/>
           <a:p>
             <a:r>
-              <a:rPr lang="en-US" dirty="0"/>
-              <a:t>Token Embedding: Encodes </a:t>
-            </a:r>
-            <a:r>
-              <a:rPr lang="en-US" dirty="0" err="1"/>
-              <a:t>subword</a:t>
-            </a:r>
-            <a:r>
-              <a:rPr lang="en-US" dirty="0"/>
-              <a:t>/token meaning</a:t>
-            </a:r>
-          </a:p>
-          <a:p>
-            <a:r>
-              <a:rPr lang="en-US" dirty="0"/>
-              <a:t>Position Embedding: Encodes token order</a:t>
-            </a:r>
-          </a:p>
-          <a:p>
-            <a:r>
-              <a:rPr lang="en-US" dirty="0"/>
-              <a:t>Segment Embedding: Encodes sentence distinction</a:t>
-            </a:r>
-          </a:p>
-        </p:txBody>
-      </p:sp>
-      <p:pic>
-        <p:nvPicPr>
-          <p:cNvPr id="7" name="Picture 6">
-            <a:extLst>
-              <a:ext uri="{FF2B5EF4-FFF2-40B4-BE49-F238E27FC236}">
-                <a16:creationId xmlns:a16="http://schemas.microsoft.com/office/drawing/2014/main" id="{ECEA5BAE-D6FB-202B-EC29-00406A419657}"/>
-              </a:ext>
-            </a:extLst>
-          </p:cNvPr>
-          <p:cNvPicPr>
-            <a:picLocks noChangeAspect="1"/>
-          </p:cNvPicPr>
-          <p:nvPr/>
-        </p:nvPicPr>
-        <p:blipFill>
-          <a:blip r:embed="rId2"/>
-          <a:stretch>
-            <a:fillRect/>
-          </a:stretch>
-        </p:blipFill>
-        <p:spPr>
-          <a:xfrm>
-            <a:off x="627602" y="3536894"/>
-            <a:ext cx="8822377" cy="2720920"/>
-          </a:xfrm>
-          <a:prstGeom prst="rect">
-            <a:avLst/>
-          </a:prstGeom>
-        </p:spPr>
-      </p:pic>
-      <p:sp>
-        <p:nvSpPr>
-          <p:cNvPr id="9" name="TextBox 8">
-            <a:extLst>
-              <a:ext uri="{FF2B5EF4-FFF2-40B4-BE49-F238E27FC236}">
-                <a16:creationId xmlns:a16="http://schemas.microsoft.com/office/drawing/2014/main" id="{2AC48633-EE4A-DFF3-6B71-A3ADDFD829B8}"/>
-              </a:ext>
-            </a:extLst>
-          </p:cNvPr>
-          <p:cNvSpPr txBox="1"/>
-          <p:nvPr/>
-        </p:nvSpPr>
-        <p:spPr>
-          <a:xfrm>
-            <a:off x="9563100" y="3536894"/>
-            <a:ext cx="2281287" cy="1569660"/>
-          </a:xfrm>
-          <a:prstGeom prst="rect">
-            <a:avLst/>
-          </a:prstGeom>
-          <a:noFill/>
-        </p:spPr>
-        <p:txBody>
-          <a:bodyPr wrap="square">
-            <a:spAutoFit/>
-          </a:bodyPr>
-          <a:lstStyle/>
-          <a:p>
-            <a:r>
-              <a:rPr lang="en-GB" sz="2400" dirty="0"/>
-              <a:t>The input embeddings are the </a:t>
-            </a:r>
-            <a:r>
-              <a:rPr lang="en-GB" sz="2400" b="1" dirty="0">
-                <a:solidFill>
-                  <a:srgbClr val="FF0000"/>
-                </a:solidFill>
-              </a:rPr>
-              <a:t>sum</a:t>
-            </a:r>
-            <a:r>
-              <a:rPr lang="en-GB" sz="2400" dirty="0"/>
-              <a:t> of three embeddings</a:t>
-            </a:r>
-            <a:endParaRPr lang="en-US" sz="2400" dirty="0"/>
+              <a:rPr lang="en-GB" dirty="0"/>
+              <a:t>BERT (Bidirectional Encoder Representations from Transformers)</a:t>
+            </a:r>
+          </a:p>
+          <a:p>
+            <a:pPr lvl="1"/>
+            <a:r>
+              <a:rPr lang="en-GB" dirty="0"/>
+              <a:t>is a pre-trained language model developed by Google in 2018 </a:t>
+            </a:r>
+          </a:p>
+          <a:p>
+            <a:pPr lvl="1"/>
+            <a:r>
+              <a:rPr lang="en-GB" dirty="0"/>
+              <a:t>revolutionized natural language processing (NLP). </a:t>
+            </a:r>
+          </a:p>
+          <a:p>
+            <a:r>
+              <a:rPr lang="en-GB" dirty="0"/>
+              <a:t>It's designed to understand the context of a word in both directions (left and right)</a:t>
+            </a:r>
+          </a:p>
+          <a:p>
+            <a:pPr lvl="1"/>
+            <a:r>
+              <a:rPr lang="en-GB" dirty="0"/>
+              <a:t>the context of a word = word embedding</a:t>
+            </a:r>
+          </a:p>
+          <a:p>
+            <a:pPr lvl="1"/>
+            <a:r>
+              <a:rPr lang="en-GB" dirty="0"/>
+              <a:t>makes it very powerful for understanding the meaning of text.</a:t>
+            </a:r>
+            <a:endParaRPr lang="en-US" dirty="0"/>
           </a:p>
         </p:txBody>
       </p:sp>
     </p:spTree>
     <p:extLst>
       <p:ext uri="{BB962C8B-B14F-4D97-AF65-F5344CB8AC3E}">
-        <p14:creationId xmlns:p14="http://schemas.microsoft.com/office/powerpoint/2010/main" val="541577434"/>
+        <p14:creationId xmlns:p14="http://schemas.microsoft.com/office/powerpoint/2010/main" val="108116971"/>
       </p:ext>
     </p:extLst>
   </p:cSld>

--- a/lectures/10_word_embedding/0_word_embedding.pptx
+++ b/lectures/10_word_embedding/0_word_embedding.pptx
@@ -152,7 +152,7 @@
 <file path=ppt/revisionInfo.xml><?xml version="1.0" encoding="utf-8"?>
 <p1510:revInfo xmlns:a="http://schemas.openxmlformats.org/drawingml/2006/main" xmlns:r="http://schemas.openxmlformats.org/officeDocument/2006/relationships" xmlns:p1510="http://schemas.microsoft.com/office/powerpoint/2015/10/main">
   <p1510:revLst>
-    <p1510:client id="{99E7DBB8-0B00-463F-B90F-88F2FF9D1B2C}" v="167" dt="2025-05-14T13:02:06.296"/>
+    <p1510:client id="{99E7DBB8-0B00-463F-B90F-88F2FF9D1B2C}" v="559" dt="2025-05-17T14:42:33.824"/>
   </p1510:revLst>
 </p1510:revInfo>
 </file>
@@ -162,7 +162,7 @@
   <pc:docChgLst>
     <pc:chgData name="Weifeng Xu" userId="e7aed605-a3dd-4d5a-a692-a87037af107b" providerId="ADAL" clId="{99E7DBB8-0B00-463F-B90F-88F2FF9D1B2C}"/>
     <pc:docChg chg="undo redo custSel addSld delSld modSld sldOrd">
-      <pc:chgData name="Weifeng Xu" userId="e7aed605-a3dd-4d5a-a692-a87037af107b" providerId="ADAL" clId="{99E7DBB8-0B00-463F-B90F-88F2FF9D1B2C}" dt="2025-05-14T13:02:06.295" v="2260" actId="1076"/>
+      <pc:chgData name="Weifeng Xu" userId="e7aed605-a3dd-4d5a-a692-a87037af107b" providerId="ADAL" clId="{99E7DBB8-0B00-463F-B90F-88F2FF9D1B2C}" dt="2025-05-17T14:54:16.936" v="3074" actId="27636"/>
       <pc:docMkLst>
         <pc:docMk/>
       </pc:docMkLst>
@@ -361,7 +361,7 @@
         </pc:sldMkLst>
       </pc:sldChg>
       <pc:sldChg chg="addSp delSp modSp new mod modClrScheme chgLayout">
-        <pc:chgData name="Weifeng Xu" userId="e7aed605-a3dd-4d5a-a692-a87037af107b" providerId="ADAL" clId="{99E7DBB8-0B00-463F-B90F-88F2FF9D1B2C}" dt="2025-05-09T03:34:28.037" v="336" actId="1076"/>
+        <pc:chgData name="Weifeng Xu" userId="e7aed605-a3dd-4d5a-a692-a87037af107b" providerId="ADAL" clId="{99E7DBB8-0B00-463F-B90F-88F2FF9D1B2C}" dt="2025-05-17T14:29:43.913" v="2956" actId="13822"/>
         <pc:sldMkLst>
           <pc:docMk/>
           <pc:sldMk cId="541577434" sldId="263"/>
@@ -375,7 +375,15 @@
           </ac:spMkLst>
         </pc:spChg>
         <pc:spChg chg="add mod">
-          <ac:chgData name="Weifeng Xu" userId="e7aed605-a3dd-4d5a-a692-a87037af107b" providerId="ADAL" clId="{99E7DBB8-0B00-463F-B90F-88F2FF9D1B2C}" dt="2025-05-09T03:34:28.037" v="336" actId="1076"/>
+          <ac:chgData name="Weifeng Xu" userId="e7aed605-a3dd-4d5a-a692-a87037af107b" providerId="ADAL" clId="{99E7DBB8-0B00-463F-B90F-88F2FF9D1B2C}" dt="2025-05-17T14:29:00.244" v="2954" actId="1076"/>
+          <ac:spMkLst>
+            <pc:docMk/>
+            <pc:sldMk cId="541577434" sldId="263"/>
+            <ac:spMk id="3" creationId="{ED02D776-AD27-5FDF-280C-5AE35920F330}"/>
+          </ac:spMkLst>
+        </pc:spChg>
+        <pc:spChg chg="add mod">
+          <ac:chgData name="Weifeng Xu" userId="e7aed605-a3dd-4d5a-a692-a87037af107b" providerId="ADAL" clId="{99E7DBB8-0B00-463F-B90F-88F2FF9D1B2C}" dt="2025-05-17T14:28:23.121" v="2924" actId="207"/>
           <ac:spMkLst>
             <pc:docMk/>
             <pc:sldMk cId="541577434" sldId="263"/>
@@ -398,6 +406,14 @@
             <ac:picMk id="7" creationId="{ECEA5BAE-D6FB-202B-EC29-00406A419657}"/>
           </ac:picMkLst>
         </pc:picChg>
+        <pc:cxnChg chg="add mod">
+          <ac:chgData name="Weifeng Xu" userId="e7aed605-a3dd-4d5a-a692-a87037af107b" providerId="ADAL" clId="{99E7DBB8-0B00-463F-B90F-88F2FF9D1B2C}" dt="2025-05-17T14:29:43.913" v="2956" actId="13822"/>
+          <ac:cxnSpMkLst>
+            <pc:docMk/>
+            <pc:sldMk cId="541577434" sldId="263"/>
+            <ac:cxnSpMk id="5" creationId="{0B7879F0-4B34-E67A-A4D7-5363DCE24ADB}"/>
+          </ac:cxnSpMkLst>
+        </pc:cxnChg>
       </pc:sldChg>
       <pc:sldChg chg="del">
         <pc:chgData name="Weifeng Xu" userId="e7aed605-a3dd-4d5a-a692-a87037af107b" providerId="ADAL" clId="{99E7DBB8-0B00-463F-B90F-88F2FF9D1B2C}" dt="2025-05-09T00:56:49.721" v="9" actId="47"/>
@@ -414,7 +430,7 @@
         </pc:sldMkLst>
       </pc:sldChg>
       <pc:sldChg chg="addSp delSp modSp new mod modClrScheme chgLayout">
-        <pc:chgData name="Weifeng Xu" userId="e7aed605-a3dd-4d5a-a692-a87037af107b" providerId="ADAL" clId="{99E7DBB8-0B00-463F-B90F-88F2FF9D1B2C}" dt="2025-05-09T03:35:28.386" v="376" actId="1076"/>
+        <pc:chgData name="Weifeng Xu" userId="e7aed605-a3dd-4d5a-a692-a87037af107b" providerId="ADAL" clId="{99E7DBB8-0B00-463F-B90F-88F2FF9D1B2C}" dt="2025-05-17T14:54:16.936" v="3074" actId="27636"/>
         <pc:sldMkLst>
           <pc:docMk/>
           <pc:sldMk cId="4109817222" sldId="264"/>
@@ -428,7 +444,7 @@
           </ac:spMkLst>
         </pc:spChg>
         <pc:spChg chg="add del mod ord">
-          <ac:chgData name="Weifeng Xu" userId="e7aed605-a3dd-4d5a-a692-a87037af107b" providerId="ADAL" clId="{99E7DBB8-0B00-463F-B90F-88F2FF9D1B2C}" dt="2025-05-09T03:30:14.576" v="282" actId="14100"/>
+          <ac:chgData name="Weifeng Xu" userId="e7aed605-a3dd-4d5a-a692-a87037af107b" providerId="ADAL" clId="{99E7DBB8-0B00-463F-B90F-88F2FF9D1B2C}" dt="2025-05-17T14:54:16.936" v="3074" actId="27636"/>
           <ac:spMkLst>
             <pc:docMk/>
             <pc:sldMk cId="4109817222" sldId="264"/>
@@ -592,8 +608,8 @@
           </ac:cxnSpMkLst>
         </pc:cxnChg>
       </pc:sldChg>
-      <pc:sldChg chg="addSp delSp new mod modClrScheme chgLayout">
-        <pc:chgData name="Weifeng Xu" userId="e7aed605-a3dd-4d5a-a692-a87037af107b" providerId="ADAL" clId="{99E7DBB8-0B00-463F-B90F-88F2FF9D1B2C}" dt="2025-05-09T11:53:29.113" v="495"/>
+      <pc:sldChg chg="addSp delSp modSp new mod modClrScheme chgLayout">
+        <pc:chgData name="Weifeng Xu" userId="e7aed605-a3dd-4d5a-a692-a87037af107b" providerId="ADAL" clId="{99E7DBB8-0B00-463F-B90F-88F2FF9D1B2C}" dt="2025-05-17T14:31:57.927" v="3008" actId="1076"/>
         <pc:sldMkLst>
           <pc:docMk/>
           <pc:sldMk cId="86561853" sldId="267"/>
@@ -606,14 +622,78 @@
             <ac:spMk id="4" creationId="{DE402BF1-E804-3FFD-8ADB-2569F2D2A760}"/>
           </ac:spMkLst>
         </pc:spChg>
-        <pc:picChg chg="add">
-          <ac:chgData name="Weifeng Xu" userId="e7aed605-a3dd-4d5a-a692-a87037af107b" providerId="ADAL" clId="{99E7DBB8-0B00-463F-B90F-88F2FF9D1B2C}" dt="2025-05-09T11:53:29.113" v="495"/>
+        <pc:spChg chg="add mod">
+          <ac:chgData name="Weifeng Xu" userId="e7aed605-a3dd-4d5a-a692-a87037af107b" providerId="ADAL" clId="{99E7DBB8-0B00-463F-B90F-88F2FF9D1B2C}" dt="2025-05-17T14:26:44.554" v="2902" actId="403"/>
+          <ac:spMkLst>
+            <pc:docMk/>
+            <pc:sldMk cId="86561853" sldId="267"/>
+            <ac:spMk id="6" creationId="{030E4D83-16FF-F454-26F9-BD5603BC4A02}"/>
+          </ac:spMkLst>
+        </pc:spChg>
+        <pc:spChg chg="add">
+          <ac:chgData name="Weifeng Xu" userId="e7aed605-a3dd-4d5a-a692-a87037af107b" providerId="ADAL" clId="{99E7DBB8-0B00-463F-B90F-88F2FF9D1B2C}" dt="2025-05-17T14:30:39.454" v="2957" actId="11529"/>
+          <ac:spMkLst>
+            <pc:docMk/>
+            <pc:sldMk cId="86561853" sldId="267"/>
+            <ac:spMk id="9" creationId="{5D5668AD-4612-36E0-4B0C-D830EE7F13F5}"/>
+          </ac:spMkLst>
+        </pc:spChg>
+        <pc:spChg chg="add">
+          <ac:chgData name="Weifeng Xu" userId="e7aed605-a3dd-4d5a-a692-a87037af107b" providerId="ADAL" clId="{99E7DBB8-0B00-463F-B90F-88F2FF9D1B2C}" dt="2025-05-17T14:31:10.964" v="2960" actId="11529"/>
+          <ac:spMkLst>
+            <pc:docMk/>
+            <pc:sldMk cId="86561853" sldId="267"/>
+            <ac:spMk id="12" creationId="{B4DD1C6B-CF2D-A2BD-95AF-4B15C6315720}"/>
+          </ac:spMkLst>
+        </pc:spChg>
+        <pc:spChg chg="add">
+          <ac:chgData name="Weifeng Xu" userId="e7aed605-a3dd-4d5a-a692-a87037af107b" providerId="ADAL" clId="{99E7DBB8-0B00-463F-B90F-88F2FF9D1B2C}" dt="2025-05-17T14:31:21.188" v="2961" actId="11529"/>
+          <ac:spMkLst>
+            <pc:docMk/>
+            <pc:sldMk cId="86561853" sldId="267"/>
+            <ac:spMk id="13" creationId="{910BB69E-1917-6B21-3926-0282F6F30FDA}"/>
+          </ac:spMkLst>
+        </pc:spChg>
+        <pc:spChg chg="add mod">
+          <ac:chgData name="Weifeng Xu" userId="e7aed605-a3dd-4d5a-a692-a87037af107b" providerId="ADAL" clId="{99E7DBB8-0B00-463F-B90F-88F2FF9D1B2C}" dt="2025-05-17T14:31:57.927" v="3008" actId="1076"/>
+          <ac:spMkLst>
+            <pc:docMk/>
+            <pc:sldMk cId="86561853" sldId="267"/>
+            <ac:spMk id="14" creationId="{6F31E30B-15AB-A2A2-915F-D53C80B27246}"/>
+          </ac:spMkLst>
+        </pc:spChg>
+        <pc:picChg chg="add mod">
+          <ac:chgData name="Weifeng Xu" userId="e7aed605-a3dd-4d5a-a692-a87037af107b" providerId="ADAL" clId="{99E7DBB8-0B00-463F-B90F-88F2FF9D1B2C}" dt="2025-05-17T14:25:33.794" v="2841" actId="1076"/>
+          <ac:picMkLst>
+            <pc:docMk/>
+            <pc:sldMk cId="86561853" sldId="267"/>
+            <ac:picMk id="3" creationId="{F585DA38-2A3B-8445-81CE-F669A6DB15DA}"/>
+          </ac:picMkLst>
+        </pc:picChg>
+        <pc:picChg chg="add mod">
+          <ac:chgData name="Weifeng Xu" userId="e7aed605-a3dd-4d5a-a692-a87037af107b" providerId="ADAL" clId="{99E7DBB8-0B00-463F-B90F-88F2FF9D1B2C}" dt="2025-05-17T14:25:27.727" v="2840" actId="14100"/>
           <ac:picMkLst>
             <pc:docMk/>
             <pc:sldMk cId="86561853" sldId="267"/>
             <ac:picMk id="5" creationId="{ADEAE679-1B59-A61D-4E2B-4C22C7363439}"/>
           </ac:picMkLst>
         </pc:picChg>
+        <pc:cxnChg chg="add">
+          <ac:chgData name="Weifeng Xu" userId="e7aed605-a3dd-4d5a-a692-a87037af107b" providerId="ADAL" clId="{99E7DBB8-0B00-463F-B90F-88F2FF9D1B2C}" dt="2025-05-17T14:26:49.102" v="2903" actId="11529"/>
+          <ac:cxnSpMkLst>
+            <pc:docMk/>
+            <pc:sldMk cId="86561853" sldId="267"/>
+            <ac:cxnSpMk id="8" creationId="{CB5CE808-BB3B-2612-6223-51563E034459}"/>
+          </ac:cxnSpMkLst>
+        </pc:cxnChg>
+        <pc:cxnChg chg="add del">
+          <ac:chgData name="Weifeng Xu" userId="e7aed605-a3dd-4d5a-a692-a87037af107b" providerId="ADAL" clId="{99E7DBB8-0B00-463F-B90F-88F2FF9D1B2C}" dt="2025-05-17T14:30:55.605" v="2959" actId="478"/>
+          <ac:cxnSpMkLst>
+            <pc:docMk/>
+            <pc:sldMk cId="86561853" sldId="267"/>
+            <ac:cxnSpMk id="11" creationId="{805B7F65-5991-2E8E-9002-92BBB38161A0}"/>
+          </ac:cxnSpMkLst>
+        </pc:cxnChg>
       </pc:sldChg>
       <pc:sldChg chg="del">
         <pc:chgData name="Weifeng Xu" userId="e7aed605-a3dd-4d5a-a692-a87037af107b" providerId="ADAL" clId="{99E7DBB8-0B00-463F-B90F-88F2FF9D1B2C}" dt="2025-05-09T00:56:49.696" v="8" actId="47"/>
@@ -630,7 +710,7 @@
         </pc:sldMkLst>
       </pc:sldChg>
       <pc:sldChg chg="addSp delSp modSp add mod ord modClrScheme chgLayout">
-        <pc:chgData name="Weifeng Xu" userId="e7aed605-a3dd-4d5a-a692-a87037af107b" providerId="ADAL" clId="{99E7DBB8-0B00-463F-B90F-88F2FF9D1B2C}" dt="2025-05-10T13:19:26.944" v="1727" actId="1076"/>
+        <pc:chgData name="Weifeng Xu" userId="e7aed605-a3dd-4d5a-a692-a87037af107b" providerId="ADAL" clId="{99E7DBB8-0B00-463F-B90F-88F2FF9D1B2C}" dt="2025-05-17T14:42:56.118" v="3071" actId="13822"/>
         <pc:sldMkLst>
           <pc:docMk/>
           <pc:sldMk cId="2452082469" sldId="268"/>
@@ -641,6 +721,14 @@
             <pc:docMk/>
             <pc:sldMk cId="2452082469" sldId="268"/>
             <ac:spMk id="2" creationId="{1ABBE55A-1CD0-9C9B-38B3-F5C7E86D2F08}"/>
+          </ac:spMkLst>
+        </pc:spChg>
+        <pc:spChg chg="add mod">
+          <ac:chgData name="Weifeng Xu" userId="e7aed605-a3dd-4d5a-a692-a87037af107b" providerId="ADAL" clId="{99E7DBB8-0B00-463F-B90F-88F2FF9D1B2C}" dt="2025-05-17T14:42:48.392" v="3069" actId="1076"/>
+          <ac:spMkLst>
+            <pc:docMk/>
+            <pc:sldMk cId="2452082469" sldId="268"/>
+            <ac:spMk id="4" creationId="{CD32433F-CE35-CC45-37B1-3A27F884BDAC}"/>
           </ac:spMkLst>
         </pc:spChg>
         <pc:spChg chg="mod">
@@ -659,6 +747,14 @@
             <ac:spMk id="8" creationId="{2C72E855-49AF-BEDE-16DB-7C427A315E50}"/>
           </ac:spMkLst>
         </pc:spChg>
+        <pc:picChg chg="add mod">
+          <ac:chgData name="Weifeng Xu" userId="e7aed605-a3dd-4d5a-a692-a87037af107b" providerId="ADAL" clId="{99E7DBB8-0B00-463F-B90F-88F2FF9D1B2C}" dt="2025-05-17T14:42:25.160" v="3044" actId="1076"/>
+          <ac:picMkLst>
+            <pc:docMk/>
+            <pc:sldMk cId="2452082469" sldId="268"/>
+            <ac:picMk id="3" creationId="{6A9E858E-5448-56AD-5177-4164B197692D}"/>
+          </ac:picMkLst>
+        </pc:picChg>
         <pc:picChg chg="mod">
           <ac:chgData name="Weifeng Xu" userId="e7aed605-a3dd-4d5a-a692-a87037af107b" providerId="ADAL" clId="{99E7DBB8-0B00-463F-B90F-88F2FF9D1B2C}" dt="2025-05-09T13:00:34.660" v="574" actId="1076"/>
           <ac:picMkLst>
@@ -675,6 +771,14 @@
             <ac:picMk id="5124" creationId="{C5E7663B-1D8F-F5DE-122D-369B444626BE}"/>
           </ac:picMkLst>
         </pc:picChg>
+        <pc:cxnChg chg="add mod">
+          <ac:chgData name="Weifeng Xu" userId="e7aed605-a3dd-4d5a-a692-a87037af107b" providerId="ADAL" clId="{99E7DBB8-0B00-463F-B90F-88F2FF9D1B2C}" dt="2025-05-17T14:42:56.118" v="3071" actId="13822"/>
+          <ac:cxnSpMkLst>
+            <pc:docMk/>
+            <pc:sldMk cId="2452082469" sldId="268"/>
+            <ac:cxnSpMk id="9" creationId="{5F51A872-ED7D-C285-AE4B-239C40EAD08A}"/>
+          </ac:cxnSpMkLst>
+        </pc:cxnChg>
         <pc:cxnChg chg="mod">
           <ac:chgData name="Weifeng Xu" userId="e7aed605-a3dd-4d5a-a692-a87037af107b" providerId="ADAL" clId="{99E7DBB8-0B00-463F-B90F-88F2FF9D1B2C}" dt="2025-05-10T13:19:26.944" v="1727" actId="1076"/>
           <ac:cxnSpMkLst>
@@ -1403,46 +1507,54 @@
           </ac:picMkLst>
         </pc:picChg>
       </pc:sldChg>
-      <pc:sldChg chg="addSp delSp modSp new mod ord modClrScheme chgLayout">
-        <pc:chgData name="Weifeng Xu" userId="e7aed605-a3dd-4d5a-a692-a87037af107b" providerId="ADAL" clId="{99E7DBB8-0B00-463F-B90F-88F2FF9D1B2C}" dt="2025-05-14T00:52:45.952" v="2016" actId="20577"/>
+      <pc:sldChg chg="addSp delSp modSp new mod ord modClrScheme chgLayout modNotesTx">
+        <pc:chgData name="Weifeng Xu" userId="e7aed605-a3dd-4d5a-a692-a87037af107b" providerId="ADAL" clId="{99E7DBB8-0B00-463F-B90F-88F2FF9D1B2C}" dt="2025-05-17T14:34:26.134" v="3037" actId="478"/>
         <pc:sldMkLst>
           <pc:docMk/>
           <pc:sldMk cId="1036684615" sldId="286"/>
         </pc:sldMkLst>
-        <pc:spChg chg="del">
-          <ac:chgData name="Weifeng Xu" userId="e7aed605-a3dd-4d5a-a692-a87037af107b" providerId="ADAL" clId="{99E7DBB8-0B00-463F-B90F-88F2FF9D1B2C}" dt="2025-05-14T00:48:42.756" v="1977" actId="700"/>
+        <pc:spChg chg="add mod">
+          <ac:chgData name="Weifeng Xu" userId="e7aed605-a3dd-4d5a-a692-a87037af107b" providerId="ADAL" clId="{99E7DBB8-0B00-463F-B90F-88F2FF9D1B2C}" dt="2025-05-17T14:33:33.899" v="3022" actId="1076"/>
           <ac:spMkLst>
             <pc:docMk/>
             <pc:sldMk cId="1036684615" sldId="286"/>
-            <ac:spMk id="2" creationId="{FFB5FE33-5A7B-2344-5947-1C52FD0F7B86}"/>
-          </ac:spMkLst>
-        </pc:spChg>
-        <pc:spChg chg="del">
-          <ac:chgData name="Weifeng Xu" userId="e7aed605-a3dd-4d5a-a692-a87037af107b" providerId="ADAL" clId="{99E7DBB8-0B00-463F-B90F-88F2FF9D1B2C}" dt="2025-05-14T00:48:42.756" v="1977" actId="700"/>
-          <ac:spMkLst>
-            <pc:docMk/>
-            <pc:sldMk cId="1036684615" sldId="286"/>
-            <ac:spMk id="3" creationId="{98B74BD0-3685-3094-5304-D8D21778E748}"/>
+            <ac:spMk id="4" creationId="{36E5D884-7283-5DAF-F38F-A47F7EDD5EEA}"/>
           </ac:spMkLst>
         </pc:spChg>
         <pc:spChg chg="add mod">
-          <ac:chgData name="Weifeng Xu" userId="e7aed605-a3dd-4d5a-a692-a87037af107b" providerId="ADAL" clId="{99E7DBB8-0B00-463F-B90F-88F2FF9D1B2C}" dt="2025-05-14T00:52:15.679" v="1992" actId="1076"/>
+          <ac:chgData name="Weifeng Xu" userId="e7aed605-a3dd-4d5a-a692-a87037af107b" providerId="ADAL" clId="{99E7DBB8-0B00-463F-B90F-88F2FF9D1B2C}" dt="2025-05-17T14:34:18.954" v="3035" actId="403"/>
           <ac:spMkLst>
             <pc:docMk/>
             <pc:sldMk cId="1036684615" sldId="286"/>
             <ac:spMk id="5" creationId="{79381B55-A4C9-6593-AA3C-BF46F3B728EF}"/>
           </ac:spMkLst>
         </pc:spChg>
-        <pc:spChg chg="add mod">
-          <ac:chgData name="Weifeng Xu" userId="e7aed605-a3dd-4d5a-a692-a87037af107b" providerId="ADAL" clId="{99E7DBB8-0B00-463F-B90F-88F2FF9D1B2C}" dt="2025-05-14T00:52:45.952" v="2016" actId="20577"/>
+        <pc:spChg chg="add del mod">
+          <ac:chgData name="Weifeng Xu" userId="e7aed605-a3dd-4d5a-a692-a87037af107b" providerId="ADAL" clId="{99E7DBB8-0B00-463F-B90F-88F2FF9D1B2C}" dt="2025-05-17T14:23:12.681" v="2835" actId="478"/>
           <ac:spMkLst>
             <pc:docMk/>
             <pc:sldMk cId="1036684615" sldId="286"/>
             <ac:spMk id="6" creationId="{DC8BD3C1-0620-61C4-4238-6C2B3533B391}"/>
           </ac:spMkLst>
         </pc:spChg>
+        <pc:spChg chg="add del mod">
+          <ac:chgData name="Weifeng Xu" userId="e7aed605-a3dd-4d5a-a692-a87037af107b" providerId="ADAL" clId="{99E7DBB8-0B00-463F-B90F-88F2FF9D1B2C}" dt="2025-05-17T14:34:26.134" v="3037" actId="478"/>
+          <ac:spMkLst>
+            <pc:docMk/>
+            <pc:sldMk cId="1036684615" sldId="286"/>
+            <ac:spMk id="8" creationId="{F7F3125D-BDF3-AF62-1F0A-9BCA841B85CA}"/>
+          </ac:spMkLst>
+        </pc:spChg>
+        <pc:picChg chg="add mod ord">
+          <ac:chgData name="Weifeng Xu" userId="e7aed605-a3dd-4d5a-a692-a87037af107b" providerId="ADAL" clId="{99E7DBB8-0B00-463F-B90F-88F2FF9D1B2C}" dt="2025-05-17T14:23:29.959" v="2836" actId="1076"/>
+          <ac:picMkLst>
+            <pc:docMk/>
+            <pc:sldMk cId="1036684615" sldId="286"/>
+            <ac:picMk id="2" creationId="{5C40E0D0-798D-5FFF-F849-F467EF87FB92}"/>
+          </ac:picMkLst>
+        </pc:picChg>
         <pc:picChg chg="add mod">
-          <ac:chgData name="Weifeng Xu" userId="e7aed605-a3dd-4d5a-a692-a87037af107b" providerId="ADAL" clId="{99E7DBB8-0B00-463F-B90F-88F2FF9D1B2C}" dt="2025-05-14T00:52:12.776" v="1991" actId="1076"/>
+          <ac:chgData name="Weifeng Xu" userId="e7aed605-a3dd-4d5a-a692-a87037af107b" providerId="ADAL" clId="{99E7DBB8-0B00-463F-B90F-88F2FF9D1B2C}" dt="2025-05-17T14:23:29.959" v="2836" actId="1076"/>
           <ac:picMkLst>
             <pc:docMk/>
             <pc:sldMk cId="1036684615" sldId="286"/>
@@ -1508,30 +1620,6 @@
           <pc:docMk/>
           <pc:sldMk cId="2930276819" sldId="288"/>
         </pc:sldMkLst>
-        <pc:spChg chg="del mod ord">
-          <ac:chgData name="Weifeng Xu" userId="e7aed605-a3dd-4d5a-a692-a87037af107b" providerId="ADAL" clId="{99E7DBB8-0B00-463F-B90F-88F2FF9D1B2C}" dt="2025-05-14T12:42:35.037" v="2125" actId="700"/>
-          <ac:spMkLst>
-            <pc:docMk/>
-            <pc:sldMk cId="2930276819" sldId="288"/>
-            <ac:spMk id="2" creationId="{E75A1CBD-3657-58C9-2AEE-B20A2E69DAF9}"/>
-          </ac:spMkLst>
-        </pc:spChg>
-        <pc:spChg chg="del mod ord">
-          <ac:chgData name="Weifeng Xu" userId="e7aed605-a3dd-4d5a-a692-a87037af107b" providerId="ADAL" clId="{99E7DBB8-0B00-463F-B90F-88F2FF9D1B2C}" dt="2025-05-14T12:42:35.037" v="2125" actId="700"/>
-          <ac:spMkLst>
-            <pc:docMk/>
-            <pc:sldMk cId="2930276819" sldId="288"/>
-            <ac:spMk id="3" creationId="{EF0D9F0F-0C66-6928-EB03-D0464A39B47E}"/>
-          </ac:spMkLst>
-        </pc:spChg>
-        <pc:spChg chg="del">
-          <ac:chgData name="Weifeng Xu" userId="e7aed605-a3dd-4d5a-a692-a87037af107b" providerId="ADAL" clId="{99E7DBB8-0B00-463F-B90F-88F2FF9D1B2C}" dt="2025-05-14T12:42:35.037" v="2125" actId="700"/>
-          <ac:spMkLst>
-            <pc:docMk/>
-            <pc:sldMk cId="2930276819" sldId="288"/>
-            <ac:spMk id="4" creationId="{37F2EDD6-E404-A79A-B2BC-824E06D6264D}"/>
-          </ac:spMkLst>
-        </pc:spChg>
         <pc:spChg chg="add mod ord">
           <ac:chgData name="Weifeng Xu" userId="e7aed605-a3dd-4d5a-a692-a87037af107b" providerId="ADAL" clId="{99E7DBB8-0B00-463F-B90F-88F2FF9D1B2C}" dt="2025-05-14T12:42:44.333" v="2126"/>
           <ac:spMkLst>
@@ -1562,22 +1650,6 @@
           <pc:docMk/>
           <pc:sldMk cId="2773500729" sldId="289"/>
         </pc:sldMkLst>
-        <pc:spChg chg="del mod ord">
-          <ac:chgData name="Weifeng Xu" userId="e7aed605-a3dd-4d5a-a692-a87037af107b" providerId="ADAL" clId="{99E7DBB8-0B00-463F-B90F-88F2FF9D1B2C}" dt="2025-05-14T12:43:44.513" v="2133" actId="700"/>
-          <ac:spMkLst>
-            <pc:docMk/>
-            <pc:sldMk cId="2773500729" sldId="289"/>
-            <ac:spMk id="2" creationId="{CDECC0AA-617C-0E99-09CF-8F4866D1FB85}"/>
-          </ac:spMkLst>
-        </pc:spChg>
-        <pc:spChg chg="del mod ord">
-          <ac:chgData name="Weifeng Xu" userId="e7aed605-a3dd-4d5a-a692-a87037af107b" providerId="ADAL" clId="{99E7DBB8-0B00-463F-B90F-88F2FF9D1B2C}" dt="2025-05-14T12:43:44.513" v="2133" actId="700"/>
-          <ac:spMkLst>
-            <pc:docMk/>
-            <pc:sldMk cId="2773500729" sldId="289"/>
-            <ac:spMk id="3" creationId="{13835518-8ECF-B0D6-8241-31811C8A265E}"/>
-          </ac:spMkLst>
-        </pc:spChg>
         <pc:spChg chg="add mod ord">
           <ac:chgData name="Weifeng Xu" userId="e7aed605-a3dd-4d5a-a692-a87037af107b" providerId="ADAL" clId="{99E7DBB8-0B00-463F-B90F-88F2FF9D1B2C}" dt="2025-05-14T12:43:49.779" v="2145" actId="20577"/>
           <ac:spMkLst>
@@ -1615,14 +1687,6 @@
             <pc:docMk/>
             <pc:sldMk cId="1294528391" sldId="290"/>
             <ac:spMk id="3" creationId="{B21D9C73-9C5E-5B70-841D-19B5034BAD86}"/>
-          </ac:spMkLst>
-        </pc:spChg>
-        <pc:spChg chg="add mod">
-          <ac:chgData name="Weifeng Xu" userId="e7aed605-a3dd-4d5a-a692-a87037af107b" providerId="ADAL" clId="{99E7DBB8-0B00-463F-B90F-88F2FF9D1B2C}" dt="2025-05-14T12:44:52.311" v="2153"/>
-          <ac:spMkLst>
-            <pc:docMk/>
-            <pc:sldMk cId="1294528391" sldId="290"/>
-            <ac:spMk id="4" creationId="{6587B971-DF60-7A05-0352-53E1381F95C9}"/>
           </ac:spMkLst>
         </pc:spChg>
       </pc:sldChg>
@@ -3696,7 +3760,7 @@
           <a:p>
             <a:fld id="{2A59A54D-A59E-4D85-AEC9-D5AFF867AB55}" type="datetimeFigureOut">
               <a:rPr lang="en-US" smtClean="0"/>
-              <a:t>5/14/2025</a:t>
+              <a:t>5/17/2025</a:t>
             </a:fld>
             <a:endParaRPr lang="en-US"/>
           </a:p>
@@ -4139,6 +4203,90 @@
   <p:cSld>
     <p:spTree>
       <p:nvGrpSpPr>
+        <p:cNvPr id="1" name=""/>
+        <p:cNvGrpSpPr/>
+        <p:nvPr/>
+      </p:nvGrpSpPr>
+      <p:grpSpPr>
+        <a:xfrm>
+          <a:off x="0" y="0"/>
+          <a:ext cx="0" cy="0"/>
+          <a:chOff x="0" y="0"/>
+          <a:chExt cx="0" cy="0"/>
+        </a:xfrm>
+      </p:grpSpPr>
+      <p:sp>
+        <p:nvSpPr>
+          <p:cNvPr id="2" name="Slide Image Placeholder 1"/>
+          <p:cNvSpPr>
+            <a:spLocks noGrp="1" noRot="1" noChangeAspect="1"/>
+          </p:cNvSpPr>
+          <p:nvPr>
+            <p:ph type="sldImg"/>
+          </p:nvPr>
+        </p:nvSpPr>
+        <p:spPr/>
+      </p:sp>
+      <p:sp>
+        <p:nvSpPr>
+          <p:cNvPr id="3" name="Notes Placeholder 2"/>
+          <p:cNvSpPr>
+            <a:spLocks noGrp="1"/>
+          </p:cNvSpPr>
+          <p:nvPr>
+            <p:ph type="body" idx="1"/>
+          </p:nvPr>
+        </p:nvSpPr>
+        <p:spPr/>
+        <p:txBody>
+          <a:bodyPr/>
+          <a:lstStyle/>
+          <a:p>
+            <a:endParaRPr lang="en-US" dirty="0"/>
+          </a:p>
+        </p:txBody>
+      </p:sp>
+      <p:sp>
+        <p:nvSpPr>
+          <p:cNvPr id="4" name="Slide Number Placeholder 3"/>
+          <p:cNvSpPr>
+            <a:spLocks noGrp="1"/>
+          </p:cNvSpPr>
+          <p:nvPr>
+            <p:ph type="sldNum" sz="quarter" idx="5"/>
+          </p:nvPr>
+        </p:nvSpPr>
+        <p:spPr/>
+        <p:txBody>
+          <a:bodyPr/>
+          <a:lstStyle/>
+          <a:p>
+            <a:fld id="{AD4B3522-F598-4236-847D-901DDEE8B2B8}" type="slidenum">
+              <a:rPr lang="en-US" smtClean="0"/>
+              <a:t>11</a:t>
+            </a:fld>
+            <a:endParaRPr lang="en-US"/>
+          </a:p>
+        </p:txBody>
+      </p:sp>
+    </p:spTree>
+    <p:extLst>
+      <p:ext uri="{BB962C8B-B14F-4D97-AF65-F5344CB8AC3E}">
+        <p14:creationId xmlns:p14="http://schemas.microsoft.com/office/powerpoint/2010/main" val="1178431801"/>
+      </p:ext>
+    </p:extLst>
+  </p:cSld>
+  <p:clrMapOvr>
+    <a:masterClrMapping/>
+  </p:clrMapOvr>
+</p:notes>
+</file>
+
+<file path=ppt/notesSlides/notesSlide4.xml><?xml version="1.0" encoding="utf-8"?>
+<p:notes xmlns:a="http://schemas.openxmlformats.org/drawingml/2006/main" xmlns:r="http://schemas.openxmlformats.org/officeDocument/2006/relationships" xmlns:p="http://schemas.openxmlformats.org/presentationml/2006/main">
+  <p:cSld>
+    <p:spTree>
+      <p:nvGrpSpPr>
         <p:cNvPr id="1" name="">
           <a:extLst>
             <a:ext uri="{FF2B5EF4-FFF2-40B4-BE49-F238E27FC236}">
@@ -4374,7 +4522,7 @@
           <a:p>
             <a:fld id="{4263717A-E3C1-4BED-ABE0-B7069385E023}" type="datetimeFigureOut">
               <a:rPr lang="en-US" smtClean="0"/>
-              <a:t>5/14/2025</a:t>
+              <a:t>5/17/2025</a:t>
             </a:fld>
             <a:endParaRPr lang="en-US"/>
           </a:p>
@@ -4547,7 +4695,7 @@
           <a:p>
             <a:fld id="{4263717A-E3C1-4BED-ABE0-B7069385E023}" type="datetimeFigureOut">
               <a:rPr lang="en-US" smtClean="0"/>
-              <a:t>5/14/2025</a:t>
+              <a:t>5/17/2025</a:t>
             </a:fld>
             <a:endParaRPr lang="en-US"/>
           </a:p>
@@ -4725,7 +4873,7 @@
           <a:p>
             <a:fld id="{4263717A-E3C1-4BED-ABE0-B7069385E023}" type="datetimeFigureOut">
               <a:rPr lang="en-US" smtClean="0"/>
-              <a:t>5/14/2025</a:t>
+              <a:t>5/17/2025</a:t>
             </a:fld>
             <a:endParaRPr lang="en-US"/>
           </a:p>
@@ -4893,7 +5041,7 @@
           <a:p>
             <a:fld id="{4263717A-E3C1-4BED-ABE0-B7069385E023}" type="datetimeFigureOut">
               <a:rPr lang="en-US" smtClean="0"/>
-              <a:t>5/14/2025</a:t>
+              <a:t>5/17/2025</a:t>
             </a:fld>
             <a:endParaRPr lang="en-US"/>
           </a:p>
@@ -5138,7 +5286,7 @@
           <a:p>
             <a:fld id="{4263717A-E3C1-4BED-ABE0-B7069385E023}" type="datetimeFigureOut">
               <a:rPr lang="en-US" smtClean="0"/>
-              <a:t>5/14/2025</a:t>
+              <a:t>5/17/2025</a:t>
             </a:fld>
             <a:endParaRPr lang="en-US"/>
           </a:p>
@@ -5367,7 +5515,7 @@
           <a:p>
             <a:fld id="{4263717A-E3C1-4BED-ABE0-B7069385E023}" type="datetimeFigureOut">
               <a:rPr lang="en-US" smtClean="0"/>
-              <a:t>5/14/2025</a:t>
+              <a:t>5/17/2025</a:t>
             </a:fld>
             <a:endParaRPr lang="en-US"/>
           </a:p>
@@ -5731,7 +5879,7 @@
           <a:p>
             <a:fld id="{4263717A-E3C1-4BED-ABE0-B7069385E023}" type="datetimeFigureOut">
               <a:rPr lang="en-US" smtClean="0"/>
-              <a:t>5/14/2025</a:t>
+              <a:t>5/17/2025</a:t>
             </a:fld>
             <a:endParaRPr lang="en-US"/>
           </a:p>
@@ -5848,7 +5996,7 @@
           <a:p>
             <a:fld id="{4263717A-E3C1-4BED-ABE0-B7069385E023}" type="datetimeFigureOut">
               <a:rPr lang="en-US" smtClean="0"/>
-              <a:t>5/14/2025</a:t>
+              <a:t>5/17/2025</a:t>
             </a:fld>
             <a:endParaRPr lang="en-US"/>
           </a:p>
@@ -5943,7 +6091,7 @@
           <a:p>
             <a:fld id="{4263717A-E3C1-4BED-ABE0-B7069385E023}" type="datetimeFigureOut">
               <a:rPr lang="en-US" smtClean="0"/>
-              <a:t>5/14/2025</a:t>
+              <a:t>5/17/2025</a:t>
             </a:fld>
             <a:endParaRPr lang="en-US"/>
           </a:p>
@@ -6218,7 +6366,7 @@
           <a:p>
             <a:fld id="{4263717A-E3C1-4BED-ABE0-B7069385E023}" type="datetimeFigureOut">
               <a:rPr lang="en-US" smtClean="0"/>
-              <a:t>5/14/2025</a:t>
+              <a:t>5/17/2025</a:t>
             </a:fld>
             <a:endParaRPr lang="en-US"/>
           </a:p>
@@ -6470,7 +6618,7 @@
           <a:p>
             <a:fld id="{4263717A-E3C1-4BED-ABE0-B7069385E023}" type="datetimeFigureOut">
               <a:rPr lang="en-US" smtClean="0"/>
-              <a:t>5/14/2025</a:t>
+              <a:t>5/17/2025</a:t>
             </a:fld>
             <a:endParaRPr lang="en-US"/>
           </a:p>
@@ -6689,7 +6837,7 @@
           <a:p>
             <a:fld id="{4263717A-E3C1-4BED-ABE0-B7069385E023}" type="datetimeFigureOut">
               <a:rPr lang="en-US" smtClean="0"/>
-              <a:t>5/14/2025</a:t>
+              <a:t>5/17/2025</a:t>
             </a:fld>
             <a:endParaRPr lang="en-US"/>
           </a:p>
@@ -7430,7 +7578,7 @@
           <p:nvPr/>
         </p:nvPicPr>
         <p:blipFill>
-          <a:blip r:embed="rId2">
+          <a:blip r:embed="rId3">
             <a:extLst>
               <a:ext uri="{28A0092B-C50C-407E-A947-70E740481C1C}">
                 <a14:useLocalDpi xmlns:a14="http://schemas.microsoft.com/office/drawing/2010/main" val="0"/>
@@ -7444,13 +7592,20 @@
         </p:blipFill>
         <p:spPr bwMode="auto">
           <a:xfrm>
-            <a:off x="3000256" y="116619"/>
+            <a:off x="1906747" y="116619"/>
             <a:ext cx="8153700" cy="6433604"/>
           </a:xfrm>
           <a:prstGeom prst="rect">
             <a:avLst/>
           </a:prstGeom>
           <a:noFill/>
+          <a:effectLst>
+            <a:outerShdw blurRad="50800" dist="50800" dir="5400000" algn="ctr" rotWithShape="0">
+              <a:srgbClr val="000000">
+                <a:alpha val="77000"/>
+              </a:srgbClr>
+            </a:outerShdw>
+          </a:effectLst>
           <a:extLst>
             <a:ext uri="{909E8E84-426E-40DD-AFC4-6F175D3DCCD1}">
               <a14:hiddenFill xmlns:a14="http://schemas.microsoft.com/office/drawing/2010/main">
@@ -7476,8 +7631,8 @@
         </p:nvSpPr>
         <p:spPr>
           <a:xfrm>
-            <a:off x="3708671" y="6550223"/>
-            <a:ext cx="6460825" cy="307777"/>
+            <a:off x="2057224" y="6333247"/>
+            <a:ext cx="8721847" cy="461665"/>
           </a:xfrm>
           <a:prstGeom prst="rect">
             <a:avLst/>
@@ -7491,18 +7646,84 @@
           <a:lstStyle/>
           <a:p>
             <a:r>
-              <a:rPr lang="en-US" sz="1400" dirty="0"/>
+              <a:rPr lang="en-US" sz="1200" dirty="0">
+                <a:hlinkClick r:id="rId4">
+                  <a:extLst>
+                    <a:ext uri="{A12FA001-AC4F-418D-AE19-62706E023703}">
+                      <ahyp:hlinkClr xmlns:ahyp="http://schemas.microsoft.com/office/drawing/2018/hyperlinkcolor" val="tx"/>
+                    </a:ext>
+                  </a:extLst>
+                </a:hlinkClick>
+              </a:rPr>
               <a:t>https://www.analyticsvidhya.com/blog/2021/05/all-you-need-to-know-about-bert/</a:t>
             </a:r>
-          </a:p>
-        </p:txBody>
-      </p:sp>
-      <p:sp>
-        <p:nvSpPr>
-          <p:cNvPr id="6" name="TextBox 5">
+            <a:endParaRPr lang="en-US" sz="1200" dirty="0"/>
+          </a:p>
+          <a:p>
+            <a:r>
+              <a:rPr lang="en-US" sz="1200" dirty="0"/>
+              <a:t>https://github.com/rasbt/LLMs-from-scratch/blob/main/ch02/03_bonus_embedding-vs-matmul/embeddings-and-linear-layers.ipynb</a:t>
+            </a:r>
+          </a:p>
+        </p:txBody>
+      </p:sp>
+      <p:pic>
+        <p:nvPicPr>
+          <p:cNvPr id="2" name="Picture 2">
             <a:extLst>
               <a:ext uri="{FF2B5EF4-FFF2-40B4-BE49-F238E27FC236}">
-                <a16:creationId xmlns:a16="http://schemas.microsoft.com/office/drawing/2014/main" id="{DC8BD3C1-0620-61C4-4238-6C2B3533B391}"/>
+                <a16:creationId xmlns:a16="http://schemas.microsoft.com/office/drawing/2014/main" id="{5C40E0D0-798D-5FFF-F849-F467EF87FB92}"/>
+              </a:ext>
+            </a:extLst>
+          </p:cNvPr>
+          <p:cNvPicPr>
+            <a:picLocks noChangeAspect="1" noChangeArrowheads="1"/>
+          </p:cNvPicPr>
+          <p:nvPr/>
+        </p:nvPicPr>
+        <p:blipFill>
+          <a:blip r:embed="rId5">
+            <a:alphaModFix/>
+            <a:extLst>
+              <a:ext uri="{28A0092B-C50C-407E-A947-70E740481C1C}">
+                <a14:useLocalDpi xmlns:a14="http://schemas.microsoft.com/office/drawing/2010/main" val="0"/>
+              </a:ext>
+            </a:extLst>
+          </a:blip>
+          <a:srcRect/>
+          <a:stretch>
+            <a:fillRect/>
+          </a:stretch>
+        </p:blipFill>
+        <p:spPr bwMode="auto">
+          <a:xfrm>
+            <a:off x="5179835" y="1746930"/>
+            <a:ext cx="4312957" cy="2692871"/>
+          </a:xfrm>
+          <a:prstGeom prst="rect">
+            <a:avLst/>
+          </a:prstGeom>
+          <a:pattFill prst="pct5">
+            <a:fgClr>
+              <a:schemeClr val="accent1"/>
+            </a:fgClr>
+            <a:bgClr>
+              <a:schemeClr val="bg1"/>
+            </a:bgClr>
+          </a:pattFill>
+          <a:effectLst>
+            <a:outerShdw blurRad="50800" dist="50800" dir="5400000" algn="ctr" rotWithShape="0">
+              <a:srgbClr val="000000"/>
+            </a:outerShdw>
+          </a:effectLst>
+        </p:spPr>
+      </p:pic>
+      <p:sp>
+        <p:nvSpPr>
+          <p:cNvPr id="4" name="TextBox 3">
+            <a:extLst>
+              <a:ext uri="{FF2B5EF4-FFF2-40B4-BE49-F238E27FC236}">
+                <a16:creationId xmlns:a16="http://schemas.microsoft.com/office/drawing/2014/main" id="{36E5D884-7283-5DAF-F38F-A47F7EDD5EEA}"/>
               </a:ext>
             </a:extLst>
           </p:cNvPr>
@@ -7511,8 +7732,8 @@
         </p:nvSpPr>
         <p:spPr>
           <a:xfrm>
-            <a:off x="457200" y="2109019"/>
-            <a:ext cx="1978683" cy="369332"/>
+            <a:off x="2736801" y="2425480"/>
+            <a:ext cx="2088347" cy="1815882"/>
           </a:xfrm>
           <a:prstGeom prst="rect">
             <a:avLst/>
@@ -7520,14 +7741,14 @@
           <a:noFill/>
         </p:spPr>
         <p:txBody>
-          <a:bodyPr wrap="none" rtlCol="0">
+          <a:bodyPr wrap="square">
             <a:spAutoFit/>
           </a:bodyPr>
           <a:lstStyle/>
           <a:p>
             <a:r>
-              <a:rPr lang="en-US" dirty="0"/>
-              <a:t>After Training BERT</a:t>
+              <a:rPr lang="en-US" sz="2800" b="1" dirty="0"/>
+              <a:t>Trained BERT embedding layer</a:t>
             </a:r>
           </a:p>
         </p:txBody>
@@ -8304,8 +8525,61 @@
         </p:nvSpPr>
         <p:spPr>
           <a:xfrm>
-            <a:off x="9563100" y="3536894"/>
+            <a:off x="9570849" y="1881915"/>
             <a:ext cx="2281287" cy="1569660"/>
+          </a:xfrm>
+          <a:prstGeom prst="rect">
+            <a:avLst/>
+          </a:prstGeom>
+          <a:solidFill>
+            <a:schemeClr val="accent4">
+              <a:lumMod val="20000"/>
+              <a:lumOff val="80000"/>
+            </a:schemeClr>
+          </a:solidFill>
+        </p:spPr>
+        <p:txBody>
+          <a:bodyPr wrap="square">
+            <a:spAutoFit/>
+          </a:bodyPr>
+          <a:lstStyle/>
+          <a:p>
+            <a:r>
+              <a:rPr lang="en-GB" sz="2400" dirty="0"/>
+              <a:t>The inputs are converted to the </a:t>
+            </a:r>
+            <a:r>
+              <a:rPr lang="en-GB" sz="2400" b="1" dirty="0">
+                <a:solidFill>
+                  <a:srgbClr val="FF0000"/>
+                </a:solidFill>
+              </a:rPr>
+              <a:t>sum</a:t>
+            </a:r>
+            <a:r>
+              <a:rPr lang="en-GB" sz="2400" dirty="0"/>
+              <a:t> of three embeddings</a:t>
+            </a:r>
+            <a:endParaRPr lang="en-US" sz="2400" dirty="0"/>
+          </a:p>
+        </p:txBody>
+      </p:sp>
+      <p:sp>
+        <p:nvSpPr>
+          <p:cNvPr id="3" name="TextBox 2">
+            <a:extLst>
+              <a:ext uri="{FF2B5EF4-FFF2-40B4-BE49-F238E27FC236}">
+                <a16:creationId xmlns:a16="http://schemas.microsoft.com/office/drawing/2014/main" id="{ED02D776-AD27-5FDF-280C-5AE35920F330}"/>
+              </a:ext>
+            </a:extLst>
+          </p:cNvPr>
+          <p:cNvSpPr txBox="1"/>
+          <p:nvPr/>
+        </p:nvSpPr>
+        <p:spPr>
+          <a:xfrm>
+            <a:off x="9449979" y="4138825"/>
+            <a:ext cx="2648792" cy="646331"/>
           </a:xfrm>
           <a:prstGeom prst="rect">
             <a:avLst/>
@@ -8313,31 +8587,61 @@
           <a:noFill/>
         </p:spPr>
         <p:txBody>
-          <a:bodyPr wrap="square">
+          <a:bodyPr wrap="square" rtlCol="0">
             <a:spAutoFit/>
           </a:bodyPr>
           <a:lstStyle/>
           <a:p>
             <a:r>
-              <a:rPr lang="en-GB" sz="2400" dirty="0"/>
-              <a:t>The input embeddings are the </a:t>
-            </a:r>
-            <a:r>
-              <a:rPr lang="en-GB" sz="2400" b="1" dirty="0">
+              <a:rPr lang="en-US" dirty="0">
                 <a:solidFill>
                   <a:srgbClr val="FF0000"/>
                 </a:solidFill>
               </a:rPr>
-              <a:t>sum</a:t>
-            </a:r>
-            <a:r>
-              <a:rPr lang="en-GB" sz="2400" dirty="0"/>
-              <a:t> of three embeddings</a:t>
-            </a:r>
-            <a:endParaRPr lang="en-US" sz="2400" dirty="0"/>
-          </a:p>
-        </p:txBody>
-      </p:sp>
+              <a:t>embedding matrix shape (30522,768)</a:t>
+            </a:r>
+          </a:p>
+        </p:txBody>
+      </p:sp>
+      <p:cxnSp>
+        <p:nvCxnSpPr>
+          <p:cNvPr id="5" name="Straight Arrow Connector 4">
+            <a:extLst>
+              <a:ext uri="{FF2B5EF4-FFF2-40B4-BE49-F238E27FC236}">
+                <a16:creationId xmlns:a16="http://schemas.microsoft.com/office/drawing/2014/main" id="{0B7879F0-4B34-E67A-A4D7-5363DCE24ADB}"/>
+              </a:ext>
+            </a:extLst>
+          </p:cNvPr>
+          <p:cNvCxnSpPr/>
+          <p:nvPr/>
+        </p:nvCxnSpPr>
+        <p:spPr>
+          <a:xfrm flipH="1">
+            <a:off x="9353227" y="3401957"/>
+            <a:ext cx="325465" cy="426124"/>
+          </a:xfrm>
+          <a:prstGeom prst="straightConnector1">
+            <a:avLst/>
+          </a:prstGeom>
+          <a:ln>
+            <a:tailEnd type="triangle"/>
+          </a:ln>
+        </p:spPr>
+        <p:style>
+          <a:lnRef idx="1">
+            <a:schemeClr val="accent2"/>
+          </a:lnRef>
+          <a:fillRef idx="0">
+            <a:schemeClr val="accent2"/>
+          </a:fillRef>
+          <a:effectRef idx="0">
+            <a:schemeClr val="accent2"/>
+          </a:effectRef>
+          <a:fontRef idx="minor">
+            <a:schemeClr val="tx1"/>
+          </a:fontRef>
+        </p:style>
+      </p:cxnSp>
     </p:spTree>
     <p:extLst>
       <p:ext uri="{BB962C8B-B14F-4D97-AF65-F5344CB8AC3E}">
@@ -8435,14 +8739,498 @@
         </p:blipFill>
         <p:spPr>
           <a:xfrm>
-            <a:off x="2501369" y="0"/>
-            <a:ext cx="7189261" cy="6858000"/>
+            <a:off x="2501370" y="790414"/>
+            <a:ext cx="6360666" cy="6067585"/>
           </a:xfrm>
           <a:prstGeom prst="rect">
             <a:avLst/>
           </a:prstGeom>
         </p:spPr>
       </p:pic>
+      <p:pic>
+        <p:nvPicPr>
+          <p:cNvPr id="3" name="Picture 2">
+            <a:extLst>
+              <a:ext uri="{FF2B5EF4-FFF2-40B4-BE49-F238E27FC236}">
+                <a16:creationId xmlns:a16="http://schemas.microsoft.com/office/drawing/2014/main" id="{F585DA38-2A3B-8445-81CE-F669A6DB15DA}"/>
+              </a:ext>
+            </a:extLst>
+          </p:cNvPr>
+          <p:cNvPicPr>
+            <a:picLocks noChangeAspect="1"/>
+          </p:cNvPicPr>
+          <p:nvPr/>
+        </p:nvPicPr>
+        <p:blipFill>
+          <a:blip r:embed="rId3"/>
+          <a:stretch>
+            <a:fillRect/>
+          </a:stretch>
+        </p:blipFill>
+        <p:spPr>
+          <a:xfrm>
+            <a:off x="3466955" y="147234"/>
+            <a:ext cx="4808637" cy="441998"/>
+          </a:xfrm>
+          <a:prstGeom prst="rect">
+            <a:avLst/>
+          </a:prstGeom>
+        </p:spPr>
+      </p:pic>
+      <p:sp>
+        <p:nvSpPr>
+          <p:cNvPr id="6" name="TextBox 5">
+            <a:extLst>
+              <a:ext uri="{FF2B5EF4-FFF2-40B4-BE49-F238E27FC236}">
+                <a16:creationId xmlns:a16="http://schemas.microsoft.com/office/drawing/2014/main" id="{030E4D83-16FF-F454-26F9-BD5603BC4A02}"/>
+              </a:ext>
+            </a:extLst>
+          </p:cNvPr>
+          <p:cNvSpPr txBox="1"/>
+          <p:nvPr/>
+        </p:nvSpPr>
+        <p:spPr>
+          <a:xfrm>
+            <a:off x="9257783" y="266066"/>
+            <a:ext cx="2288456" cy="707886"/>
+          </a:xfrm>
+          <a:prstGeom prst="rect">
+            <a:avLst/>
+          </a:prstGeom>
+          <a:noFill/>
+        </p:spPr>
+        <p:txBody>
+          <a:bodyPr wrap="square" rtlCol="0">
+            <a:spAutoFit/>
+          </a:bodyPr>
+          <a:lstStyle/>
+          <a:p>
+            <a:r>
+              <a:rPr lang="en-US" sz="2000" dirty="0"/>
+              <a:t>SoftMax to predict the word “</a:t>
+            </a:r>
+            <a:r>
+              <a:rPr lang="en-US" sz="2000" b="1" dirty="0">
+                <a:solidFill>
+                  <a:schemeClr val="accent4"/>
+                </a:solidFill>
+              </a:rPr>
+              <a:t>Bank</a:t>
+            </a:r>
+            <a:r>
+              <a:rPr lang="en-US" sz="2000" dirty="0"/>
+              <a:t>”</a:t>
+            </a:r>
+          </a:p>
+        </p:txBody>
+      </p:sp>
+      <p:cxnSp>
+        <p:nvCxnSpPr>
+          <p:cNvPr id="8" name="Straight Arrow Connector 7">
+            <a:extLst>
+              <a:ext uri="{FF2B5EF4-FFF2-40B4-BE49-F238E27FC236}">
+                <a16:creationId xmlns:a16="http://schemas.microsoft.com/office/drawing/2014/main" id="{CB5CE808-BB3B-2612-6223-51563E034459}"/>
+              </a:ext>
+            </a:extLst>
+          </p:cNvPr>
+          <p:cNvCxnSpPr>
+            <a:endCxn id="3" idx="3"/>
+          </p:cNvCxnSpPr>
+          <p:nvPr/>
+        </p:nvCxnSpPr>
+        <p:spPr>
+          <a:xfrm flipH="1" flipV="1">
+            <a:off x="8275592" y="368233"/>
+            <a:ext cx="798666" cy="251776"/>
+          </a:xfrm>
+          <a:prstGeom prst="straightConnector1">
+            <a:avLst/>
+          </a:prstGeom>
+          <a:ln>
+            <a:tailEnd type="triangle"/>
+          </a:ln>
+        </p:spPr>
+        <p:style>
+          <a:lnRef idx="1">
+            <a:schemeClr val="accent1"/>
+          </a:lnRef>
+          <a:fillRef idx="0">
+            <a:schemeClr val="accent1"/>
+          </a:fillRef>
+          <a:effectRef idx="0">
+            <a:schemeClr val="accent1"/>
+          </a:effectRef>
+          <a:fontRef idx="minor">
+            <a:schemeClr val="tx1"/>
+          </a:fontRef>
+        </p:style>
+      </p:cxnSp>
+      <p:sp>
+        <p:nvSpPr>
+          <p:cNvPr id="9" name="Freeform: Shape 8">
+            <a:extLst>
+              <a:ext uri="{FF2B5EF4-FFF2-40B4-BE49-F238E27FC236}">
+                <a16:creationId xmlns:a16="http://schemas.microsoft.com/office/drawing/2014/main" id="{5D5668AD-4612-36E0-4B0C-D830EE7F13F5}"/>
+              </a:ext>
+            </a:extLst>
+          </p:cNvPr>
+          <p:cNvSpPr/>
+          <p:nvPr/>
+        </p:nvSpPr>
+        <p:spPr>
+          <a:xfrm>
+            <a:off x="8710047" y="1007390"/>
+            <a:ext cx="2291762" cy="4745597"/>
+          </a:xfrm>
+          <a:custGeom>
+            <a:avLst/>
+            <a:gdLst>
+              <a:gd name="connsiteX0" fmla="*/ 1379350 w 2291762"/>
+              <a:gd name="connsiteY0" fmla="*/ 0 h 4745597"/>
+              <a:gd name="connsiteX1" fmla="*/ 2208509 w 2291762"/>
+              <a:gd name="connsiteY1" fmla="*/ 1673817 h 4745597"/>
+              <a:gd name="connsiteX2" fmla="*/ 2208509 w 2291762"/>
+              <a:gd name="connsiteY2" fmla="*/ 2828441 h 4745597"/>
+              <a:gd name="connsiteX3" fmla="*/ 1728061 w 2291762"/>
+              <a:gd name="connsiteY3" fmla="*/ 3797085 h 4745597"/>
+              <a:gd name="connsiteX4" fmla="*/ 1247614 w 2291762"/>
+              <a:gd name="connsiteY4" fmla="*/ 4401518 h 4745597"/>
+              <a:gd name="connsiteX5" fmla="*/ 526943 w 2291762"/>
+              <a:gd name="connsiteY5" fmla="*/ 4742481 h 4745597"/>
+              <a:gd name="connsiteX6" fmla="*/ 0 w 2291762"/>
+              <a:gd name="connsiteY6" fmla="*/ 4579749 h 4745597"/>
+              <a:gd name="connsiteX7" fmla="*/ 0 w 2291762"/>
+              <a:gd name="connsiteY7" fmla="*/ 4579749 h 4745597"/>
+            </a:gdLst>
+            <a:ahLst/>
+            <a:cxnLst>
+              <a:cxn ang="0">
+                <a:pos x="connsiteX0" y="connsiteY0"/>
+              </a:cxn>
+              <a:cxn ang="0">
+                <a:pos x="connsiteX1" y="connsiteY1"/>
+              </a:cxn>
+              <a:cxn ang="0">
+                <a:pos x="connsiteX2" y="connsiteY2"/>
+              </a:cxn>
+              <a:cxn ang="0">
+                <a:pos x="connsiteX3" y="connsiteY3"/>
+              </a:cxn>
+              <a:cxn ang="0">
+                <a:pos x="connsiteX4" y="connsiteY4"/>
+              </a:cxn>
+              <a:cxn ang="0">
+                <a:pos x="connsiteX5" y="connsiteY5"/>
+              </a:cxn>
+              <a:cxn ang="0">
+                <a:pos x="connsiteX6" y="connsiteY6"/>
+              </a:cxn>
+              <a:cxn ang="0">
+                <a:pos x="connsiteX7" y="connsiteY7"/>
+              </a:cxn>
+            </a:cxnLst>
+            <a:rect l="l" t="t" r="r" b="b"/>
+            <a:pathLst>
+              <a:path w="2291762" h="4745597">
+                <a:moveTo>
+                  <a:pt x="1379350" y="0"/>
+                </a:moveTo>
+                <a:cubicBezTo>
+                  <a:pt x="1724833" y="601205"/>
+                  <a:pt x="2070316" y="1202410"/>
+                  <a:pt x="2208509" y="1673817"/>
+                </a:cubicBezTo>
+                <a:cubicBezTo>
+                  <a:pt x="2346702" y="2145224"/>
+                  <a:pt x="2288584" y="2474563"/>
+                  <a:pt x="2208509" y="2828441"/>
+                </a:cubicBezTo>
+                <a:cubicBezTo>
+                  <a:pt x="2128434" y="3182319"/>
+                  <a:pt x="1888210" y="3534906"/>
+                  <a:pt x="1728061" y="3797085"/>
+                </a:cubicBezTo>
+                <a:cubicBezTo>
+                  <a:pt x="1567912" y="4059264"/>
+                  <a:pt x="1447800" y="4243952"/>
+                  <a:pt x="1247614" y="4401518"/>
+                </a:cubicBezTo>
+                <a:cubicBezTo>
+                  <a:pt x="1047428" y="4559084"/>
+                  <a:pt x="734879" y="4712776"/>
+                  <a:pt x="526943" y="4742481"/>
+                </a:cubicBezTo>
+                <a:cubicBezTo>
+                  <a:pt x="319007" y="4772186"/>
+                  <a:pt x="0" y="4579749"/>
+                  <a:pt x="0" y="4579749"/>
+                </a:cubicBezTo>
+                <a:lnTo>
+                  <a:pt x="0" y="4579749"/>
+                </a:lnTo>
+              </a:path>
+            </a:pathLst>
+          </a:custGeom>
+          <a:noFill/>
+        </p:spPr>
+        <p:style>
+          <a:lnRef idx="2">
+            <a:schemeClr val="accent1">
+              <a:shade val="15000"/>
+            </a:schemeClr>
+          </a:lnRef>
+          <a:fillRef idx="1">
+            <a:schemeClr val="accent1"/>
+          </a:fillRef>
+          <a:effectRef idx="0">
+            <a:schemeClr val="accent1"/>
+          </a:effectRef>
+          <a:fontRef idx="minor">
+            <a:schemeClr val="lt1"/>
+          </a:fontRef>
+        </p:style>
+        <p:txBody>
+          <a:bodyPr rtlCol="0" anchor="ctr"/>
+          <a:lstStyle/>
+          <a:p>
+            <a:pPr algn="ctr"/>
+            <a:endParaRPr lang="en-US"/>
+          </a:p>
+        </p:txBody>
+      </p:sp>
+      <p:sp>
+        <p:nvSpPr>
+          <p:cNvPr id="12" name="Freeform: Shape 11">
+            <a:extLst>
+              <a:ext uri="{FF2B5EF4-FFF2-40B4-BE49-F238E27FC236}">
+                <a16:creationId xmlns:a16="http://schemas.microsoft.com/office/drawing/2014/main" id="{B4DD1C6B-CF2D-A2BD-95AF-4B15C6315720}"/>
+              </a:ext>
+            </a:extLst>
+          </p:cNvPr>
+          <p:cNvSpPr/>
+          <p:nvPr/>
+        </p:nvSpPr>
+        <p:spPr>
+          <a:xfrm>
+            <a:off x="8702298" y="5610386"/>
+            <a:ext cx="85241" cy="278970"/>
+          </a:xfrm>
+          <a:custGeom>
+            <a:avLst/>
+            <a:gdLst>
+              <a:gd name="connsiteX0" fmla="*/ 0 w 85241"/>
+              <a:gd name="connsiteY0" fmla="*/ 0 h 278970"/>
+              <a:gd name="connsiteX1" fmla="*/ 23248 w 85241"/>
+              <a:gd name="connsiteY1" fmla="*/ 108489 h 278970"/>
+              <a:gd name="connsiteX2" fmla="*/ 61994 w 85241"/>
+              <a:gd name="connsiteY2" fmla="*/ 201478 h 278970"/>
+              <a:gd name="connsiteX3" fmla="*/ 69743 w 85241"/>
+              <a:gd name="connsiteY3" fmla="*/ 240224 h 278970"/>
+              <a:gd name="connsiteX4" fmla="*/ 85241 w 85241"/>
+              <a:gd name="connsiteY4" fmla="*/ 278970 h 278970"/>
+            </a:gdLst>
+            <a:ahLst/>
+            <a:cxnLst>
+              <a:cxn ang="0">
+                <a:pos x="connsiteX0" y="connsiteY0"/>
+              </a:cxn>
+              <a:cxn ang="0">
+                <a:pos x="connsiteX1" y="connsiteY1"/>
+              </a:cxn>
+              <a:cxn ang="0">
+                <a:pos x="connsiteX2" y="connsiteY2"/>
+              </a:cxn>
+              <a:cxn ang="0">
+                <a:pos x="connsiteX3" y="connsiteY3"/>
+              </a:cxn>
+              <a:cxn ang="0">
+                <a:pos x="connsiteX4" y="connsiteY4"/>
+              </a:cxn>
+            </a:cxnLst>
+            <a:rect l="l" t="t" r="r" b="b"/>
+            <a:pathLst>
+              <a:path w="85241" h="278970">
+                <a:moveTo>
+                  <a:pt x="0" y="0"/>
+                </a:moveTo>
+                <a:cubicBezTo>
+                  <a:pt x="4806" y="24033"/>
+                  <a:pt x="18657" y="94715"/>
+                  <a:pt x="23248" y="108489"/>
+                </a:cubicBezTo>
+                <a:cubicBezTo>
+                  <a:pt x="33867" y="140345"/>
+                  <a:pt x="49079" y="170482"/>
+                  <a:pt x="61994" y="201478"/>
+                </a:cubicBezTo>
+                <a:cubicBezTo>
+                  <a:pt x="64577" y="214393"/>
+                  <a:pt x="65958" y="227608"/>
+                  <a:pt x="69743" y="240224"/>
+                </a:cubicBezTo>
+                <a:cubicBezTo>
+                  <a:pt x="73740" y="253548"/>
+                  <a:pt x="85241" y="278970"/>
+                  <a:pt x="85241" y="278970"/>
+                </a:cubicBezTo>
+              </a:path>
+            </a:pathLst>
+          </a:custGeom>
+          <a:noFill/>
+        </p:spPr>
+        <p:style>
+          <a:lnRef idx="2">
+            <a:schemeClr val="accent1">
+              <a:shade val="15000"/>
+            </a:schemeClr>
+          </a:lnRef>
+          <a:fillRef idx="1">
+            <a:schemeClr val="accent1"/>
+          </a:fillRef>
+          <a:effectRef idx="0">
+            <a:schemeClr val="accent1"/>
+          </a:effectRef>
+          <a:fontRef idx="minor">
+            <a:schemeClr val="lt1"/>
+          </a:fontRef>
+        </p:style>
+        <p:txBody>
+          <a:bodyPr rtlCol="0" anchor="ctr"/>
+          <a:lstStyle/>
+          <a:p>
+            <a:pPr algn="ctr"/>
+            <a:endParaRPr lang="en-US"/>
+          </a:p>
+        </p:txBody>
+      </p:sp>
+      <p:sp>
+        <p:nvSpPr>
+          <p:cNvPr id="13" name="Freeform: Shape 12">
+            <a:extLst>
+              <a:ext uri="{FF2B5EF4-FFF2-40B4-BE49-F238E27FC236}">
+                <a16:creationId xmlns:a16="http://schemas.microsoft.com/office/drawing/2014/main" id="{910BB69E-1917-6B21-3926-0282F6F30FDA}"/>
+              </a:ext>
+            </a:extLst>
+          </p:cNvPr>
+          <p:cNvSpPr/>
+          <p:nvPr/>
+        </p:nvSpPr>
+        <p:spPr>
+          <a:xfrm>
+            <a:off x="8756542" y="5532895"/>
+            <a:ext cx="247973" cy="54244"/>
+          </a:xfrm>
+          <a:custGeom>
+            <a:avLst/>
+            <a:gdLst>
+              <a:gd name="connsiteX0" fmla="*/ 0 w 247973"/>
+              <a:gd name="connsiteY0" fmla="*/ 54244 h 54244"/>
+              <a:gd name="connsiteX1" fmla="*/ 85241 w 247973"/>
+              <a:gd name="connsiteY1" fmla="*/ 38746 h 54244"/>
+              <a:gd name="connsiteX2" fmla="*/ 193729 w 247973"/>
+              <a:gd name="connsiteY2" fmla="*/ 23247 h 54244"/>
+              <a:gd name="connsiteX3" fmla="*/ 247973 w 247973"/>
+              <a:gd name="connsiteY3" fmla="*/ 0 h 54244"/>
+            </a:gdLst>
+            <a:ahLst/>
+            <a:cxnLst>
+              <a:cxn ang="0">
+                <a:pos x="connsiteX0" y="connsiteY0"/>
+              </a:cxn>
+              <a:cxn ang="0">
+                <a:pos x="connsiteX1" y="connsiteY1"/>
+              </a:cxn>
+              <a:cxn ang="0">
+                <a:pos x="connsiteX2" y="connsiteY2"/>
+              </a:cxn>
+              <a:cxn ang="0">
+                <a:pos x="connsiteX3" y="connsiteY3"/>
+              </a:cxn>
+            </a:cxnLst>
+            <a:rect l="l" t="t" r="r" b="b"/>
+            <a:pathLst>
+              <a:path w="247973" h="54244">
+                <a:moveTo>
+                  <a:pt x="0" y="54244"/>
+                </a:moveTo>
+                <a:cubicBezTo>
+                  <a:pt x="37535" y="46737"/>
+                  <a:pt x="45578" y="44696"/>
+                  <a:pt x="85241" y="38746"/>
+                </a:cubicBezTo>
+                <a:lnTo>
+                  <a:pt x="193729" y="23247"/>
+                </a:lnTo>
+                <a:cubicBezTo>
+                  <a:pt x="237344" y="16360"/>
+                  <a:pt x="224435" y="23538"/>
+                  <a:pt x="247973" y="0"/>
+                </a:cubicBezTo>
+              </a:path>
+            </a:pathLst>
+          </a:custGeom>
+          <a:noFill/>
+        </p:spPr>
+        <p:style>
+          <a:lnRef idx="2">
+            <a:schemeClr val="accent1">
+              <a:shade val="15000"/>
+            </a:schemeClr>
+          </a:lnRef>
+          <a:fillRef idx="1">
+            <a:schemeClr val="accent1"/>
+          </a:fillRef>
+          <a:effectRef idx="0">
+            <a:schemeClr val="accent1"/>
+          </a:effectRef>
+          <a:fontRef idx="minor">
+            <a:schemeClr val="lt1"/>
+          </a:fontRef>
+        </p:style>
+        <p:txBody>
+          <a:bodyPr rtlCol="0" anchor="ctr"/>
+          <a:lstStyle/>
+          <a:p>
+            <a:pPr algn="ctr"/>
+            <a:endParaRPr lang="en-US"/>
+          </a:p>
+        </p:txBody>
+      </p:sp>
+      <p:sp>
+        <p:nvSpPr>
+          <p:cNvPr id="14" name="TextBox 13">
+            <a:extLst>
+              <a:ext uri="{FF2B5EF4-FFF2-40B4-BE49-F238E27FC236}">
+                <a16:creationId xmlns:a16="http://schemas.microsoft.com/office/drawing/2014/main" id="{6F31E30B-15AB-A2A2-915F-D53C80B27246}"/>
+              </a:ext>
+            </a:extLst>
+          </p:cNvPr>
+          <p:cNvSpPr txBox="1"/>
+          <p:nvPr/>
+        </p:nvSpPr>
+        <p:spPr>
+          <a:xfrm>
+            <a:off x="9190495" y="4858719"/>
+            <a:ext cx="1965795" cy="369332"/>
+          </a:xfrm>
+          <a:prstGeom prst="rect">
+            <a:avLst/>
+          </a:prstGeom>
+          <a:noFill/>
+        </p:spPr>
+        <p:txBody>
+          <a:bodyPr wrap="none" rtlCol="0">
+            <a:spAutoFit/>
+          </a:bodyPr>
+          <a:lstStyle/>
+          <a:p>
+            <a:r>
+              <a:rPr lang="en-US" dirty="0"/>
+              <a:t>update embedding</a:t>
+            </a:r>
+          </a:p>
+        </p:txBody>
+      </p:sp>
     </p:spTree>
     <p:extLst>
       <p:ext uri="{BB962C8B-B14F-4D97-AF65-F5344CB8AC3E}">
@@ -8525,7 +9313,9 @@
           </a:xfrm>
         </p:spPr>
         <p:txBody>
-          <a:bodyPr/>
+          <a:bodyPr>
+            <a:normAutofit fontScale="92500" lnSpcReduction="20000"/>
+          </a:bodyPr>
           <a:lstStyle/>
           <a:p>
             <a:r>
@@ -8537,6 +9327,12 @@
             <a:r>
               <a:rPr lang="en-GB" dirty="0"/>
               <a:t>These embeddings are adjusted using backpropagation based on how well the model predicts the masked words.</a:t>
+            </a:r>
+          </a:p>
+          <a:p>
+            <a:r>
+              <a:rPr lang="en-GB" dirty="0"/>
+              <a:t>A single loss function is used to update all the learnable parameters</a:t>
             </a:r>
             <a:endParaRPr lang="en-US" dirty="0"/>
           </a:p>
@@ -9995,6 +10791,110 @@
           <a:xfrm flipH="1" flipV="1">
             <a:off x="4989786" y="5994259"/>
             <a:ext cx="468040" cy="326353"/>
+          </a:xfrm>
+          <a:prstGeom prst="straightConnector1">
+            <a:avLst/>
+          </a:prstGeom>
+          <a:ln>
+            <a:tailEnd type="triangle"/>
+          </a:ln>
+        </p:spPr>
+        <p:style>
+          <a:lnRef idx="1">
+            <a:schemeClr val="accent2"/>
+          </a:lnRef>
+          <a:fillRef idx="0">
+            <a:schemeClr val="accent2"/>
+          </a:fillRef>
+          <a:effectRef idx="0">
+            <a:schemeClr val="accent2"/>
+          </a:effectRef>
+          <a:fontRef idx="minor">
+            <a:schemeClr val="tx1"/>
+          </a:fontRef>
+        </p:style>
+      </p:cxnSp>
+      <p:pic>
+        <p:nvPicPr>
+          <p:cNvPr id="3" name="Picture 2">
+            <a:extLst>
+              <a:ext uri="{FF2B5EF4-FFF2-40B4-BE49-F238E27FC236}">
+                <a16:creationId xmlns:a16="http://schemas.microsoft.com/office/drawing/2014/main" id="{6A9E858E-5448-56AD-5177-4164B197692D}"/>
+              </a:ext>
+            </a:extLst>
+          </p:cNvPr>
+          <p:cNvPicPr>
+            <a:picLocks noChangeAspect="1"/>
+          </p:cNvPicPr>
+          <p:nvPr/>
+        </p:nvPicPr>
+        <p:blipFill>
+          <a:blip r:embed="rId5"/>
+          <a:stretch>
+            <a:fillRect/>
+          </a:stretch>
+        </p:blipFill>
+        <p:spPr>
+          <a:xfrm>
+            <a:off x="9922723" y="2624652"/>
+            <a:ext cx="1530524" cy="1917406"/>
+          </a:xfrm>
+          <a:prstGeom prst="rect">
+            <a:avLst/>
+          </a:prstGeom>
+        </p:spPr>
+      </p:pic>
+      <p:sp>
+        <p:nvSpPr>
+          <p:cNvPr id="4" name="TextBox 3">
+            <a:extLst>
+              <a:ext uri="{FF2B5EF4-FFF2-40B4-BE49-F238E27FC236}">
+                <a16:creationId xmlns:a16="http://schemas.microsoft.com/office/drawing/2014/main" id="{CD32433F-CE35-CC45-37B1-3A27F884BDAC}"/>
+              </a:ext>
+            </a:extLst>
+          </p:cNvPr>
+          <p:cNvSpPr txBox="1"/>
+          <p:nvPr/>
+        </p:nvSpPr>
+        <p:spPr>
+          <a:xfrm>
+            <a:off x="7942921" y="3214023"/>
+            <a:ext cx="1949188" cy="369332"/>
+          </a:xfrm>
+          <a:prstGeom prst="rect">
+            <a:avLst/>
+          </a:prstGeom>
+          <a:noFill/>
+        </p:spPr>
+        <p:txBody>
+          <a:bodyPr wrap="none" rtlCol="0">
+            <a:spAutoFit/>
+          </a:bodyPr>
+          <a:lstStyle/>
+          <a:p>
+            <a:r>
+              <a:rPr lang="en-US" dirty="0"/>
+              <a:t>interesting reading</a:t>
+            </a:r>
+          </a:p>
+        </p:txBody>
+      </p:sp>
+      <p:cxnSp>
+        <p:nvCxnSpPr>
+          <p:cNvPr id="9" name="Straight Arrow Connector 8">
+            <a:extLst>
+              <a:ext uri="{FF2B5EF4-FFF2-40B4-BE49-F238E27FC236}">
+                <a16:creationId xmlns:a16="http://schemas.microsoft.com/office/drawing/2014/main" id="{5F51A872-ED7D-C285-AE4B-239C40EAD08A}"/>
+              </a:ext>
+            </a:extLst>
+          </p:cNvPr>
+          <p:cNvCxnSpPr/>
+          <p:nvPr/>
+        </p:nvCxnSpPr>
+        <p:spPr>
+          <a:xfrm>
+            <a:off x="8144359" y="3735092"/>
+            <a:ext cx="1588577" cy="0"/>
           </a:xfrm>
           <a:prstGeom prst="straightConnector1">
             <a:avLst/>
